--- a/GraphQL-Introduction.pptx
+++ b/GraphQL-Introduction.pptx
@@ -4,6 +4,9 @@
   <p:sldMasterIdLst>
     <p:sldMasterId id="2147483648" r:id="rId1"/>
   </p:sldMasterIdLst>
+  <p:notesMasterIdLst>
+    <p:notesMasterId r:id="rId52"/>
+  </p:notesMasterIdLst>
   <p:sldIdLst>
     <p:sldId id="256" r:id="rId2"/>
     <p:sldId id="257" r:id="rId3"/>
@@ -16,23 +19,45 @@
     <p:sldId id="265" r:id="rId10"/>
     <p:sldId id="267" r:id="rId11"/>
     <p:sldId id="266" r:id="rId12"/>
-    <p:sldId id="268" r:id="rId13"/>
-    <p:sldId id="269" r:id="rId14"/>
-    <p:sldId id="270" r:id="rId15"/>
-    <p:sldId id="271" r:id="rId16"/>
-    <p:sldId id="272" r:id="rId17"/>
-    <p:sldId id="273" r:id="rId18"/>
-    <p:sldId id="274" r:id="rId19"/>
-    <p:sldId id="275" r:id="rId20"/>
-    <p:sldId id="276" r:id="rId21"/>
-    <p:sldId id="277" r:id="rId22"/>
-    <p:sldId id="278" r:id="rId23"/>
-    <p:sldId id="279" r:id="rId24"/>
-    <p:sldId id="280" r:id="rId25"/>
-    <p:sldId id="281" r:id="rId26"/>
-    <p:sldId id="282" r:id="rId27"/>
-    <p:sldId id="300" r:id="rId28"/>
-    <p:sldId id="289" r:id="rId29"/>
+    <p:sldId id="304" r:id="rId13"/>
+    <p:sldId id="268" r:id="rId14"/>
+    <p:sldId id="269" r:id="rId15"/>
+    <p:sldId id="270" r:id="rId16"/>
+    <p:sldId id="271" r:id="rId17"/>
+    <p:sldId id="276" r:id="rId18"/>
+    <p:sldId id="272" r:id="rId19"/>
+    <p:sldId id="273" r:id="rId20"/>
+    <p:sldId id="274" r:id="rId21"/>
+    <p:sldId id="275" r:id="rId22"/>
+    <p:sldId id="277" r:id="rId23"/>
+    <p:sldId id="278" r:id="rId24"/>
+    <p:sldId id="279" r:id="rId25"/>
+    <p:sldId id="280" r:id="rId26"/>
+    <p:sldId id="281" r:id="rId27"/>
+    <p:sldId id="282" r:id="rId28"/>
+    <p:sldId id="283" r:id="rId29"/>
+    <p:sldId id="284" r:id="rId30"/>
+    <p:sldId id="285" r:id="rId31"/>
+    <p:sldId id="286" r:id="rId32"/>
+    <p:sldId id="288" r:id="rId33"/>
+    <p:sldId id="287" r:id="rId34"/>
+    <p:sldId id="290" r:id="rId35"/>
+    <p:sldId id="291" r:id="rId36"/>
+    <p:sldId id="292" r:id="rId37"/>
+    <p:sldId id="293" r:id="rId38"/>
+    <p:sldId id="294" r:id="rId39"/>
+    <p:sldId id="295" r:id="rId40"/>
+    <p:sldId id="296" r:id="rId41"/>
+    <p:sldId id="297" r:id="rId42"/>
+    <p:sldId id="298" r:id="rId43"/>
+    <p:sldId id="299" r:id="rId44"/>
+    <p:sldId id="307" r:id="rId45"/>
+    <p:sldId id="305" r:id="rId46"/>
+    <p:sldId id="301" r:id="rId47"/>
+    <p:sldId id="302" r:id="rId48"/>
+    <p:sldId id="306" r:id="rId49"/>
+    <p:sldId id="303" r:id="rId50"/>
+    <p:sldId id="308" r:id="rId51"/>
   </p:sldIdLst>
   <p:sldSz cx="12192000" cy="6858000"/>
   <p:notesSz cx="6858000" cy="9144000"/>
@@ -139,6 +164,720 @@
 </p:presentation>
 </file>
 
+<file path=ppt/notesMasters/notesMaster1.xml><?xml version="1.0" encoding="utf-8"?>
+<p:notesMaster xmlns:a="http://schemas.openxmlformats.org/drawingml/2006/main" xmlns:r="http://schemas.openxmlformats.org/officeDocument/2006/relationships" xmlns:p="http://schemas.openxmlformats.org/presentationml/2006/main">
+  <p:cSld>
+    <p:bg>
+      <p:bgRef idx="1001">
+        <a:schemeClr val="bg1"/>
+      </p:bgRef>
+    </p:bg>
+    <p:spTree>
+      <p:nvGrpSpPr>
+        <p:cNvPr id="1" name=""/>
+        <p:cNvGrpSpPr/>
+        <p:nvPr/>
+      </p:nvGrpSpPr>
+      <p:grpSpPr>
+        <a:xfrm>
+          <a:off x="0" y="0"/>
+          <a:ext cx="0" cy="0"/>
+          <a:chOff x="0" y="0"/>
+          <a:chExt cx="0" cy="0"/>
+        </a:xfrm>
+      </p:grpSpPr>
+      <p:sp>
+        <p:nvSpPr>
+          <p:cNvPr id="2" name="Header Placeholder 1"/>
+          <p:cNvSpPr>
+            <a:spLocks noGrp="1"/>
+          </p:cNvSpPr>
+          <p:nvPr>
+            <p:ph type="hdr" sz="quarter"/>
+          </p:nvPr>
+        </p:nvSpPr>
+        <p:spPr>
+          <a:xfrm>
+            <a:off x="0" y="0"/>
+            <a:ext cx="2971800" cy="458788"/>
+          </a:xfrm>
+          <a:prstGeom prst="rect">
+            <a:avLst/>
+          </a:prstGeom>
+        </p:spPr>
+        <p:txBody>
+          <a:bodyPr vert="horz" lIns="91440" tIns="45720" rIns="91440" bIns="45720" rtlCol="0"/>
+          <a:lstStyle>
+            <a:lvl1pPr algn="l">
+              <a:defRPr sz="1200"/>
+            </a:lvl1pPr>
+          </a:lstStyle>
+          <a:p>
+            <a:endParaRPr lang="en-US"/>
+          </a:p>
+        </p:txBody>
+      </p:sp>
+      <p:sp>
+        <p:nvSpPr>
+          <p:cNvPr id="3" name="Date Placeholder 2"/>
+          <p:cNvSpPr>
+            <a:spLocks noGrp="1"/>
+          </p:cNvSpPr>
+          <p:nvPr>
+            <p:ph type="dt" idx="1"/>
+          </p:nvPr>
+        </p:nvSpPr>
+        <p:spPr>
+          <a:xfrm>
+            <a:off x="3884613" y="0"/>
+            <a:ext cx="2971800" cy="458788"/>
+          </a:xfrm>
+          <a:prstGeom prst="rect">
+            <a:avLst/>
+          </a:prstGeom>
+        </p:spPr>
+        <p:txBody>
+          <a:bodyPr vert="horz" lIns="91440" tIns="45720" rIns="91440" bIns="45720" rtlCol="0"/>
+          <a:lstStyle>
+            <a:lvl1pPr algn="r">
+              <a:defRPr sz="1200"/>
+            </a:lvl1pPr>
+          </a:lstStyle>
+          <a:p>
+            <a:fld id="{77EBFF6E-0C92-497D-9A57-74614B30522F}" type="datetimeFigureOut">
+              <a:rPr lang="en-US" smtClean="0"/>
+              <a:t>8/7/2018</a:t>
+            </a:fld>
+            <a:endParaRPr lang="en-US"/>
+          </a:p>
+        </p:txBody>
+      </p:sp>
+      <p:sp>
+        <p:nvSpPr>
+          <p:cNvPr id="4" name="Slide Image Placeholder 3"/>
+          <p:cNvSpPr>
+            <a:spLocks noGrp="1" noRot="1" noChangeAspect="1"/>
+          </p:cNvSpPr>
+          <p:nvPr>
+            <p:ph type="sldImg" idx="2"/>
+          </p:nvPr>
+        </p:nvSpPr>
+        <p:spPr>
+          <a:xfrm>
+            <a:off x="685800" y="1143000"/>
+            <a:ext cx="5486400" cy="3086100"/>
+          </a:xfrm>
+          <a:prstGeom prst="rect">
+            <a:avLst/>
+          </a:prstGeom>
+          <a:noFill/>
+          <a:ln w="12700">
+            <a:solidFill>
+              <a:prstClr val="black"/>
+            </a:solidFill>
+          </a:ln>
+        </p:spPr>
+        <p:txBody>
+          <a:bodyPr vert="horz" lIns="91440" tIns="45720" rIns="91440" bIns="45720" rtlCol="0" anchor="ctr"/>
+          <a:lstStyle/>
+          <a:p>
+            <a:endParaRPr lang="en-US"/>
+          </a:p>
+        </p:txBody>
+      </p:sp>
+      <p:sp>
+        <p:nvSpPr>
+          <p:cNvPr id="5" name="Notes Placeholder 4"/>
+          <p:cNvSpPr>
+            <a:spLocks noGrp="1"/>
+          </p:cNvSpPr>
+          <p:nvPr>
+            <p:ph type="body" sz="quarter" idx="3"/>
+          </p:nvPr>
+        </p:nvSpPr>
+        <p:spPr>
+          <a:xfrm>
+            <a:off x="685800" y="4400550"/>
+            <a:ext cx="5486400" cy="3600450"/>
+          </a:xfrm>
+          <a:prstGeom prst="rect">
+            <a:avLst/>
+          </a:prstGeom>
+        </p:spPr>
+        <p:txBody>
+          <a:bodyPr vert="horz" lIns="91440" tIns="45720" rIns="91440" bIns="45720" rtlCol="0"/>
+          <a:lstStyle/>
+          <a:p>
+            <a:pPr lvl="0"/>
+            <a:r>
+              <a:rPr lang="en-US" smtClean="0"/>
+              <a:t>Click to edit Master text styles</a:t>
+            </a:r>
+          </a:p>
+          <a:p>
+            <a:pPr lvl="1"/>
+            <a:r>
+              <a:rPr lang="en-US" smtClean="0"/>
+              <a:t>Second level</a:t>
+            </a:r>
+          </a:p>
+          <a:p>
+            <a:pPr lvl="2"/>
+            <a:r>
+              <a:rPr lang="en-US" smtClean="0"/>
+              <a:t>Third level</a:t>
+            </a:r>
+          </a:p>
+          <a:p>
+            <a:pPr lvl="3"/>
+            <a:r>
+              <a:rPr lang="en-US" smtClean="0"/>
+              <a:t>Fourth level</a:t>
+            </a:r>
+          </a:p>
+          <a:p>
+            <a:pPr lvl="4"/>
+            <a:r>
+              <a:rPr lang="en-US" smtClean="0"/>
+              <a:t>Fifth level</a:t>
+            </a:r>
+            <a:endParaRPr lang="en-US"/>
+          </a:p>
+        </p:txBody>
+      </p:sp>
+      <p:sp>
+        <p:nvSpPr>
+          <p:cNvPr id="6" name="Footer Placeholder 5"/>
+          <p:cNvSpPr>
+            <a:spLocks noGrp="1"/>
+          </p:cNvSpPr>
+          <p:nvPr>
+            <p:ph type="ftr" sz="quarter" idx="4"/>
+          </p:nvPr>
+        </p:nvSpPr>
+        <p:spPr>
+          <a:xfrm>
+            <a:off x="0" y="8685213"/>
+            <a:ext cx="2971800" cy="458787"/>
+          </a:xfrm>
+          <a:prstGeom prst="rect">
+            <a:avLst/>
+          </a:prstGeom>
+        </p:spPr>
+        <p:txBody>
+          <a:bodyPr vert="horz" lIns="91440" tIns="45720" rIns="91440" bIns="45720" rtlCol="0" anchor="b"/>
+          <a:lstStyle>
+            <a:lvl1pPr algn="l">
+              <a:defRPr sz="1200"/>
+            </a:lvl1pPr>
+          </a:lstStyle>
+          <a:p>
+            <a:endParaRPr lang="en-US"/>
+          </a:p>
+        </p:txBody>
+      </p:sp>
+      <p:sp>
+        <p:nvSpPr>
+          <p:cNvPr id="7" name="Slide Number Placeholder 6"/>
+          <p:cNvSpPr>
+            <a:spLocks noGrp="1"/>
+          </p:cNvSpPr>
+          <p:nvPr>
+            <p:ph type="sldNum" sz="quarter" idx="5"/>
+          </p:nvPr>
+        </p:nvSpPr>
+        <p:spPr>
+          <a:xfrm>
+            <a:off x="3884613" y="8685213"/>
+            <a:ext cx="2971800" cy="458787"/>
+          </a:xfrm>
+          <a:prstGeom prst="rect">
+            <a:avLst/>
+          </a:prstGeom>
+        </p:spPr>
+        <p:txBody>
+          <a:bodyPr vert="horz" lIns="91440" tIns="45720" rIns="91440" bIns="45720" rtlCol="0" anchor="b"/>
+          <a:lstStyle>
+            <a:lvl1pPr algn="r">
+              <a:defRPr sz="1200"/>
+            </a:lvl1pPr>
+          </a:lstStyle>
+          <a:p>
+            <a:fld id="{8B4B778F-4011-4751-9DF8-F9864329DE4C}" type="slidenum">
+              <a:rPr lang="en-US" smtClean="0"/>
+              <a:t>‹#›</a:t>
+            </a:fld>
+            <a:endParaRPr lang="en-US"/>
+          </a:p>
+        </p:txBody>
+      </p:sp>
+    </p:spTree>
+    <p:extLst>
+      <p:ext uri="{BB962C8B-B14F-4D97-AF65-F5344CB8AC3E}">
+        <p14:creationId xmlns:p14="http://schemas.microsoft.com/office/powerpoint/2010/main" val="1969977963"/>
+      </p:ext>
+    </p:extLst>
+  </p:cSld>
+  <p:clrMap bg1="lt1" tx1="dk1" bg2="lt2" tx2="dk2" accent1="accent1" accent2="accent2" accent3="accent3" accent4="accent4" accent5="accent5" accent6="accent6" hlink="hlink" folHlink="folHlink"/>
+  <p:notesStyle>
+    <a:lvl1pPr marL="0" algn="l" defTabSz="914400" rtl="0" eaLnBrk="1" latinLnBrk="0" hangingPunct="1">
+      <a:defRPr sz="1200" kern="1200">
+        <a:solidFill>
+          <a:schemeClr val="tx1"/>
+        </a:solidFill>
+        <a:latin typeface="+mn-lt"/>
+        <a:ea typeface="+mn-ea"/>
+        <a:cs typeface="+mn-cs"/>
+      </a:defRPr>
+    </a:lvl1pPr>
+    <a:lvl2pPr marL="457200" algn="l" defTabSz="914400" rtl="0" eaLnBrk="1" latinLnBrk="0" hangingPunct="1">
+      <a:defRPr sz="1200" kern="1200">
+        <a:solidFill>
+          <a:schemeClr val="tx1"/>
+        </a:solidFill>
+        <a:latin typeface="+mn-lt"/>
+        <a:ea typeface="+mn-ea"/>
+        <a:cs typeface="+mn-cs"/>
+      </a:defRPr>
+    </a:lvl2pPr>
+    <a:lvl3pPr marL="914400" algn="l" defTabSz="914400" rtl="0" eaLnBrk="1" latinLnBrk="0" hangingPunct="1">
+      <a:defRPr sz="1200" kern="1200">
+        <a:solidFill>
+          <a:schemeClr val="tx1"/>
+        </a:solidFill>
+        <a:latin typeface="+mn-lt"/>
+        <a:ea typeface="+mn-ea"/>
+        <a:cs typeface="+mn-cs"/>
+      </a:defRPr>
+    </a:lvl3pPr>
+    <a:lvl4pPr marL="1371600" algn="l" defTabSz="914400" rtl="0" eaLnBrk="1" latinLnBrk="0" hangingPunct="1">
+      <a:defRPr sz="1200" kern="1200">
+        <a:solidFill>
+          <a:schemeClr val="tx1"/>
+        </a:solidFill>
+        <a:latin typeface="+mn-lt"/>
+        <a:ea typeface="+mn-ea"/>
+        <a:cs typeface="+mn-cs"/>
+      </a:defRPr>
+    </a:lvl4pPr>
+    <a:lvl5pPr marL="1828800" algn="l" defTabSz="914400" rtl="0" eaLnBrk="1" latinLnBrk="0" hangingPunct="1">
+      <a:defRPr sz="1200" kern="1200">
+        <a:solidFill>
+          <a:schemeClr val="tx1"/>
+        </a:solidFill>
+        <a:latin typeface="+mn-lt"/>
+        <a:ea typeface="+mn-ea"/>
+        <a:cs typeface="+mn-cs"/>
+      </a:defRPr>
+    </a:lvl5pPr>
+    <a:lvl6pPr marL="2286000" algn="l" defTabSz="914400" rtl="0" eaLnBrk="1" latinLnBrk="0" hangingPunct="1">
+      <a:defRPr sz="1200" kern="1200">
+        <a:solidFill>
+          <a:schemeClr val="tx1"/>
+        </a:solidFill>
+        <a:latin typeface="+mn-lt"/>
+        <a:ea typeface="+mn-ea"/>
+        <a:cs typeface="+mn-cs"/>
+      </a:defRPr>
+    </a:lvl6pPr>
+    <a:lvl7pPr marL="2743200" algn="l" defTabSz="914400" rtl="0" eaLnBrk="1" latinLnBrk="0" hangingPunct="1">
+      <a:defRPr sz="1200" kern="1200">
+        <a:solidFill>
+          <a:schemeClr val="tx1"/>
+        </a:solidFill>
+        <a:latin typeface="+mn-lt"/>
+        <a:ea typeface="+mn-ea"/>
+        <a:cs typeface="+mn-cs"/>
+      </a:defRPr>
+    </a:lvl7pPr>
+    <a:lvl8pPr marL="3200400" algn="l" defTabSz="914400" rtl="0" eaLnBrk="1" latinLnBrk="0" hangingPunct="1">
+      <a:defRPr sz="1200" kern="1200">
+        <a:solidFill>
+          <a:schemeClr val="tx1"/>
+        </a:solidFill>
+        <a:latin typeface="+mn-lt"/>
+        <a:ea typeface="+mn-ea"/>
+        <a:cs typeface="+mn-cs"/>
+      </a:defRPr>
+    </a:lvl8pPr>
+    <a:lvl9pPr marL="3657600" algn="l" defTabSz="914400" rtl="0" eaLnBrk="1" latinLnBrk="0" hangingPunct="1">
+      <a:defRPr sz="1200" kern="1200">
+        <a:solidFill>
+          <a:schemeClr val="tx1"/>
+        </a:solidFill>
+        <a:latin typeface="+mn-lt"/>
+        <a:ea typeface="+mn-ea"/>
+        <a:cs typeface="+mn-cs"/>
+      </a:defRPr>
+    </a:lvl9pPr>
+  </p:notesStyle>
+</p:notesMaster>
+</file>
+
+<file path=ppt/notesSlides/notesSlide1.xml><?xml version="1.0" encoding="utf-8"?>
+<p:notes xmlns:a="http://schemas.openxmlformats.org/drawingml/2006/main" xmlns:r="http://schemas.openxmlformats.org/officeDocument/2006/relationships" xmlns:p="http://schemas.openxmlformats.org/presentationml/2006/main">
+  <p:cSld>
+    <p:spTree>
+      <p:nvGrpSpPr>
+        <p:cNvPr id="1" name=""/>
+        <p:cNvGrpSpPr/>
+        <p:nvPr/>
+      </p:nvGrpSpPr>
+      <p:grpSpPr>
+        <a:xfrm>
+          <a:off x="0" y="0"/>
+          <a:ext cx="0" cy="0"/>
+          <a:chOff x="0" y="0"/>
+          <a:chExt cx="0" cy="0"/>
+        </a:xfrm>
+      </p:grpSpPr>
+      <p:sp>
+        <p:nvSpPr>
+          <p:cNvPr id="2" name="Slide Image Placeholder 1"/>
+          <p:cNvSpPr>
+            <a:spLocks noGrp="1" noRot="1" noChangeAspect="1"/>
+          </p:cNvSpPr>
+          <p:nvPr>
+            <p:ph type="sldImg"/>
+          </p:nvPr>
+        </p:nvSpPr>
+        <p:spPr/>
+      </p:sp>
+      <p:sp>
+        <p:nvSpPr>
+          <p:cNvPr id="3" name="Notes Placeholder 2"/>
+          <p:cNvSpPr>
+            <a:spLocks noGrp="1"/>
+          </p:cNvSpPr>
+          <p:nvPr>
+            <p:ph type="body" idx="1"/>
+          </p:nvPr>
+        </p:nvSpPr>
+        <p:spPr/>
+        <p:txBody>
+          <a:bodyPr/>
+          <a:lstStyle/>
+          <a:p>
+            <a:r>
+              <a:rPr lang="en-US" dirty="0" smtClean="0"/>
+              <a:t>Data</a:t>
+            </a:r>
+            <a:r>
+              <a:rPr lang="en-US" baseline="0" dirty="0" smtClean="0"/>
+              <a:t> flow for the friends page. </a:t>
+            </a:r>
+            <a:endParaRPr lang="en-US" dirty="0"/>
+          </a:p>
+        </p:txBody>
+      </p:sp>
+      <p:sp>
+        <p:nvSpPr>
+          <p:cNvPr id="4" name="Slide Number Placeholder 3"/>
+          <p:cNvSpPr>
+            <a:spLocks noGrp="1"/>
+          </p:cNvSpPr>
+          <p:nvPr>
+            <p:ph type="sldNum" sz="quarter" idx="10"/>
+          </p:nvPr>
+        </p:nvSpPr>
+        <p:spPr/>
+        <p:txBody>
+          <a:bodyPr/>
+          <a:lstStyle/>
+          <a:p>
+            <a:fld id="{8B4B778F-4011-4751-9DF8-F9864329DE4C}" type="slidenum">
+              <a:rPr lang="en-US" smtClean="0"/>
+              <a:t>7</a:t>
+            </a:fld>
+            <a:endParaRPr lang="en-US"/>
+          </a:p>
+        </p:txBody>
+      </p:sp>
+    </p:spTree>
+    <p:extLst>
+      <p:ext uri="{BB962C8B-B14F-4D97-AF65-F5344CB8AC3E}">
+        <p14:creationId xmlns:p14="http://schemas.microsoft.com/office/powerpoint/2010/main" val="387396256"/>
+      </p:ext>
+    </p:extLst>
+  </p:cSld>
+  <p:clrMapOvr>
+    <a:masterClrMapping/>
+  </p:clrMapOvr>
+</p:notes>
+</file>
+
+<file path=ppt/notesSlides/notesSlide2.xml><?xml version="1.0" encoding="utf-8"?>
+<p:notes xmlns:a="http://schemas.openxmlformats.org/drawingml/2006/main" xmlns:r="http://schemas.openxmlformats.org/officeDocument/2006/relationships" xmlns:p="http://schemas.openxmlformats.org/presentationml/2006/main">
+  <p:cSld>
+    <p:spTree>
+      <p:nvGrpSpPr>
+        <p:cNvPr id="1" name=""/>
+        <p:cNvGrpSpPr/>
+        <p:nvPr/>
+      </p:nvGrpSpPr>
+      <p:grpSpPr>
+        <a:xfrm>
+          <a:off x="0" y="0"/>
+          <a:ext cx="0" cy="0"/>
+          <a:chOff x="0" y="0"/>
+          <a:chExt cx="0" cy="0"/>
+        </a:xfrm>
+      </p:grpSpPr>
+      <p:sp>
+        <p:nvSpPr>
+          <p:cNvPr id="2" name="Slide Image Placeholder 1"/>
+          <p:cNvSpPr>
+            <a:spLocks noGrp="1" noRot="1" noChangeAspect="1"/>
+          </p:cNvSpPr>
+          <p:nvPr>
+            <p:ph type="sldImg"/>
+          </p:nvPr>
+        </p:nvSpPr>
+        <p:spPr/>
+      </p:sp>
+      <p:sp>
+        <p:nvSpPr>
+          <p:cNvPr id="3" name="Notes Placeholder 2"/>
+          <p:cNvSpPr>
+            <a:spLocks noGrp="1"/>
+          </p:cNvSpPr>
+          <p:nvPr>
+            <p:ph type="body" idx="1"/>
+          </p:nvPr>
+        </p:nvSpPr>
+        <p:spPr/>
+        <p:txBody>
+          <a:bodyPr/>
+          <a:lstStyle/>
+          <a:p>
+            <a:endParaRPr lang="en-US" dirty="0"/>
+          </a:p>
+        </p:txBody>
+      </p:sp>
+      <p:sp>
+        <p:nvSpPr>
+          <p:cNvPr id="4" name="Slide Number Placeholder 3"/>
+          <p:cNvSpPr>
+            <a:spLocks noGrp="1"/>
+          </p:cNvSpPr>
+          <p:nvPr>
+            <p:ph type="sldNum" sz="quarter" idx="10"/>
+          </p:nvPr>
+        </p:nvSpPr>
+        <p:spPr/>
+        <p:txBody>
+          <a:bodyPr/>
+          <a:lstStyle/>
+          <a:p>
+            <a:fld id="{8B4B778F-4011-4751-9DF8-F9864329DE4C}" type="slidenum">
+              <a:rPr lang="en-US" smtClean="0"/>
+              <a:t>10</a:t>
+            </a:fld>
+            <a:endParaRPr lang="en-US"/>
+          </a:p>
+        </p:txBody>
+      </p:sp>
+    </p:spTree>
+    <p:extLst>
+      <p:ext uri="{BB962C8B-B14F-4D97-AF65-F5344CB8AC3E}">
+        <p14:creationId xmlns:p14="http://schemas.microsoft.com/office/powerpoint/2010/main" val="2831819011"/>
+      </p:ext>
+    </p:extLst>
+  </p:cSld>
+  <p:clrMapOvr>
+    <a:masterClrMapping/>
+  </p:clrMapOvr>
+</p:notes>
+</file>
+
+<file path=ppt/notesSlides/notesSlide3.xml><?xml version="1.0" encoding="utf-8"?>
+<p:notes xmlns:a="http://schemas.openxmlformats.org/drawingml/2006/main" xmlns:r="http://schemas.openxmlformats.org/officeDocument/2006/relationships" xmlns:p="http://schemas.openxmlformats.org/presentationml/2006/main">
+  <p:cSld>
+    <p:spTree>
+      <p:nvGrpSpPr>
+        <p:cNvPr id="1" name=""/>
+        <p:cNvGrpSpPr/>
+        <p:nvPr/>
+      </p:nvGrpSpPr>
+      <p:grpSpPr>
+        <a:xfrm>
+          <a:off x="0" y="0"/>
+          <a:ext cx="0" cy="0"/>
+          <a:chOff x="0" y="0"/>
+          <a:chExt cx="0" cy="0"/>
+        </a:xfrm>
+      </p:grpSpPr>
+      <p:sp>
+        <p:nvSpPr>
+          <p:cNvPr id="2" name="Slide Image Placeholder 1"/>
+          <p:cNvSpPr>
+            <a:spLocks noGrp="1" noRot="1" noChangeAspect="1"/>
+          </p:cNvSpPr>
+          <p:nvPr>
+            <p:ph type="sldImg"/>
+          </p:nvPr>
+        </p:nvSpPr>
+        <p:spPr/>
+      </p:sp>
+      <p:sp>
+        <p:nvSpPr>
+          <p:cNvPr id="3" name="Notes Placeholder 2"/>
+          <p:cNvSpPr>
+            <a:spLocks noGrp="1"/>
+          </p:cNvSpPr>
+          <p:nvPr>
+            <p:ph type="body" idx="1"/>
+          </p:nvPr>
+        </p:nvSpPr>
+        <p:spPr/>
+        <p:txBody>
+          <a:bodyPr/>
+          <a:lstStyle/>
+          <a:p>
+            <a:r>
+              <a:rPr lang="en-US" dirty="0" smtClean="0"/>
+              <a:t>Graph</a:t>
+            </a:r>
+            <a:r>
+              <a:rPr lang="en-US" baseline="0" dirty="0" smtClean="0"/>
+              <a:t> with user id</a:t>
+            </a:r>
+            <a:endParaRPr lang="en-US" dirty="0"/>
+          </a:p>
+        </p:txBody>
+      </p:sp>
+      <p:sp>
+        <p:nvSpPr>
+          <p:cNvPr id="4" name="Slide Number Placeholder 3"/>
+          <p:cNvSpPr>
+            <a:spLocks noGrp="1"/>
+          </p:cNvSpPr>
+          <p:nvPr>
+            <p:ph type="sldNum" sz="quarter" idx="10"/>
+          </p:nvPr>
+        </p:nvSpPr>
+        <p:spPr/>
+        <p:txBody>
+          <a:bodyPr/>
+          <a:lstStyle/>
+          <a:p>
+            <a:fld id="{8B4B778F-4011-4751-9DF8-F9864329DE4C}" type="slidenum">
+              <a:rPr lang="en-US" smtClean="0"/>
+              <a:t>15</a:t>
+            </a:fld>
+            <a:endParaRPr lang="en-US"/>
+          </a:p>
+        </p:txBody>
+      </p:sp>
+    </p:spTree>
+    <p:extLst>
+      <p:ext uri="{BB962C8B-B14F-4D97-AF65-F5344CB8AC3E}">
+        <p14:creationId xmlns:p14="http://schemas.microsoft.com/office/powerpoint/2010/main" val="221932828"/>
+      </p:ext>
+    </p:extLst>
+  </p:cSld>
+  <p:clrMapOvr>
+    <a:masterClrMapping/>
+  </p:clrMapOvr>
+</p:notes>
+</file>
+
+<file path=ppt/notesSlides/notesSlide4.xml><?xml version="1.0" encoding="utf-8"?>
+<p:notes xmlns:a="http://schemas.openxmlformats.org/drawingml/2006/main" xmlns:r="http://schemas.openxmlformats.org/officeDocument/2006/relationships" xmlns:p="http://schemas.openxmlformats.org/presentationml/2006/main">
+  <p:cSld>
+    <p:spTree>
+      <p:nvGrpSpPr>
+        <p:cNvPr id="1" name=""/>
+        <p:cNvGrpSpPr/>
+        <p:nvPr/>
+      </p:nvGrpSpPr>
+      <p:grpSpPr>
+        <a:xfrm>
+          <a:off x="0" y="0"/>
+          <a:ext cx="0" cy="0"/>
+          <a:chOff x="0" y="0"/>
+          <a:chExt cx="0" cy="0"/>
+        </a:xfrm>
+      </p:grpSpPr>
+      <p:sp>
+        <p:nvSpPr>
+          <p:cNvPr id="2" name="Slide Image Placeholder 1"/>
+          <p:cNvSpPr>
+            <a:spLocks noGrp="1" noRot="1" noChangeAspect="1"/>
+          </p:cNvSpPr>
+          <p:nvPr>
+            <p:ph type="sldImg"/>
+          </p:nvPr>
+        </p:nvSpPr>
+        <p:spPr/>
+      </p:sp>
+      <p:sp>
+        <p:nvSpPr>
+          <p:cNvPr id="3" name="Notes Placeholder 2"/>
+          <p:cNvSpPr>
+            <a:spLocks noGrp="1"/>
+          </p:cNvSpPr>
+          <p:nvPr>
+            <p:ph type="body" idx="1"/>
+          </p:nvPr>
+        </p:nvSpPr>
+        <p:spPr/>
+        <p:txBody>
+          <a:bodyPr/>
+          <a:lstStyle/>
+          <a:p>
+            <a:r>
+              <a:rPr lang="en-US" dirty="0" smtClean="0"/>
+              <a:t>Simple </a:t>
+            </a:r>
+            <a:r>
+              <a:rPr lang="en-US" dirty="0" err="1" smtClean="0"/>
+              <a:t>GraphQL</a:t>
+            </a:r>
+            <a:r>
+              <a:rPr lang="en-US" dirty="0" smtClean="0"/>
+              <a:t> query </a:t>
+            </a:r>
+            <a:endParaRPr lang="en-US" dirty="0"/>
+          </a:p>
+        </p:txBody>
+      </p:sp>
+      <p:sp>
+        <p:nvSpPr>
+          <p:cNvPr id="4" name="Slide Number Placeholder 3"/>
+          <p:cNvSpPr>
+            <a:spLocks noGrp="1"/>
+          </p:cNvSpPr>
+          <p:nvPr>
+            <p:ph type="sldNum" sz="quarter" idx="10"/>
+          </p:nvPr>
+        </p:nvSpPr>
+        <p:spPr/>
+        <p:txBody>
+          <a:bodyPr/>
+          <a:lstStyle/>
+          <a:p>
+            <a:fld id="{8B4B778F-4011-4751-9DF8-F9864329DE4C}" type="slidenum">
+              <a:rPr lang="en-US" smtClean="0"/>
+              <a:t>16</a:t>
+            </a:fld>
+            <a:endParaRPr lang="en-US"/>
+          </a:p>
+        </p:txBody>
+      </p:sp>
+    </p:spTree>
+    <p:extLst>
+      <p:ext uri="{BB962C8B-B14F-4D97-AF65-F5344CB8AC3E}">
+        <p14:creationId xmlns:p14="http://schemas.microsoft.com/office/powerpoint/2010/main" val="2089635069"/>
+      </p:ext>
+    </p:extLst>
+  </p:cSld>
+  <p:clrMapOvr>
+    <a:masterClrMapping/>
+  </p:clrMapOvr>
+</p:notes>
+</file>
+
 <file path=ppt/slideLayouts/slideLayout1.xml><?xml version="1.0" encoding="utf-8"?>
 <p:sldLayout xmlns:a="http://schemas.openxmlformats.org/drawingml/2006/main" xmlns:r="http://schemas.openxmlformats.org/officeDocument/2006/relationships" xmlns:p="http://schemas.openxmlformats.org/presentationml/2006/main" type="title" preserve="1">
   <p:cSld name="Title Slide">
@@ -270,7 +1009,7 @@
           <a:p>
             <a:fld id="{AD681EDE-86F5-4C5D-87CE-C97801C78BB4}" type="datetimeFigureOut">
               <a:rPr lang="en-US" smtClean="0"/>
-              <a:t>7/26/2018</a:t>
+              <a:t>8/7/2018</a:t>
             </a:fld>
             <a:endParaRPr lang="en-US"/>
           </a:p>
@@ -440,7 +1179,7 @@
           <a:p>
             <a:fld id="{AD681EDE-86F5-4C5D-87CE-C97801C78BB4}" type="datetimeFigureOut">
               <a:rPr lang="en-US" smtClean="0"/>
-              <a:t>7/26/2018</a:t>
+              <a:t>8/7/2018</a:t>
             </a:fld>
             <a:endParaRPr lang="en-US"/>
           </a:p>
@@ -620,7 +1359,7 @@
           <a:p>
             <a:fld id="{AD681EDE-86F5-4C5D-87CE-C97801C78BB4}" type="datetimeFigureOut">
               <a:rPr lang="en-US" smtClean="0"/>
-              <a:t>7/26/2018</a:t>
+              <a:t>8/7/2018</a:t>
             </a:fld>
             <a:endParaRPr lang="en-US"/>
           </a:p>
@@ -790,7 +1529,7 @@
           <a:p>
             <a:fld id="{AD681EDE-86F5-4C5D-87CE-C97801C78BB4}" type="datetimeFigureOut">
               <a:rPr lang="en-US" smtClean="0"/>
-              <a:t>7/26/2018</a:t>
+              <a:t>8/7/2018</a:t>
             </a:fld>
             <a:endParaRPr lang="en-US"/>
           </a:p>
@@ -1036,7 +1775,7 @@
           <a:p>
             <a:fld id="{AD681EDE-86F5-4C5D-87CE-C97801C78BB4}" type="datetimeFigureOut">
               <a:rPr lang="en-US" smtClean="0"/>
-              <a:t>7/26/2018</a:t>
+              <a:t>8/7/2018</a:t>
             </a:fld>
             <a:endParaRPr lang="en-US"/>
           </a:p>
@@ -1268,7 +2007,7 @@
           <a:p>
             <a:fld id="{AD681EDE-86F5-4C5D-87CE-C97801C78BB4}" type="datetimeFigureOut">
               <a:rPr lang="en-US" smtClean="0"/>
-              <a:t>7/26/2018</a:t>
+              <a:t>8/7/2018</a:t>
             </a:fld>
             <a:endParaRPr lang="en-US"/>
           </a:p>
@@ -1635,7 +2374,7 @@
           <a:p>
             <a:fld id="{AD681EDE-86F5-4C5D-87CE-C97801C78BB4}" type="datetimeFigureOut">
               <a:rPr lang="en-US" smtClean="0"/>
-              <a:t>7/26/2018</a:t>
+              <a:t>8/7/2018</a:t>
             </a:fld>
             <a:endParaRPr lang="en-US"/>
           </a:p>
@@ -1753,7 +2492,7 @@
           <a:p>
             <a:fld id="{AD681EDE-86F5-4C5D-87CE-C97801C78BB4}" type="datetimeFigureOut">
               <a:rPr lang="en-US" smtClean="0"/>
-              <a:t>7/26/2018</a:t>
+              <a:t>8/7/2018</a:t>
             </a:fld>
             <a:endParaRPr lang="en-US"/>
           </a:p>
@@ -1848,7 +2587,7 @@
           <a:p>
             <a:fld id="{AD681EDE-86F5-4C5D-87CE-C97801C78BB4}" type="datetimeFigureOut">
               <a:rPr lang="en-US" smtClean="0"/>
-              <a:t>7/26/2018</a:t>
+              <a:t>8/7/2018</a:t>
             </a:fld>
             <a:endParaRPr lang="en-US"/>
           </a:p>
@@ -2125,7 +2864,7 @@
           <a:p>
             <a:fld id="{AD681EDE-86F5-4C5D-87CE-C97801C78BB4}" type="datetimeFigureOut">
               <a:rPr lang="en-US" smtClean="0"/>
-              <a:t>7/26/2018</a:t>
+              <a:t>8/7/2018</a:t>
             </a:fld>
             <a:endParaRPr lang="en-US"/>
           </a:p>
@@ -2378,7 +3117,7 @@
           <a:p>
             <a:fld id="{AD681EDE-86F5-4C5D-87CE-C97801C78BB4}" type="datetimeFigureOut">
               <a:rPr lang="en-US" smtClean="0"/>
-              <a:t>7/26/2018</a:t>
+              <a:t>8/7/2018</a:t>
             </a:fld>
             <a:endParaRPr lang="en-US"/>
           </a:p>
@@ -2591,7 +3330,7 @@
           <a:p>
             <a:fld id="{AD681EDE-86F5-4C5D-87CE-C97801C78BB4}" type="datetimeFigureOut">
               <a:rPr lang="en-US" smtClean="0"/>
-              <a:t>7/26/2018</a:t>
+              <a:t>8/7/2018</a:t>
             </a:fld>
             <a:endParaRPr lang="en-US"/>
           </a:p>
@@ -3105,10 +3844,10 @@
           <a:lstStyle/>
           <a:p>
             <a:r>
-              <a:rPr lang="en-US" dirty="0" smtClean="0"/>
+              <a:rPr lang="en-US" b="1" dirty="0" smtClean="0"/>
               <a:t>Complex response	</a:t>
             </a:r>
-            <a:endParaRPr lang="en-US" dirty="0"/>
+            <a:endParaRPr lang="en-US" b="1" dirty="0"/>
           </a:p>
         </p:txBody>
       </p:sp>
@@ -3123,7 +3862,7 @@
           </p:nvPr>
         </p:nvPicPr>
         <p:blipFill>
-          <a:blip r:embed="rId2">
+          <a:blip r:embed="rId3">
             <a:extLst>
               <a:ext uri="{28A0092B-C50C-407E-A947-70E740481C1C}">
                 <a14:useLocalDpi xmlns:a14="http://schemas.microsoft.com/office/drawing/2010/main" val="0"/>
@@ -3194,59 +3933,101 @@
           <a:lstStyle/>
           <a:p>
             <a:r>
-              <a:rPr lang="en-US" dirty="0" smtClean="0"/>
-              <a:t>Issue with the approach</a:t>
-            </a:r>
+              <a:rPr lang="en-US" b="1" dirty="0" smtClean="0"/>
+              <a:t>Issue with </a:t>
+            </a:r>
+            <a:r>
+              <a:rPr lang="en-US" b="1" dirty="0" smtClean="0"/>
+              <a:t>the Restful </a:t>
+            </a:r>
+            <a:r>
+              <a:rPr lang="en-US" b="1" dirty="0" smtClean="0"/>
+              <a:t>approach</a:t>
+            </a:r>
+            <a:endParaRPr lang="en-US" b="1" dirty="0"/>
+          </a:p>
+        </p:txBody>
+      </p:sp>
+      <p:sp>
+        <p:nvSpPr>
+          <p:cNvPr id="3" name="Content Placeholder 2"/>
+          <p:cNvSpPr>
+            <a:spLocks noGrp="1"/>
+          </p:cNvSpPr>
+          <p:nvPr>
+            <p:ph idx="1"/>
+          </p:nvPr>
+        </p:nvSpPr>
+        <p:spPr/>
+        <p:txBody>
+          <a:bodyPr>
+            <a:normAutofit/>
+          </a:bodyPr>
+          <a:lstStyle/>
+          <a:p>
+            <a:pPr marL="0" indent="0">
+              <a:buNone/>
+            </a:pPr>
+            <a:r>
+              <a:rPr lang="en-US" dirty="0" smtClean="0"/>
+              <a:t>So in cases of highly nested/related data we have below problems while using Restful Services</a:t>
+            </a:r>
+          </a:p>
+          <a:p>
+            <a:pPr marL="0" indent="0">
+              <a:buNone/>
+            </a:pPr>
             <a:endParaRPr lang="en-US" dirty="0"/>
           </a:p>
-        </p:txBody>
-      </p:sp>
-      <p:sp>
-        <p:nvSpPr>
-          <p:cNvPr id="3" name="Content Placeholder 2"/>
-          <p:cNvSpPr>
-            <a:spLocks noGrp="1"/>
-          </p:cNvSpPr>
-          <p:nvPr>
-            <p:ph idx="1"/>
-          </p:nvPr>
-        </p:nvSpPr>
-        <p:spPr/>
-        <p:txBody>
-          <a:bodyPr/>
-          <a:lstStyle/>
-          <a:p>
-            <a:pPr marL="0" indent="0">
-              <a:buNone/>
-            </a:pPr>
-            <a:r>
-              <a:rPr lang="en-US" dirty="0" smtClean="0"/>
-              <a:t>So in cases of highly nested/related data we have below problems while using Restful Services</a:t>
-            </a:r>
-          </a:p>
-          <a:p>
-            <a:pPr marL="0" indent="0">
-              <a:buNone/>
-            </a:pPr>
-            <a:endParaRPr lang="en-US" dirty="0"/>
-          </a:p>
           <a:p>
             <a:r>
               <a:rPr lang="en-US" dirty="0" smtClean="0"/>
               <a:t>Too many http request </a:t>
             </a:r>
-          </a:p>
-          <a:p>
-            <a:r>
-              <a:rPr lang="en-US" dirty="0" smtClean="0"/>
-              <a:t> Very customized endpoint which is tightly coupled with UI</a:t>
-            </a:r>
-          </a:p>
-          <a:p>
-            <a:r>
-              <a:rPr lang="en-US" dirty="0" smtClean="0"/>
-              <a:t> Send lot of data back to client than what is necessary</a:t>
-            </a:r>
+            <a:r>
+              <a:rPr lang="en-US" dirty="0" smtClean="0"/>
+              <a:t>(under fetching)</a:t>
+            </a:r>
+            <a:endParaRPr lang="en-US" dirty="0" smtClean="0"/>
+          </a:p>
+          <a:p>
+            <a:r>
+              <a:rPr lang="en-US" dirty="0" smtClean="0"/>
+              <a:t> Very customized endpoint which is tightly coupled with </a:t>
+            </a:r>
+            <a:r>
+              <a:rPr lang="en-US" dirty="0" smtClean="0"/>
+              <a:t>UI(over fetching)</a:t>
+            </a:r>
+            <a:endParaRPr lang="en-US" dirty="0" smtClean="0"/>
+          </a:p>
+          <a:p>
+            <a:r>
+              <a:rPr lang="en-US" dirty="0" smtClean="0"/>
+              <a:t> Send lot of data back to client than what is </a:t>
+            </a:r>
+            <a:r>
+              <a:rPr lang="en-US" dirty="0" smtClean="0"/>
+              <a:t>necessary</a:t>
+            </a:r>
+          </a:p>
+          <a:p>
+            <a:pPr marL="0" indent="0">
+              <a:buNone/>
+            </a:pPr>
+            <a:endParaRPr lang="en-US" b="1" dirty="0" smtClean="0"/>
+          </a:p>
+          <a:p>
+            <a:pPr marL="0" indent="0">
+              <a:buNone/>
+            </a:pPr>
+            <a:endParaRPr lang="en-US" b="1" dirty="0" smtClean="0"/>
+          </a:p>
+          <a:p>
+            <a:pPr marL="0" indent="0">
+              <a:buNone/>
+            </a:pPr>
+            <a:endParaRPr lang="en-US" b="1" dirty="0" smtClean="0"/>
           </a:p>
         </p:txBody>
       </p:sp>
@@ -3303,10 +4084,18 @@
           <a:lstStyle/>
           <a:p>
             <a:r>
-              <a:rPr lang="en-US" dirty="0" err="1" smtClean="0"/>
+              <a:rPr lang="en-US" b="1" dirty="0" smtClean="0"/>
+              <a:t>Why </a:t>
+            </a:r>
+            <a:r>
+              <a:rPr lang="en-US" b="1" dirty="0" err="1" smtClean="0"/>
               <a:t>GraphQL</a:t>
             </a:r>
-            <a:endParaRPr lang="en-US" dirty="0"/>
+            <a:r>
+              <a:rPr lang="en-US" b="1" dirty="0" smtClean="0"/>
+              <a:t> ?</a:t>
+            </a:r>
+            <a:endParaRPr lang="en-US" b="1" dirty="0"/>
           </a:p>
         </p:txBody>
       </p:sp>
@@ -3328,67 +4117,86 @@
             <a:pPr marL="0" indent="0">
               <a:buNone/>
             </a:pPr>
-            <a:endParaRPr lang="en-US" dirty="0"/>
-          </a:p>
-          <a:p>
-            <a:r>
-              <a:rPr lang="en-US" dirty="0" smtClean="0"/>
-              <a:t>Developed by Facebook. </a:t>
-            </a:r>
-          </a:p>
-          <a:p>
-            <a:r>
-              <a:rPr lang="en-US" dirty="0" smtClean="0"/>
-              <a:t>Used by Facebook for mobile app news feed since 2012</a:t>
-            </a:r>
-          </a:p>
-          <a:p>
-            <a:pPr marL="0" indent="0">
-              <a:buNone/>
-            </a:pPr>
-            <a:endParaRPr lang="en-US" dirty="0"/>
-          </a:p>
-          <a:p>
-            <a:pPr marL="0" indent="0">
-              <a:buNone/>
-            </a:pPr>
-            <a:r>
-              <a:rPr lang="en-US" dirty="0" smtClean="0">
+            <a:r>
+              <a:rPr lang="en-US" b="1" dirty="0">
                 <a:hlinkClick r:id="rId2"/>
               </a:rPr>
-              <a:t>https://graphql.org/</a:t>
-            </a:r>
-            <a:endParaRPr lang="en-US" dirty="0" smtClean="0"/>
-          </a:p>
-          <a:p>
-            <a:pPr marL="0" indent="0">
-              <a:buNone/>
-            </a:pPr>
-            <a:r>
-              <a:rPr lang="en-US" dirty="0" smtClean="0">
+              <a:t>https://</a:t>
+            </a:r>
+            <a:r>
+              <a:rPr lang="en-US" b="1" dirty="0" smtClean="0">
+                <a:hlinkClick r:id="rId2"/>
+              </a:rPr>
+              <a:t>www.youtube.com/watch?v=PTphFRHJ3d0&amp;t=6s</a:t>
+            </a:r>
+          </a:p>
+          <a:p>
+            <a:pPr marL="0" indent="0">
+              <a:buNone/>
+            </a:pPr>
+            <a:r>
+              <a:rPr lang="en-US" b="1" dirty="0">
+                <a:hlinkClick r:id="rId2"/>
+              </a:rPr>
+              <a:t>https://www.youtube.com/watch?v=IvsANO0qZEg</a:t>
+            </a:r>
+            <a:endParaRPr lang="en-US" b="1" dirty="0" smtClean="0">
+              <a:hlinkClick r:id="rId2"/>
+            </a:endParaRPr>
+          </a:p>
+          <a:p>
+            <a:pPr marL="0" indent="0">
+              <a:buNone/>
+            </a:pPr>
+            <a:r>
+              <a:rPr lang="en-US" b="1" dirty="0" smtClean="0">
+                <a:hlinkClick r:id="rId2"/>
+              </a:rPr>
+              <a:t>https</a:t>
+            </a:r>
+            <a:r>
+              <a:rPr lang="en-US" b="1" dirty="0">
+                <a:hlinkClick r:id="rId2"/>
+              </a:rPr>
+              <a:t>://medium.com/@ajaysaini.official/why-graphql-886ba866ae75</a:t>
+            </a:r>
+            <a:endParaRPr lang="en-US" b="1" dirty="0"/>
+          </a:p>
+          <a:p>
+            <a:pPr marL="0" indent="0">
+              <a:buNone/>
+            </a:pPr>
+            <a:r>
+              <a:rPr lang="en-US" b="1" dirty="0">
                 <a:hlinkClick r:id="rId3"/>
               </a:rPr>
-              <a:t>https://github.com/facebook/graphql</a:t>
-            </a:r>
-            <a:endParaRPr lang="en-US" dirty="0" smtClean="0"/>
-          </a:p>
-          <a:p>
-            <a:pPr marL="0" indent="0">
-              <a:buNone/>
-            </a:pPr>
-            <a:endParaRPr lang="en-US" dirty="0" smtClean="0"/>
-          </a:p>
-          <a:p>
-            <a:pPr marL="0" indent="0">
-              <a:buNone/>
-            </a:pPr>
-            <a:endParaRPr lang="en-US" dirty="0"/>
-          </a:p>
-          <a:p>
-            <a:pPr marL="0" indent="0">
-              <a:buNone/>
-            </a:pPr>
-            <a:endParaRPr lang="en-US" dirty="0" smtClean="0"/>
+              <a:t>https://medium.com/@camachojuan_18475/graphql-solving-rests-problems-9a78820aeff</a:t>
+            </a:r>
+            <a:endParaRPr lang="en-US" b="1" dirty="0"/>
+          </a:p>
+          <a:p>
+            <a:pPr marL="0" indent="0">
+              <a:buNone/>
+            </a:pPr>
+            <a:r>
+              <a:rPr lang="en-US" b="1" dirty="0">
+                <a:hlinkClick r:id="rId4"/>
+              </a:rPr>
+              <a:t>https://www.prisma.io/blog/top-5-reasons-to-use-graphql-b60cfa683511/</a:t>
+            </a:r>
+            <a:endParaRPr lang="en-US" b="1" dirty="0"/>
+          </a:p>
+          <a:p>
+            <a:pPr marL="0" indent="0">
+              <a:buNone/>
+            </a:pPr>
+            <a:r>
+              <a:rPr lang="en-US" b="1" dirty="0">
+                <a:hlinkClick r:id="rId5"/>
+              </a:rPr>
+              <a:t>https://engineering.shopify.com/blogs/engineering/solving-the-n-1-problem-for-graphql-through-batching</a:t>
+            </a:r>
+            <a:endParaRPr lang="en-US" b="1" dirty="0"/>
           </a:p>
           <a:p>
             <a:pPr marL="0" indent="0">
@@ -3401,20 +4209,13 @@
     </p:spTree>
     <p:extLst>
       <p:ext uri="{BB962C8B-B14F-4D97-AF65-F5344CB8AC3E}">
-        <p14:creationId xmlns:p14="http://schemas.microsoft.com/office/powerpoint/2010/main" val="1497981086"/>
+        <p14:creationId xmlns:p14="http://schemas.microsoft.com/office/powerpoint/2010/main" val="669300211"/>
       </p:ext>
     </p:extLst>
   </p:cSld>
   <p:clrMapOvr>
     <a:masterClrMapping/>
   </p:clrMapOvr>
-  <p:timing>
-    <p:tnLst>
-      <p:par>
-        <p:cTn id="1" dur="indefinite" restart="never" nodeType="tmRoot"/>
-      </p:par>
-    </p:tnLst>
-  </p:timing>
 </p:sld>
 </file>
 
@@ -3451,46 +4252,60 @@
           <a:lstStyle/>
           <a:p>
             <a:r>
-              <a:rPr lang="en-US" dirty="0" smtClean="0"/>
-              <a:t>Graph in ‘</a:t>
-            </a:r>
-            <a:r>
-              <a:rPr lang="en-US" dirty="0" err="1" smtClean="0"/>
+              <a:rPr lang="en-US" b="1" dirty="0" err="1" smtClean="0"/>
               <a:t>GraphQL</a:t>
             </a:r>
-            <a:r>
-              <a:rPr lang="en-US" dirty="0" smtClean="0"/>
-              <a:t>’</a:t>
-            </a:r>
+            <a:endParaRPr lang="en-US" b="1" dirty="0"/>
+          </a:p>
+        </p:txBody>
+      </p:sp>
+      <p:sp>
+        <p:nvSpPr>
+          <p:cNvPr id="3" name="Content Placeholder 2"/>
+          <p:cNvSpPr>
+            <a:spLocks noGrp="1"/>
+          </p:cNvSpPr>
+          <p:nvPr>
+            <p:ph idx="1"/>
+          </p:nvPr>
+        </p:nvSpPr>
+        <p:spPr/>
+        <p:txBody>
+          <a:bodyPr/>
+          <a:lstStyle/>
+          <a:p>
+            <a:pPr marL="0" indent="0">
+              <a:buNone/>
+            </a:pPr>
             <a:endParaRPr lang="en-US" dirty="0"/>
           </a:p>
-        </p:txBody>
-      </p:sp>
-      <p:sp>
-        <p:nvSpPr>
-          <p:cNvPr id="3" name="Content Placeholder 2"/>
-          <p:cNvSpPr>
-            <a:spLocks noGrp="1"/>
-          </p:cNvSpPr>
-          <p:nvPr>
-            <p:ph idx="1"/>
-          </p:nvPr>
-        </p:nvSpPr>
-        <p:spPr/>
-        <p:txBody>
-          <a:bodyPr/>
-          <a:lstStyle/>
-          <a:p>
-            <a:pPr marL="0" indent="0">
-              <a:buNone/>
-            </a:pPr>
-            <a:r>
-              <a:rPr lang="en-US" dirty="0" smtClean="0"/>
-              <a:t>Refers to Graph </a:t>
-            </a:r>
-            <a:r>
-              <a:rPr lang="en-US" dirty="0" err="1" smtClean="0"/>
-              <a:t>Datastructure</a:t>
+          <a:p>
+            <a:r>
+              <a:rPr lang="en-US" dirty="0" smtClean="0"/>
+              <a:t>Developed by Facebook. </a:t>
+            </a:r>
+          </a:p>
+          <a:p>
+            <a:r>
+              <a:rPr lang="en-US" dirty="0" smtClean="0"/>
+              <a:t>Used by Facebook for mobile app news feed since 2012</a:t>
+            </a:r>
+          </a:p>
+          <a:p>
+            <a:pPr marL="0" indent="0">
+              <a:buNone/>
+            </a:pPr>
+            <a:endParaRPr lang="en-US" dirty="0"/>
+          </a:p>
+          <a:p>
+            <a:pPr marL="0" indent="0">
+              <a:buNone/>
+            </a:pPr>
+            <a:r>
+              <a:rPr lang="en-US" dirty="0" smtClean="0">
+                <a:hlinkClick r:id="rId2"/>
+              </a:rPr>
+              <a:t>https://graphql.org/</a:t>
             </a:r>
             <a:endParaRPr lang="en-US" dirty="0" smtClean="0"/>
           </a:p>
@@ -3498,50 +4313,44 @@
             <a:pPr marL="0" indent="0">
               <a:buNone/>
             </a:pPr>
+            <a:r>
+              <a:rPr lang="en-US" dirty="0" smtClean="0">
+                <a:hlinkClick r:id="rId3"/>
+              </a:rPr>
+              <a:t>https://github.com/facebook/graphql</a:t>
+            </a:r>
+            <a:endParaRPr lang="en-US" dirty="0" smtClean="0"/>
+          </a:p>
+          <a:p>
+            <a:pPr marL="0" indent="0">
+              <a:buNone/>
+            </a:pPr>
+            <a:endParaRPr lang="en-US" dirty="0" smtClean="0"/>
+          </a:p>
+          <a:p>
+            <a:pPr marL="0" indent="0">
+              <a:buNone/>
+            </a:pPr>
             <a:endParaRPr lang="en-US" dirty="0"/>
           </a:p>
           <a:p>
             <a:pPr marL="0" indent="0">
               <a:buNone/>
             </a:pPr>
+            <a:endParaRPr lang="en-US" dirty="0" smtClean="0"/>
+          </a:p>
+          <a:p>
+            <a:pPr marL="0" indent="0">
+              <a:buNone/>
+            </a:pPr>
             <a:endParaRPr lang="en-US" dirty="0"/>
           </a:p>
         </p:txBody>
       </p:sp>
-      <p:pic>
-        <p:nvPicPr>
-          <p:cNvPr id="4" name="Picture 3"/>
-          <p:cNvPicPr>
-            <a:picLocks noChangeAspect="1"/>
-          </p:cNvPicPr>
-          <p:nvPr/>
-        </p:nvPicPr>
-        <p:blipFill>
-          <a:blip r:embed="rId2">
-            <a:extLst>
-              <a:ext uri="{28A0092B-C50C-407E-A947-70E740481C1C}">
-                <a14:useLocalDpi xmlns:a14="http://schemas.microsoft.com/office/drawing/2010/main" val="0"/>
-              </a:ext>
-            </a:extLst>
-          </a:blip>
-          <a:stretch>
-            <a:fillRect/>
-          </a:stretch>
-        </p:blipFill>
-        <p:spPr>
-          <a:xfrm>
-            <a:off x="3682407" y="2368597"/>
-            <a:ext cx="4581525" cy="3676650"/>
-          </a:xfrm>
-          <a:prstGeom prst="rect">
-            <a:avLst/>
-          </a:prstGeom>
-        </p:spPr>
-      </p:pic>
     </p:spTree>
     <p:extLst>
       <p:ext uri="{BB962C8B-B14F-4D97-AF65-F5344CB8AC3E}">
-        <p14:creationId xmlns:p14="http://schemas.microsoft.com/office/powerpoint/2010/main" val="3547763255"/>
+        <p14:creationId xmlns:p14="http://schemas.microsoft.com/office/powerpoint/2010/main" val="1497981086"/>
       </p:ext>
     </p:extLst>
   </p:cSld>
@@ -3575,15 +4384,93 @@
           <a:chExt cx="0" cy="0"/>
         </a:xfrm>
       </p:grpSpPr>
+      <p:sp>
+        <p:nvSpPr>
+          <p:cNvPr id="2" name="Title 1"/>
+          <p:cNvSpPr>
+            <a:spLocks noGrp="1"/>
+          </p:cNvSpPr>
+          <p:nvPr>
+            <p:ph type="title"/>
+          </p:nvPr>
+        </p:nvSpPr>
+        <p:spPr/>
+        <p:txBody>
+          <a:bodyPr>
+            <a:normAutofit fontScale="90000"/>
+          </a:bodyPr>
+          <a:lstStyle/>
+          <a:p>
+            <a:r>
+              <a:rPr lang="en-US" b="1" dirty="0" smtClean="0"/>
+              <a:t>Graph in ‘</a:t>
+            </a:r>
+            <a:r>
+              <a:rPr lang="en-US" b="1" dirty="0" err="1" smtClean="0"/>
+              <a:t>GraphQL</a:t>
+            </a:r>
+            <a:r>
+              <a:rPr lang="en-US" b="1" dirty="0"/>
+              <a:t>’ </a:t>
+            </a:r>
+            <a:r>
+              <a:rPr lang="en-US" b="1" dirty="0" smtClean="0"/>
+              <a:t>refers </a:t>
+            </a:r>
+            <a:r>
+              <a:rPr lang="en-US" b="1" dirty="0"/>
+              <a:t>to Graph </a:t>
+            </a:r>
+            <a:r>
+              <a:rPr lang="en-US" b="1" dirty="0" err="1"/>
+              <a:t>Datastructure</a:t>
+            </a:r>
+            <a:r>
+              <a:rPr lang="en-US" b="1" dirty="0"/>
+              <a:t>.</a:t>
+            </a:r>
+            <a:br>
+              <a:rPr lang="en-US" b="1" dirty="0"/>
+            </a:br>
+            <a:endParaRPr lang="en-US" b="1" dirty="0"/>
+          </a:p>
+        </p:txBody>
+      </p:sp>
+      <p:sp>
+        <p:nvSpPr>
+          <p:cNvPr id="3" name="Content Placeholder 2"/>
+          <p:cNvSpPr>
+            <a:spLocks noGrp="1"/>
+          </p:cNvSpPr>
+          <p:nvPr>
+            <p:ph idx="1"/>
+          </p:nvPr>
+        </p:nvSpPr>
+        <p:spPr/>
+        <p:txBody>
+          <a:bodyPr/>
+          <a:lstStyle/>
+          <a:p>
+            <a:pPr marL="0" indent="0">
+              <a:buNone/>
+            </a:pPr>
+            <a:endParaRPr lang="en-US" dirty="0"/>
+          </a:p>
+          <a:p>
+            <a:pPr marL="0" indent="0">
+              <a:buNone/>
+            </a:pPr>
+            <a:endParaRPr lang="en-US" dirty="0"/>
+          </a:p>
+        </p:txBody>
+      </p:sp>
       <p:pic>
         <p:nvPicPr>
-          <p:cNvPr id="4" name="Content Placeholder 3"/>
+          <p:cNvPr id="4" name="Picture 3"/>
           <p:cNvPicPr>
-            <a:picLocks noGrp="1" noChangeAspect="1"/>
+            <a:picLocks noChangeAspect="1"/>
           </p:cNvPicPr>
-          <p:nvPr>
-            <p:ph idx="1"/>
-          </p:nvPr>
+          <p:nvPr/>
         </p:nvPicPr>
         <p:blipFill>
           <a:blip r:embed="rId2">
@@ -3599,15 +4486,54 @@
         </p:blipFill>
         <p:spPr>
           <a:xfrm>
-            <a:off x="3805237" y="1059000"/>
+            <a:off x="3300271" y="1590675"/>
             <a:ext cx="4581525" cy="3676650"/>
           </a:xfrm>
+          <a:prstGeom prst="rect">
+            <a:avLst/>
+          </a:prstGeom>
         </p:spPr>
       </p:pic>
+      <p:sp>
+        <p:nvSpPr>
+          <p:cNvPr id="5" name="Rectangle 4"/>
+          <p:cNvSpPr/>
+          <p:nvPr/>
+        </p:nvSpPr>
+        <p:spPr>
+          <a:xfrm>
+            <a:off x="3098523" y="5537478"/>
+            <a:ext cx="6177204" cy="369332"/>
+          </a:xfrm>
+          <a:prstGeom prst="rect">
+            <a:avLst/>
+          </a:prstGeom>
+        </p:spPr>
+        <p:txBody>
+          <a:bodyPr wrap="none">
+            <a:spAutoFit/>
+          </a:bodyPr>
+          <a:lstStyle/>
+          <a:p>
+            <a:r>
+              <a:rPr lang="en-US" b="1" dirty="0" smtClean="0"/>
+              <a:t>Reference :https</a:t>
+            </a:r>
+            <a:r>
+              <a:rPr lang="en-US" b="1" dirty="0"/>
+              <a:t>://</a:t>
+            </a:r>
+            <a:r>
+              <a:rPr lang="en-US" b="1" dirty="0" smtClean="0"/>
+              <a:t>www.youtube.com/watch?v=dCQ9g5V_CxE</a:t>
+            </a:r>
+          </a:p>
+        </p:txBody>
+      </p:sp>
     </p:spTree>
     <p:extLst>
       <p:ext uri="{BB962C8B-B14F-4D97-AF65-F5344CB8AC3E}">
-        <p14:creationId xmlns:p14="http://schemas.microsoft.com/office/powerpoint/2010/main" val="3747448340"/>
+        <p14:creationId xmlns:p14="http://schemas.microsoft.com/office/powerpoint/2010/main" val="3547763255"/>
       </p:ext>
     </p:extLst>
   </p:cSld>
@@ -3652,7 +4578,73 @@
           </p:nvPr>
         </p:nvPicPr>
         <p:blipFill>
-          <a:blip r:embed="rId2">
+          <a:blip r:embed="rId3">
+            <a:extLst>
+              <a:ext uri="{28A0092B-C50C-407E-A947-70E740481C1C}">
+                <a14:useLocalDpi xmlns:a14="http://schemas.microsoft.com/office/drawing/2010/main" val="0"/>
+              </a:ext>
+            </a:extLst>
+          </a:blip>
+          <a:stretch>
+            <a:fillRect/>
+          </a:stretch>
+        </p:blipFill>
+        <p:spPr>
+          <a:xfrm>
+            <a:off x="3805237" y="1059000"/>
+            <a:ext cx="4581525" cy="3676650"/>
+          </a:xfrm>
+        </p:spPr>
+      </p:pic>
+    </p:spTree>
+    <p:extLst>
+      <p:ext uri="{BB962C8B-B14F-4D97-AF65-F5344CB8AC3E}">
+        <p14:creationId xmlns:p14="http://schemas.microsoft.com/office/powerpoint/2010/main" val="3747448340"/>
+      </p:ext>
+    </p:extLst>
+  </p:cSld>
+  <p:clrMapOvr>
+    <a:masterClrMapping/>
+  </p:clrMapOvr>
+  <p:timing>
+    <p:tnLst>
+      <p:par>
+        <p:cTn id="1" dur="indefinite" restart="never" nodeType="tmRoot"/>
+      </p:par>
+    </p:tnLst>
+  </p:timing>
+</p:sld>
+</file>
+
+<file path=ppt/slides/slide16.xml><?xml version="1.0" encoding="utf-8"?>
+<p:sld xmlns:a="http://schemas.openxmlformats.org/drawingml/2006/main" xmlns:r="http://schemas.openxmlformats.org/officeDocument/2006/relationships" xmlns:p="http://schemas.openxmlformats.org/presentationml/2006/main">
+  <p:cSld>
+    <p:spTree>
+      <p:nvGrpSpPr>
+        <p:cNvPr id="1" name=""/>
+        <p:cNvGrpSpPr/>
+        <p:nvPr/>
+      </p:nvGrpSpPr>
+      <p:grpSpPr>
+        <a:xfrm>
+          <a:off x="0" y="0"/>
+          <a:ext cx="0" cy="0"/>
+          <a:chOff x="0" y="0"/>
+          <a:chExt cx="0" cy="0"/>
+        </a:xfrm>
+      </p:grpSpPr>
+      <p:pic>
+        <p:nvPicPr>
+          <p:cNvPr id="4" name="Content Placeholder 3"/>
+          <p:cNvPicPr>
+            <a:picLocks noGrp="1" noChangeAspect="1"/>
+          </p:cNvPicPr>
+          <p:nvPr>
+            <p:ph idx="1"/>
+          </p:nvPr>
+        </p:nvPicPr>
+        <p:blipFill>
+          <a:blip r:embed="rId3">
             <a:extLst>
               <a:ext uri="{28A0092B-C50C-407E-A947-70E740481C1C}">
                 <a14:useLocalDpi xmlns:a14="http://schemas.microsoft.com/office/drawing/2010/main" val="0"/>
@@ -3690,7 +4682,7 @@
 </p:sld>
 </file>
 
-<file path=ppt/slides/slide16.xml><?xml version="1.0" encoding="utf-8"?>
+<file path=ppt/slides/slide17.xml><?xml version="1.0" encoding="utf-8"?>
 <p:sld xmlns:a="http://schemas.openxmlformats.org/drawingml/2006/main" xmlns:r="http://schemas.openxmlformats.org/officeDocument/2006/relationships" xmlns:p="http://schemas.openxmlformats.org/presentationml/2006/main">
   <p:cSld>
     <p:spTree>
@@ -3723,12 +4715,185 @@
           <a:lstStyle/>
           <a:p>
             <a:r>
+              <a:rPr lang="en-US" b="1" dirty="0" smtClean="0"/>
+              <a:t>How </a:t>
+            </a:r>
+            <a:r>
+              <a:rPr lang="en-US" b="1" dirty="0" err="1" smtClean="0"/>
+              <a:t>GraphQL</a:t>
+            </a:r>
+            <a:r>
+              <a:rPr lang="en-US" b="1" dirty="0" smtClean="0"/>
+              <a:t> Works</a:t>
+            </a:r>
+            <a:endParaRPr lang="en-US" b="1" dirty="0"/>
+          </a:p>
+        </p:txBody>
+      </p:sp>
+      <p:sp>
+        <p:nvSpPr>
+          <p:cNvPr id="3" name="Content Placeholder 2"/>
+          <p:cNvSpPr>
+            <a:spLocks noGrp="1"/>
+          </p:cNvSpPr>
+          <p:nvPr>
+            <p:ph idx="1"/>
+          </p:nvPr>
+        </p:nvSpPr>
+        <p:spPr/>
+        <p:txBody>
+          <a:bodyPr/>
+          <a:lstStyle/>
+          <a:p>
+            <a:r>
+              <a:rPr lang="en-US" dirty="0" smtClean="0"/>
+              <a:t>Describe your data </a:t>
+            </a:r>
+            <a:r>
+              <a:rPr lang="en-US" dirty="0" smtClean="0"/>
+              <a:t>–  Use </a:t>
+            </a:r>
+            <a:r>
+              <a:rPr lang="en-US" b="1" dirty="0" err="1" smtClean="0"/>
+              <a:t>GraphQL</a:t>
+            </a:r>
+            <a:r>
+              <a:rPr lang="en-US" b="1" dirty="0" smtClean="0"/>
+              <a:t> schema</a:t>
+            </a:r>
+            <a:r>
+              <a:rPr lang="en-US" dirty="0" smtClean="0"/>
+              <a:t> to describe data</a:t>
+            </a:r>
+            <a:endParaRPr lang="en-US" dirty="0" smtClean="0"/>
+          </a:p>
+          <a:p>
+            <a:r>
+              <a:rPr lang="en-US" dirty="0" smtClean="0"/>
+              <a:t>Ask for what you want </a:t>
+            </a:r>
+            <a:r>
+              <a:rPr lang="en-US" dirty="0" smtClean="0"/>
+              <a:t>– Use </a:t>
+            </a:r>
+            <a:r>
+              <a:rPr lang="en-US" b="1" dirty="0" err="1" smtClean="0"/>
+              <a:t>GraphQL</a:t>
+            </a:r>
+            <a:r>
+              <a:rPr lang="en-US" b="1" dirty="0" smtClean="0"/>
+              <a:t> Query</a:t>
+            </a:r>
+            <a:endParaRPr lang="en-US" dirty="0" smtClean="0"/>
+          </a:p>
+          <a:p>
+            <a:r>
+              <a:rPr lang="en-US" dirty="0" smtClean="0"/>
+              <a:t>Get predictable data </a:t>
+            </a:r>
+            <a:endParaRPr lang="en-US" dirty="0" smtClean="0"/>
+          </a:p>
+          <a:p>
+            <a:pPr marL="0" indent="0">
+              <a:buNone/>
+            </a:pPr>
+            <a:endParaRPr lang="en-US" dirty="0"/>
+          </a:p>
+        </p:txBody>
+      </p:sp>
+      <p:pic>
+        <p:nvPicPr>
+          <p:cNvPr id="4" name="Picture 3"/>
+          <p:cNvPicPr>
+            <a:picLocks noChangeAspect="1"/>
+          </p:cNvPicPr>
+          <p:nvPr/>
+        </p:nvPicPr>
+        <p:blipFill>
+          <a:blip r:embed="rId2">
+            <a:extLst>
+              <a:ext uri="{28A0092B-C50C-407E-A947-70E740481C1C}">
+                <a14:useLocalDpi xmlns:a14="http://schemas.microsoft.com/office/drawing/2010/main" val="0"/>
+              </a:ext>
+            </a:extLst>
+          </a:blip>
+          <a:stretch>
+            <a:fillRect/>
+          </a:stretch>
+        </p:blipFill>
+        <p:spPr>
+          <a:xfrm>
+            <a:off x="1282194" y="3773276"/>
+            <a:ext cx="8945223" cy="1686160"/>
+          </a:xfrm>
+          <a:prstGeom prst="rect">
+            <a:avLst/>
+          </a:prstGeom>
+        </p:spPr>
+      </p:pic>
+    </p:spTree>
+    <p:extLst>
+      <p:ext uri="{BB962C8B-B14F-4D97-AF65-F5344CB8AC3E}">
+        <p14:creationId xmlns:p14="http://schemas.microsoft.com/office/powerpoint/2010/main" val="2949584078"/>
+      </p:ext>
+    </p:extLst>
+  </p:cSld>
+  <p:clrMapOvr>
+    <a:masterClrMapping/>
+  </p:clrMapOvr>
+  <p:timing>
+    <p:tnLst>
+      <p:par>
+        <p:cTn id="1" dur="indefinite" restart="never" nodeType="tmRoot"/>
+      </p:par>
+    </p:tnLst>
+  </p:timing>
+</p:sld>
+</file>
+
+<file path=ppt/slides/slide18.xml><?xml version="1.0" encoding="utf-8"?>
+<p:sld xmlns:a="http://schemas.openxmlformats.org/drawingml/2006/main" xmlns:r="http://schemas.openxmlformats.org/officeDocument/2006/relationships" xmlns:p="http://schemas.openxmlformats.org/presentationml/2006/main">
+  <p:cSld>
+    <p:spTree>
+      <p:nvGrpSpPr>
+        <p:cNvPr id="1" name=""/>
+        <p:cNvGrpSpPr/>
+        <p:nvPr/>
+      </p:nvGrpSpPr>
+      <p:grpSpPr>
+        <a:xfrm>
+          <a:off x="0" y="0"/>
+          <a:ext cx="0" cy="0"/>
+          <a:chOff x="0" y="0"/>
+          <a:chExt cx="0" cy="0"/>
+        </a:xfrm>
+      </p:grpSpPr>
+      <p:sp>
+        <p:nvSpPr>
+          <p:cNvPr id="2" name="Title 1"/>
+          <p:cNvSpPr>
+            <a:spLocks noGrp="1"/>
+          </p:cNvSpPr>
+          <p:nvPr>
+            <p:ph type="title"/>
+          </p:nvPr>
+        </p:nvSpPr>
+        <p:spPr/>
+        <p:txBody>
+          <a:bodyPr/>
+          <a:lstStyle/>
+          <a:p>
+            <a:r>
               <a:rPr lang="en-US" dirty="0" smtClean="0"/>
               <a:t>Node API + </a:t>
             </a:r>
             <a:r>
               <a:rPr lang="en-US" dirty="0" err="1" smtClean="0"/>
               <a:t>GraphQL</a:t>
+            </a:r>
+            <a:r>
+              <a:rPr lang="en-US" dirty="0" smtClean="0"/>
+              <a:t> Demo</a:t>
             </a:r>
             <a:endParaRPr lang="en-US" dirty="0"/>
           </a:p>
@@ -3751,17 +4916,43 @@
           </a:xfrm>
         </p:spPr>
         <p:txBody>
-          <a:bodyPr/>
-          <a:lstStyle/>
-          <a:p>
-            <a:pPr marL="0" indent="0">
-              <a:buNone/>
-            </a:pPr>
-            <a:r>
-              <a:rPr lang="en-US" dirty="0" smtClean="0"/>
-              <a:t>  </a:t>
-            </a:r>
-            <a:endParaRPr lang="en-US" dirty="0"/>
+          <a:bodyPr>
+            <a:normAutofit/>
+          </a:bodyPr>
+          <a:lstStyle/>
+          <a:p>
+            <a:pPr marL="0" indent="0">
+              <a:buNone/>
+            </a:pPr>
+            <a:r>
+              <a:rPr lang="en-US" sz="1800" dirty="0"/>
+              <a:t> In </a:t>
+            </a:r>
+            <a:r>
+              <a:rPr lang="en-US" sz="1800" dirty="0" smtClean="0"/>
+              <a:t>the demo , we will </a:t>
+            </a:r>
+            <a:r>
+              <a:rPr lang="en-US" sz="1800" dirty="0"/>
+              <a:t>build a node based </a:t>
+            </a:r>
+            <a:r>
+              <a:rPr lang="en-US" sz="1800" dirty="0" err="1"/>
+              <a:t>GraphQL</a:t>
+            </a:r>
+            <a:r>
+              <a:rPr lang="en-US" sz="1800" dirty="0"/>
+              <a:t> server and query it using  </a:t>
+            </a:r>
+            <a:r>
+              <a:rPr lang="en-US" sz="1800" dirty="0" err="1"/>
+              <a:t>GraphiQL</a:t>
+            </a:r>
+            <a:r>
+              <a:rPr lang="en-US" sz="1800" dirty="0"/>
+              <a:t> interface</a:t>
+            </a:r>
+            <a:endParaRPr lang="en-US" sz="1800" dirty="0"/>
           </a:p>
         </p:txBody>
       </p:sp>
@@ -3999,280 +5190,6 @@
 </p:sld>
 </file>
 
-<file path=ppt/slides/slide17.xml><?xml version="1.0" encoding="utf-8"?>
-<p:sld xmlns:a="http://schemas.openxmlformats.org/drawingml/2006/main" xmlns:r="http://schemas.openxmlformats.org/officeDocument/2006/relationships" xmlns:p="http://schemas.openxmlformats.org/presentationml/2006/main">
-  <p:cSld>
-    <p:spTree>
-      <p:nvGrpSpPr>
-        <p:cNvPr id="1" name=""/>
-        <p:cNvGrpSpPr/>
-        <p:nvPr/>
-      </p:nvGrpSpPr>
-      <p:grpSpPr>
-        <a:xfrm>
-          <a:off x="0" y="0"/>
-          <a:ext cx="0" cy="0"/>
-          <a:chOff x="0" y="0"/>
-          <a:chExt cx="0" cy="0"/>
-        </a:xfrm>
-      </p:grpSpPr>
-      <p:sp>
-        <p:nvSpPr>
-          <p:cNvPr id="2" name="Title 1"/>
-          <p:cNvSpPr>
-            <a:spLocks noGrp="1"/>
-          </p:cNvSpPr>
-          <p:nvPr>
-            <p:ph type="title"/>
-          </p:nvPr>
-        </p:nvSpPr>
-        <p:spPr/>
-        <p:txBody>
-          <a:bodyPr/>
-          <a:lstStyle/>
-          <a:p>
-            <a:r>
-              <a:rPr lang="en-US" dirty="0" smtClean="0"/>
-              <a:t>Request Flow</a:t>
-            </a:r>
-            <a:endParaRPr lang="en-US" dirty="0"/>
-          </a:p>
-        </p:txBody>
-      </p:sp>
-      <p:sp>
-        <p:nvSpPr>
-          <p:cNvPr id="3" name="Content Placeholder 2"/>
-          <p:cNvSpPr>
-            <a:spLocks noGrp="1"/>
-          </p:cNvSpPr>
-          <p:nvPr>
-            <p:ph idx="1"/>
-          </p:nvPr>
-        </p:nvSpPr>
-        <p:spPr/>
-        <p:txBody>
-          <a:bodyPr/>
-          <a:lstStyle/>
-          <a:p>
-            <a:r>
-              <a:rPr lang="en-US" dirty="0" smtClean="0"/>
-              <a:t>Request from client comes to </a:t>
-            </a:r>
-            <a:r>
-              <a:rPr lang="en-US" dirty="0" err="1" smtClean="0"/>
-              <a:t>Nodejs</a:t>
-            </a:r>
-            <a:r>
-              <a:rPr lang="en-US" dirty="0" smtClean="0"/>
-              <a:t> Server</a:t>
-            </a:r>
-          </a:p>
-          <a:p>
-            <a:r>
-              <a:rPr lang="en-US" dirty="0" err="1" smtClean="0"/>
-              <a:t>Nodejs</a:t>
-            </a:r>
-            <a:r>
-              <a:rPr lang="en-US" dirty="0" smtClean="0"/>
-              <a:t> checks if request is for </a:t>
-            </a:r>
-            <a:r>
-              <a:rPr lang="en-US" dirty="0" err="1" smtClean="0"/>
-              <a:t>GraphQL</a:t>
-            </a:r>
-            <a:endParaRPr lang="en-US" dirty="0" smtClean="0"/>
-          </a:p>
-          <a:p>
-            <a:r>
-              <a:rPr lang="en-US" dirty="0" smtClean="0"/>
-              <a:t>If yes Proceeds with </a:t>
-            </a:r>
-            <a:r>
-              <a:rPr lang="en-US" dirty="0" err="1" smtClean="0"/>
-              <a:t>GraphQL</a:t>
-            </a:r>
-            <a:r>
-              <a:rPr lang="en-US" dirty="0" smtClean="0"/>
-              <a:t> processing and send response back to client</a:t>
-            </a:r>
-          </a:p>
-          <a:p>
-            <a:r>
-              <a:rPr lang="en-US" dirty="0" smtClean="0"/>
-              <a:t>Else process the request and send response back to client</a:t>
-            </a:r>
-            <a:endParaRPr lang="en-US" dirty="0"/>
-          </a:p>
-        </p:txBody>
-      </p:sp>
-    </p:spTree>
-    <p:extLst>
-      <p:ext uri="{BB962C8B-B14F-4D97-AF65-F5344CB8AC3E}">
-        <p14:creationId xmlns:p14="http://schemas.microsoft.com/office/powerpoint/2010/main" val="920551688"/>
-      </p:ext>
-    </p:extLst>
-  </p:cSld>
-  <p:clrMapOvr>
-    <a:masterClrMapping/>
-  </p:clrMapOvr>
-  <p:timing>
-    <p:tnLst>
-      <p:par>
-        <p:cTn id="1" dur="indefinite" restart="never" nodeType="tmRoot"/>
-      </p:par>
-    </p:tnLst>
-  </p:timing>
-</p:sld>
-</file>
-
-<file path=ppt/slides/slide18.xml><?xml version="1.0" encoding="utf-8"?>
-<p:sld xmlns:a="http://schemas.openxmlformats.org/drawingml/2006/main" xmlns:r="http://schemas.openxmlformats.org/officeDocument/2006/relationships" xmlns:p="http://schemas.openxmlformats.org/presentationml/2006/main">
-  <p:cSld>
-    <p:spTree>
-      <p:nvGrpSpPr>
-        <p:cNvPr id="1" name=""/>
-        <p:cNvGrpSpPr/>
-        <p:nvPr/>
-      </p:nvGrpSpPr>
-      <p:grpSpPr>
-        <a:xfrm>
-          <a:off x="0" y="0"/>
-          <a:ext cx="0" cy="0"/>
-          <a:chOff x="0" y="0"/>
-          <a:chExt cx="0" cy="0"/>
-        </a:xfrm>
-      </p:grpSpPr>
-      <p:sp>
-        <p:nvSpPr>
-          <p:cNvPr id="2" name="Title 1"/>
-          <p:cNvSpPr>
-            <a:spLocks noGrp="1"/>
-          </p:cNvSpPr>
-          <p:nvPr>
-            <p:ph type="title"/>
-          </p:nvPr>
-        </p:nvSpPr>
-        <p:spPr/>
-        <p:txBody>
-          <a:bodyPr/>
-          <a:lstStyle/>
-          <a:p>
-            <a:r>
-              <a:rPr lang="en-US" dirty="0" smtClean="0"/>
-              <a:t>Simple Express server</a:t>
-            </a:r>
-            <a:endParaRPr lang="en-US" dirty="0"/>
-          </a:p>
-        </p:txBody>
-      </p:sp>
-      <p:sp>
-        <p:nvSpPr>
-          <p:cNvPr id="3" name="Content Placeholder 2"/>
-          <p:cNvSpPr>
-            <a:spLocks noGrp="1"/>
-          </p:cNvSpPr>
-          <p:nvPr>
-            <p:ph idx="1"/>
-          </p:nvPr>
-        </p:nvSpPr>
-        <p:spPr/>
-        <p:txBody>
-          <a:bodyPr/>
-          <a:lstStyle/>
-          <a:p>
-            <a:pPr marL="0" indent="0">
-              <a:buNone/>
-            </a:pPr>
-            <a:r>
-              <a:rPr lang="en-US" dirty="0" err="1" smtClean="0"/>
-              <a:t>const</a:t>
-            </a:r>
-            <a:r>
-              <a:rPr lang="en-US" dirty="0" smtClean="0"/>
-              <a:t> express = require('express');</a:t>
-            </a:r>
-          </a:p>
-          <a:p>
-            <a:pPr marL="0" indent="0">
-              <a:buNone/>
-            </a:pPr>
-            <a:endParaRPr lang="en-US" dirty="0" smtClean="0"/>
-          </a:p>
-          <a:p>
-            <a:pPr marL="0" indent="0">
-              <a:buNone/>
-            </a:pPr>
-            <a:r>
-              <a:rPr lang="en-US" dirty="0" smtClean="0"/>
-              <a:t>app = express();</a:t>
-            </a:r>
-          </a:p>
-          <a:p>
-            <a:pPr marL="0" indent="0">
-              <a:buNone/>
-            </a:pPr>
-            <a:endParaRPr lang="en-US" dirty="0" smtClean="0"/>
-          </a:p>
-          <a:p>
-            <a:pPr marL="0" indent="0">
-              <a:buNone/>
-            </a:pPr>
-            <a:endParaRPr lang="en-US" dirty="0" smtClean="0"/>
-          </a:p>
-          <a:p>
-            <a:pPr marL="0" indent="0">
-              <a:buNone/>
-            </a:pPr>
-            <a:r>
-              <a:rPr lang="en-US" dirty="0" err="1" smtClean="0"/>
-              <a:t>app.listen</a:t>
-            </a:r>
-            <a:r>
-              <a:rPr lang="en-US" dirty="0" smtClean="0"/>
-              <a:t>(4000,() =&gt; {</a:t>
-            </a:r>
-          </a:p>
-          <a:p>
-            <a:pPr marL="0" indent="0">
-              <a:buNone/>
-            </a:pPr>
-            <a:r>
-              <a:rPr lang="en-US" dirty="0" smtClean="0"/>
-              <a:t>    console.log('listening');</a:t>
-            </a:r>
-          </a:p>
-          <a:p>
-            <a:pPr marL="0" indent="0">
-              <a:buNone/>
-            </a:pPr>
-            <a:r>
-              <a:rPr lang="en-US" dirty="0" smtClean="0"/>
-              <a:t>});</a:t>
-            </a:r>
-            <a:endParaRPr lang="en-US" dirty="0"/>
-          </a:p>
-        </p:txBody>
-      </p:sp>
-    </p:spTree>
-    <p:extLst>
-      <p:ext uri="{BB962C8B-B14F-4D97-AF65-F5344CB8AC3E}">
-        <p14:creationId xmlns:p14="http://schemas.microsoft.com/office/powerpoint/2010/main" val="3280387325"/>
-      </p:ext>
-    </p:extLst>
-  </p:cSld>
-  <p:clrMapOvr>
-    <a:masterClrMapping/>
-  </p:clrMapOvr>
-  <p:timing>
-    <p:tnLst>
-      <p:par>
-        <p:cTn id="1" dur="indefinite" restart="never" nodeType="tmRoot"/>
-      </p:par>
-    </p:tnLst>
-  </p:timing>
-</p:sld>
-</file>
-
 <file path=ppt/slides/slide19.xml><?xml version="1.0" encoding="utf-8"?>
 <p:sld xmlns:a="http://schemas.openxmlformats.org/drawingml/2006/main" xmlns:r="http://schemas.openxmlformats.org/officeDocument/2006/relationships" xmlns:p="http://schemas.openxmlformats.org/presentationml/2006/main">
   <p:cSld>
@@ -4306,150 +5223,68 @@
           <a:lstStyle/>
           <a:p>
             <a:r>
-              <a:rPr lang="en-US" dirty="0" smtClean="0"/>
-              <a:t>Add </a:t>
+              <a:rPr lang="en-US" b="1" dirty="0" smtClean="0"/>
+              <a:t>Request Flow</a:t>
+            </a:r>
+            <a:endParaRPr lang="en-US" b="1" dirty="0"/>
+          </a:p>
+        </p:txBody>
+      </p:sp>
+      <p:sp>
+        <p:nvSpPr>
+          <p:cNvPr id="3" name="Content Placeholder 2"/>
+          <p:cNvSpPr>
+            <a:spLocks noGrp="1"/>
+          </p:cNvSpPr>
+          <p:nvPr>
+            <p:ph idx="1"/>
+          </p:nvPr>
+        </p:nvSpPr>
+        <p:spPr/>
+        <p:txBody>
+          <a:bodyPr/>
+          <a:lstStyle/>
+          <a:p>
+            <a:r>
+              <a:rPr lang="en-US" dirty="0" smtClean="0"/>
+              <a:t>Request from client comes to </a:t>
+            </a:r>
+            <a:r>
+              <a:rPr lang="en-US" dirty="0" err="1" smtClean="0"/>
+              <a:t>Nodejs</a:t>
+            </a:r>
+            <a:r>
+              <a:rPr lang="en-US" dirty="0" smtClean="0"/>
+              <a:t> Server</a:t>
+            </a:r>
+          </a:p>
+          <a:p>
+            <a:r>
+              <a:rPr lang="en-US" dirty="0" err="1" smtClean="0"/>
+              <a:t>Nodejs</a:t>
+            </a:r>
+            <a:r>
+              <a:rPr lang="en-US" dirty="0" smtClean="0"/>
+              <a:t> checks </a:t>
+            </a:r>
+            <a:r>
+              <a:rPr lang="en-US" dirty="0" smtClean="0"/>
+              <a:t>if the </a:t>
+            </a:r>
+            <a:r>
+              <a:rPr lang="en-US" dirty="0" smtClean="0"/>
+              <a:t>request is for </a:t>
             </a:r>
             <a:r>
               <a:rPr lang="en-US" dirty="0" err="1" smtClean="0"/>
               <a:t>GraphQL</a:t>
             </a:r>
-            <a:r>
-              <a:rPr lang="en-US" dirty="0" smtClean="0"/>
-              <a:t> Middleware	</a:t>
-            </a:r>
-            <a:endParaRPr lang="en-US" dirty="0"/>
-          </a:p>
-        </p:txBody>
-      </p:sp>
-      <p:sp>
-        <p:nvSpPr>
-          <p:cNvPr id="3" name="Content Placeholder 2"/>
-          <p:cNvSpPr>
-            <a:spLocks noGrp="1"/>
-          </p:cNvSpPr>
-          <p:nvPr>
-            <p:ph idx="1"/>
-          </p:nvPr>
-        </p:nvSpPr>
-        <p:spPr/>
-        <p:txBody>
-          <a:bodyPr>
-            <a:normAutofit fontScale="77500" lnSpcReduction="20000"/>
-          </a:bodyPr>
-          <a:lstStyle/>
-          <a:p>
-            <a:pPr marL="0" indent="0">
-              <a:buNone/>
-            </a:pPr>
-            <a:r>
-              <a:rPr lang="en-US" dirty="0" err="1" smtClean="0"/>
-              <a:t>const</a:t>
-            </a:r>
-            <a:r>
-              <a:rPr lang="en-US" dirty="0" smtClean="0"/>
-              <a:t> express = require('express');</a:t>
-            </a:r>
-          </a:p>
-          <a:p>
-            <a:pPr marL="0" indent="0">
-              <a:buNone/>
-            </a:pPr>
-            <a:r>
-              <a:rPr lang="en-US" dirty="0" err="1" smtClean="0"/>
-              <a:t>const</a:t>
-            </a:r>
-            <a:r>
-              <a:rPr lang="en-US" dirty="0" smtClean="0"/>
-              <a:t> </a:t>
-            </a:r>
-            <a:r>
-              <a:rPr lang="en-US" dirty="0" err="1" smtClean="0"/>
-              <a:t>expressGraphQL</a:t>
-            </a:r>
-            <a:r>
-              <a:rPr lang="en-US" dirty="0" smtClean="0"/>
-              <a:t> = require('express-</a:t>
-            </a:r>
-            <a:r>
-              <a:rPr lang="en-US" dirty="0" err="1" smtClean="0"/>
-              <a:t>graphql</a:t>
-            </a:r>
-            <a:r>
-              <a:rPr lang="en-US" dirty="0" smtClean="0"/>
-              <a:t>');</a:t>
-            </a:r>
-          </a:p>
-          <a:p>
-            <a:pPr marL="0" indent="0">
-              <a:buNone/>
-            </a:pPr>
             <a:endParaRPr lang="en-US" dirty="0" smtClean="0"/>
           </a:p>
           <a:p>
-            <a:pPr marL="0" indent="0">
-              <a:buNone/>
-            </a:pPr>
-            <a:r>
-              <a:rPr lang="en-US" dirty="0" smtClean="0"/>
-              <a:t>app = express();</a:t>
-            </a:r>
-          </a:p>
-          <a:p>
-            <a:pPr marL="0" indent="0">
-              <a:buNone/>
-            </a:pPr>
-            <a:endParaRPr lang="en-US" dirty="0" smtClean="0"/>
-          </a:p>
-          <a:p>
-            <a:pPr marL="0" indent="0">
-              <a:buNone/>
-            </a:pPr>
-            <a:r>
-              <a:rPr lang="en-US" dirty="0" err="1" smtClean="0"/>
-              <a:t>app.use</a:t>
-            </a:r>
-            <a:r>
-              <a:rPr lang="en-US" dirty="0" smtClean="0"/>
-              <a:t>('/</a:t>
-            </a:r>
-            <a:r>
-              <a:rPr lang="en-US" dirty="0" err="1" smtClean="0"/>
-              <a:t>graphql</a:t>
-            </a:r>
-            <a:r>
-              <a:rPr lang="en-US" dirty="0" smtClean="0"/>
-              <a:t>',</a:t>
-            </a:r>
-            <a:r>
-              <a:rPr lang="en-US" dirty="0" err="1" smtClean="0"/>
-              <a:t>expressGraphQL</a:t>
-            </a:r>
-            <a:r>
-              <a:rPr lang="en-US" dirty="0" smtClean="0"/>
-              <a:t>({</a:t>
-            </a:r>
-          </a:p>
-          <a:p>
-            <a:pPr marL="0" indent="0">
-              <a:buNone/>
-            </a:pPr>
-            <a:r>
-              <a:rPr lang="en-US" dirty="0" smtClean="0"/>
-              <a:t>    </a:t>
-            </a:r>
-            <a:r>
-              <a:rPr lang="en-US" dirty="0" err="1" smtClean="0"/>
-              <a:t>graphiql:true</a:t>
-            </a:r>
-            <a:endParaRPr lang="en-US" dirty="0" smtClean="0"/>
-          </a:p>
-          <a:p>
-            <a:pPr marL="0" indent="0">
-              <a:buNone/>
-            </a:pPr>
-            <a:r>
-              <a:rPr lang="en-US" dirty="0" smtClean="0"/>
-              <a:t>})); // wiring </a:t>
+            <a:r>
+              <a:rPr lang="en-US" dirty="0" smtClean="0"/>
+              <a:t>If yes Proceeds with </a:t>
             </a:r>
             <a:r>
               <a:rPr lang="en-US" dirty="0" err="1" smtClean="0"/>
@@ -4457,44 +5292,13 @@
             </a:r>
             <a:r>
               <a:rPr lang="en-US" dirty="0" smtClean="0"/>
-              <a:t> middleware </a:t>
-            </a:r>
-          </a:p>
-          <a:p>
-            <a:pPr marL="0" indent="0">
-              <a:buNone/>
-            </a:pPr>
-            <a:endParaRPr lang="en-US" dirty="0" smtClean="0"/>
-          </a:p>
-          <a:p>
-            <a:pPr marL="0" indent="0">
-              <a:buNone/>
-            </a:pPr>
-            <a:r>
-              <a:rPr lang="en-US" dirty="0" err="1" smtClean="0"/>
-              <a:t>app.listen</a:t>
-            </a:r>
-            <a:r>
-              <a:rPr lang="en-US" dirty="0" smtClean="0"/>
-              <a:t>(4000,() =&gt; {</a:t>
-            </a:r>
-          </a:p>
-          <a:p>
-            <a:pPr marL="0" indent="0">
-              <a:buNone/>
-            </a:pPr>
-            <a:r>
-              <a:rPr lang="en-US" dirty="0" smtClean="0"/>
-              <a:t>    console.log('listening');</a:t>
-            </a:r>
-          </a:p>
-          <a:p>
-            <a:pPr marL="0" indent="0">
-              <a:buNone/>
-            </a:pPr>
-            <a:r>
-              <a:rPr lang="en-US" dirty="0" smtClean="0"/>
-              <a:t>});</a:t>
+              <a:t> processing and send response back to client</a:t>
+            </a:r>
+          </a:p>
+          <a:p>
+            <a:r>
+              <a:rPr lang="en-US" dirty="0" smtClean="0"/>
+              <a:t>Else process the request and send response back to client</a:t>
             </a:r>
             <a:endParaRPr lang="en-US" dirty="0"/>
           </a:p>
@@ -4503,7 +5307,7 @@
     </p:spTree>
     <p:extLst>
       <p:ext uri="{BB962C8B-B14F-4D97-AF65-F5344CB8AC3E}">
-        <p14:creationId xmlns:p14="http://schemas.microsoft.com/office/powerpoint/2010/main" val="4114226762"/>
+        <p14:creationId xmlns:p14="http://schemas.microsoft.com/office/powerpoint/2010/main" val="920551688"/>
       </p:ext>
     </p:extLst>
   </p:cSld>
@@ -4553,10 +5357,14 @@
           <a:lstStyle/>
           <a:p>
             <a:r>
-              <a:rPr lang="en-US" dirty="0" smtClean="0"/>
-              <a:t>Restful API</a:t>
-            </a:r>
-            <a:endParaRPr lang="en-US" dirty="0"/>
+              <a:rPr lang="en-US" b="1" dirty="0" smtClean="0"/>
+              <a:t>Restful </a:t>
+            </a:r>
+            <a:r>
+              <a:rPr lang="en-US" b="1" dirty="0" smtClean="0"/>
+              <a:t>Services</a:t>
+            </a:r>
+            <a:endParaRPr lang="en-US" b="1" dirty="0"/>
           </a:p>
         </p:txBody>
       </p:sp>
@@ -4577,21 +5385,37 @@
           <a:p>
             <a:r>
               <a:rPr lang="en-US" dirty="0" smtClean="0"/>
-              <a:t>Uniform URL and methods to identify and </a:t>
-            </a:r>
-            <a:r>
-              <a:rPr lang="en-US" dirty="0" err="1" smtClean="0"/>
-              <a:t>utlitze</a:t>
-            </a:r>
-            <a:r>
-              <a:rPr lang="en-US" dirty="0" smtClean="0"/>
-              <a:t> resources in server.</a:t>
-            </a:r>
-          </a:p>
-          <a:p>
-            <a:r>
-              <a:rPr lang="en-US" dirty="0" smtClean="0"/>
-              <a:t>Stateless (state to identify the resources will be part of the request only as query </a:t>
+              <a:t>Uses uniform </a:t>
+            </a:r>
+            <a:r>
+              <a:rPr lang="en-US" dirty="0" smtClean="0"/>
+              <a:t>URL and </a:t>
+            </a:r>
+            <a:r>
+              <a:rPr lang="en-US" dirty="0" smtClean="0"/>
+              <a:t>methods(GET,POST) </a:t>
+            </a:r>
+            <a:r>
+              <a:rPr lang="en-US" dirty="0" smtClean="0"/>
+              <a:t>to identify and </a:t>
+            </a:r>
+            <a:r>
+              <a:rPr lang="en-US" dirty="0" smtClean="0"/>
+              <a:t>utilize </a:t>
+            </a:r>
+            <a:r>
+              <a:rPr lang="en-US" dirty="0" smtClean="0"/>
+              <a:t>resources in server.</a:t>
+            </a:r>
+          </a:p>
+          <a:p>
+            <a:r>
+              <a:rPr lang="en-US" dirty="0" smtClean="0"/>
+              <a:t>100% Stateless </a:t>
+            </a:r>
+            <a:r>
+              <a:rPr lang="en-US" dirty="0" smtClean="0"/>
+              <a:t>(state to identify the resources will be part of the request only as query </a:t>
             </a:r>
             <a:r>
               <a:rPr lang="en-US" dirty="0" err="1" smtClean="0"/>
@@ -4613,7 +5437,13 @@
             </a:r>
             <a:r>
               <a:rPr lang="en-US" dirty="0" smtClean="0"/>
-              <a:t>)</a:t>
+              <a:t>) </a:t>
+            </a:r>
+          </a:p>
+          <a:p>
+            <a:r>
+              <a:rPr lang="en-US" dirty="0" smtClean="0"/>
+              <a:t>Representational state transfer - REST</a:t>
             </a:r>
             <a:endParaRPr lang="en-US" dirty="0"/>
           </a:p>
@@ -4672,18 +5502,10 @@
           <a:lstStyle/>
           <a:p>
             <a:r>
-              <a:rPr lang="en-US" dirty="0" smtClean="0"/>
-              <a:t>How </a:t>
-            </a:r>
-            <a:r>
-              <a:rPr lang="en-US" dirty="0" err="1" smtClean="0"/>
-              <a:t>GraphQL</a:t>
-            </a:r>
-            <a:r>
-              <a:rPr lang="en-US" dirty="0" smtClean="0"/>
-              <a:t> Works</a:t>
-            </a:r>
-            <a:endParaRPr lang="en-US" dirty="0"/>
+              <a:rPr lang="en-US" b="1" dirty="0" smtClean="0"/>
+              <a:t>Simple Express server</a:t>
+            </a:r>
+            <a:endParaRPr lang="en-US" b="1" dirty="0"/>
           </a:p>
         </p:txBody>
       </p:sp>
@@ -4702,25 +5524,74 @@
           <a:bodyPr/>
           <a:lstStyle/>
           <a:p>
-            <a:r>
-              <a:rPr lang="en-US" dirty="0" smtClean="0"/>
-              <a:t>Describe your data – Creating Schema</a:t>
-            </a:r>
-          </a:p>
-          <a:p>
-            <a:r>
-              <a:rPr lang="en-US" dirty="0" smtClean="0"/>
-              <a:t>Ask for what you want – Query API</a:t>
-            </a:r>
-          </a:p>
-          <a:p>
-            <a:r>
-              <a:rPr lang="en-US" dirty="0" smtClean="0"/>
-              <a:t>Get predictable data – Response from </a:t>
-            </a:r>
-            <a:r>
-              <a:rPr lang="en-US" dirty="0" err="1" smtClean="0"/>
-              <a:t>GraphQL</a:t>
+            <a:pPr marL="0" indent="0">
+              <a:buNone/>
+            </a:pPr>
+            <a:r>
+              <a:rPr lang="en-US" dirty="0" err="1" smtClean="0"/>
+              <a:t>const</a:t>
+            </a:r>
+            <a:r>
+              <a:rPr lang="en-US" dirty="0" smtClean="0"/>
+              <a:t> express = require('express');</a:t>
+            </a:r>
+          </a:p>
+          <a:p>
+            <a:pPr marL="0" indent="0">
+              <a:buNone/>
+            </a:pPr>
+            <a:endParaRPr lang="en-US" dirty="0" smtClean="0"/>
+          </a:p>
+          <a:p>
+            <a:pPr marL="0" indent="0">
+              <a:buNone/>
+            </a:pPr>
+            <a:r>
+              <a:rPr lang="en-US" dirty="0" smtClean="0"/>
+              <a:t>app = express();</a:t>
+            </a:r>
+          </a:p>
+          <a:p>
+            <a:pPr marL="0" indent="0">
+              <a:buNone/>
+            </a:pPr>
+            <a:endParaRPr lang="en-US" dirty="0" smtClean="0"/>
+          </a:p>
+          <a:p>
+            <a:pPr marL="0" indent="0">
+              <a:buNone/>
+            </a:pPr>
+            <a:endParaRPr lang="en-US" dirty="0" smtClean="0"/>
+          </a:p>
+          <a:p>
+            <a:pPr marL="0" indent="0">
+              <a:buNone/>
+            </a:pPr>
+            <a:r>
+              <a:rPr lang="en-US" dirty="0" err="1" smtClean="0"/>
+              <a:t>app.listen</a:t>
+            </a:r>
+            <a:r>
+              <a:rPr lang="en-US" dirty="0" smtClean="0"/>
+              <a:t>(4000,() =&gt; {</a:t>
+            </a:r>
+          </a:p>
+          <a:p>
+            <a:pPr marL="0" indent="0">
+              <a:buNone/>
+            </a:pPr>
+            <a:r>
+              <a:rPr lang="en-US" dirty="0" smtClean="0"/>
+              <a:t>    console.log('listening');</a:t>
+            </a:r>
+          </a:p>
+          <a:p>
+            <a:pPr marL="0" indent="0">
+              <a:buNone/>
+            </a:pPr>
+            <a:r>
+              <a:rPr lang="en-US" dirty="0" smtClean="0"/>
+              <a:t>});</a:t>
             </a:r>
             <a:endParaRPr lang="en-US" dirty="0"/>
           </a:p>
@@ -4729,7 +5600,7 @@
     </p:spTree>
     <p:extLst>
       <p:ext uri="{BB962C8B-B14F-4D97-AF65-F5344CB8AC3E}">
-        <p14:creationId xmlns:p14="http://schemas.microsoft.com/office/powerpoint/2010/main" val="2949584078"/>
+        <p14:creationId xmlns:p14="http://schemas.microsoft.com/office/powerpoint/2010/main" val="3280387325"/>
       </p:ext>
     </p:extLst>
   </p:cSld>
@@ -4779,95 +5650,204 @@
           <a:lstStyle/>
           <a:p>
             <a:r>
-              <a:rPr lang="en-US" dirty="0" smtClean="0"/>
-              <a:t>Schema files	</a:t>
+              <a:rPr lang="en-US" b="1" dirty="0" smtClean="0"/>
+              <a:t>Add </a:t>
+            </a:r>
+            <a:r>
+              <a:rPr lang="en-US" b="1" dirty="0" err="1" smtClean="0"/>
+              <a:t>GraphQL</a:t>
+            </a:r>
+            <a:r>
+              <a:rPr lang="en-US" b="1" dirty="0" smtClean="0"/>
+              <a:t> Middleware	</a:t>
+            </a:r>
+            <a:endParaRPr lang="en-US" b="1" dirty="0"/>
+          </a:p>
+        </p:txBody>
+      </p:sp>
+      <p:sp>
+        <p:nvSpPr>
+          <p:cNvPr id="3" name="Content Placeholder 2"/>
+          <p:cNvSpPr>
+            <a:spLocks noGrp="1"/>
+          </p:cNvSpPr>
+          <p:nvPr>
+            <p:ph idx="1"/>
+          </p:nvPr>
+        </p:nvSpPr>
+        <p:spPr/>
+        <p:txBody>
+          <a:bodyPr>
+            <a:normAutofit fontScale="77500" lnSpcReduction="20000"/>
+          </a:bodyPr>
+          <a:lstStyle/>
+          <a:p>
+            <a:pPr marL="0" indent="0">
+              <a:buNone/>
+            </a:pPr>
+            <a:r>
+              <a:rPr lang="en-US" dirty="0" err="1" smtClean="0"/>
+              <a:t>const</a:t>
+            </a:r>
+            <a:r>
+              <a:rPr lang="en-US" dirty="0" smtClean="0"/>
+              <a:t> express = require('express');</a:t>
+            </a:r>
+          </a:p>
+          <a:p>
+            <a:pPr marL="0" indent="0">
+              <a:buNone/>
+            </a:pPr>
+            <a:r>
+              <a:rPr lang="en-US" dirty="0" err="1" smtClean="0"/>
+              <a:t>const</a:t>
+            </a:r>
+            <a:r>
+              <a:rPr lang="en-US" dirty="0" smtClean="0"/>
+              <a:t> </a:t>
+            </a:r>
+            <a:r>
+              <a:rPr lang="en-US" dirty="0" err="1" smtClean="0"/>
+              <a:t>expressGraphQL</a:t>
+            </a:r>
+            <a:r>
+              <a:rPr lang="en-US" dirty="0" smtClean="0"/>
+              <a:t> = require('express-</a:t>
+            </a:r>
+            <a:r>
+              <a:rPr lang="en-US" dirty="0" err="1" smtClean="0"/>
+              <a:t>graphql</a:t>
+            </a:r>
+            <a:r>
+              <a:rPr lang="en-US" dirty="0" smtClean="0"/>
+              <a:t>');</a:t>
+            </a:r>
+          </a:p>
+          <a:p>
+            <a:pPr marL="0" indent="0">
+              <a:buNone/>
+            </a:pPr>
+            <a:endParaRPr lang="en-US" dirty="0" smtClean="0"/>
+          </a:p>
+          <a:p>
+            <a:pPr marL="0" indent="0">
+              <a:buNone/>
+            </a:pPr>
+            <a:r>
+              <a:rPr lang="en-US" dirty="0" smtClean="0"/>
+              <a:t>app = express();</a:t>
+            </a:r>
+          </a:p>
+          <a:p>
+            <a:pPr marL="0" indent="0">
+              <a:buNone/>
+            </a:pPr>
+            <a:endParaRPr lang="en-US" dirty="0" smtClean="0"/>
+          </a:p>
+          <a:p>
+            <a:pPr marL="0" indent="0">
+              <a:buNone/>
+            </a:pPr>
+            <a:r>
+              <a:rPr lang="en-US" dirty="0" err="1" smtClean="0"/>
+              <a:t>app.use</a:t>
+            </a:r>
+            <a:r>
+              <a:rPr lang="en-US" dirty="0" smtClean="0"/>
+              <a:t>('/</a:t>
+            </a:r>
+            <a:r>
+              <a:rPr lang="en-US" dirty="0" err="1" smtClean="0"/>
+              <a:t>graphql</a:t>
+            </a:r>
+            <a:r>
+              <a:rPr lang="en-US" dirty="0" smtClean="0"/>
+              <a:t>',</a:t>
+            </a:r>
+            <a:r>
+              <a:rPr lang="en-US" dirty="0" err="1" smtClean="0"/>
+              <a:t>expressGraphQL</a:t>
+            </a:r>
+            <a:r>
+              <a:rPr lang="en-US" dirty="0" smtClean="0"/>
+              <a:t>({</a:t>
+            </a:r>
+          </a:p>
+          <a:p>
+            <a:pPr marL="0" indent="0">
+              <a:buNone/>
+            </a:pPr>
+            <a:r>
+              <a:rPr lang="en-US" dirty="0" smtClean="0"/>
+              <a:t>    </a:t>
+            </a:r>
+            <a:r>
+              <a:rPr lang="en-US" dirty="0" err="1" smtClean="0"/>
+              <a:t>graphiql:true</a:t>
+            </a:r>
+            <a:endParaRPr lang="en-US" dirty="0" smtClean="0"/>
+          </a:p>
+          <a:p>
+            <a:pPr marL="0" indent="0">
+              <a:buNone/>
+            </a:pPr>
+            <a:r>
+              <a:rPr lang="en-US" dirty="0" smtClean="0"/>
+              <a:t>})); // wiring </a:t>
+            </a:r>
+            <a:r>
+              <a:rPr lang="en-US" dirty="0" err="1" smtClean="0"/>
+              <a:t>GraphQL</a:t>
+            </a:r>
+            <a:r>
+              <a:rPr lang="en-US" dirty="0" smtClean="0"/>
+              <a:t> middleware </a:t>
+            </a:r>
+          </a:p>
+          <a:p>
+            <a:pPr marL="0" indent="0">
+              <a:buNone/>
+            </a:pPr>
+            <a:endParaRPr lang="en-US" dirty="0" smtClean="0"/>
+          </a:p>
+          <a:p>
+            <a:pPr marL="0" indent="0">
+              <a:buNone/>
+            </a:pPr>
+            <a:r>
+              <a:rPr lang="en-US" dirty="0" err="1" smtClean="0"/>
+              <a:t>app.listen</a:t>
+            </a:r>
+            <a:r>
+              <a:rPr lang="en-US" dirty="0" smtClean="0"/>
+              <a:t>(4000,() =&gt; {</a:t>
+            </a:r>
+          </a:p>
+          <a:p>
+            <a:pPr marL="0" indent="0">
+              <a:buNone/>
+            </a:pPr>
+            <a:r>
+              <a:rPr lang="en-US" dirty="0" smtClean="0"/>
+              <a:t>    console.log('listening');</a:t>
+            </a:r>
+          </a:p>
+          <a:p>
+            <a:pPr marL="0" indent="0">
+              <a:buNone/>
+            </a:pPr>
+            <a:r>
+              <a:rPr lang="en-US" dirty="0" smtClean="0"/>
+              <a:t>});</a:t>
             </a:r>
             <a:endParaRPr lang="en-US" dirty="0"/>
-          </a:p>
-        </p:txBody>
-      </p:sp>
-      <p:sp>
-        <p:nvSpPr>
-          <p:cNvPr id="3" name="Content Placeholder 2"/>
-          <p:cNvSpPr>
-            <a:spLocks noGrp="1"/>
-          </p:cNvSpPr>
-          <p:nvPr>
-            <p:ph idx="1"/>
-          </p:nvPr>
-        </p:nvSpPr>
-        <p:spPr/>
-        <p:txBody>
-          <a:bodyPr/>
-          <a:lstStyle/>
-          <a:p>
-            <a:r>
-              <a:rPr lang="en-US" dirty="0" smtClean="0"/>
-              <a:t>Contains information on what property each object has</a:t>
-            </a:r>
-          </a:p>
-          <a:p>
-            <a:r>
-              <a:rPr lang="en-US" dirty="0" smtClean="0"/>
-              <a:t>How different objects are related to each together</a:t>
-            </a:r>
-          </a:p>
-          <a:p>
-            <a:endParaRPr lang="en-US" dirty="0"/>
-          </a:p>
-          <a:p>
-            <a:pPr marL="0" indent="0">
-              <a:buNone/>
-            </a:pPr>
-            <a:r>
-              <a:rPr lang="en-US" b="1" dirty="0" smtClean="0"/>
-              <a:t>Steps</a:t>
-            </a:r>
-          </a:p>
-          <a:p>
-            <a:pPr marL="514350" indent="-514350">
-              <a:buFont typeface="+mj-lt"/>
-              <a:buAutoNum type="arabicPeriod"/>
-            </a:pPr>
-            <a:r>
-              <a:rPr lang="en-US" dirty="0" smtClean="0"/>
-              <a:t>Create Schema for all objects</a:t>
-            </a:r>
-          </a:p>
-          <a:p>
-            <a:pPr marL="514350" indent="-514350">
-              <a:buFont typeface="+mj-lt"/>
-              <a:buAutoNum type="arabicPeriod"/>
-            </a:pPr>
-            <a:r>
-              <a:rPr lang="en-US" dirty="0" smtClean="0"/>
-              <a:t>Create Root Query</a:t>
-            </a:r>
-          </a:p>
-          <a:p>
-            <a:pPr marL="514350" indent="-514350">
-              <a:buFont typeface="+mj-lt"/>
-              <a:buAutoNum type="arabicPeriod"/>
-            </a:pPr>
-            <a:r>
-              <a:rPr lang="en-US" dirty="0" smtClean="0"/>
-              <a:t>Export Schema for </a:t>
-            </a:r>
-            <a:r>
-              <a:rPr lang="en-US" dirty="0" err="1" smtClean="0"/>
-              <a:t>GraphQL</a:t>
-            </a:r>
-            <a:r>
-              <a:rPr lang="en-US" dirty="0" smtClean="0"/>
-              <a:t> middleware </a:t>
-            </a:r>
           </a:p>
         </p:txBody>
       </p:sp>
     </p:spTree>
     <p:extLst>
       <p:ext uri="{BB962C8B-B14F-4D97-AF65-F5344CB8AC3E}">
-        <p14:creationId xmlns:p14="http://schemas.microsoft.com/office/powerpoint/2010/main" val="3382366097"/>
+        <p14:creationId xmlns:p14="http://schemas.microsoft.com/office/powerpoint/2010/main" val="4114226762"/>
       </p:ext>
     </p:extLst>
   </p:cSld>
@@ -4917,250 +5897,95 @@
           <a:lstStyle/>
           <a:p>
             <a:r>
-              <a:rPr lang="en-US" dirty="0" smtClean="0"/>
-              <a:t>Schema for our User object</a:t>
-            </a:r>
+              <a:rPr lang="en-US" b="1" dirty="0" smtClean="0"/>
+              <a:t>Schema files	</a:t>
+            </a:r>
+            <a:endParaRPr lang="en-US" b="1" dirty="0"/>
+          </a:p>
+        </p:txBody>
+      </p:sp>
+      <p:sp>
+        <p:nvSpPr>
+          <p:cNvPr id="3" name="Content Placeholder 2"/>
+          <p:cNvSpPr>
+            <a:spLocks noGrp="1"/>
+          </p:cNvSpPr>
+          <p:nvPr>
+            <p:ph idx="1"/>
+          </p:nvPr>
+        </p:nvSpPr>
+        <p:spPr/>
+        <p:txBody>
+          <a:bodyPr/>
+          <a:lstStyle/>
+          <a:p>
+            <a:r>
+              <a:rPr lang="en-US" dirty="0" smtClean="0"/>
+              <a:t>Contains information on what property each object has</a:t>
+            </a:r>
+          </a:p>
+          <a:p>
+            <a:r>
+              <a:rPr lang="en-US" dirty="0" smtClean="0"/>
+              <a:t>How different objects are related to each together</a:t>
+            </a:r>
+          </a:p>
+          <a:p>
             <a:endParaRPr lang="en-US" dirty="0"/>
           </a:p>
-        </p:txBody>
-      </p:sp>
-      <p:sp>
-        <p:nvSpPr>
-          <p:cNvPr id="3" name="Content Placeholder 2"/>
-          <p:cNvSpPr>
-            <a:spLocks noGrp="1"/>
-          </p:cNvSpPr>
-          <p:nvPr>
-            <p:ph idx="1"/>
-          </p:nvPr>
-        </p:nvSpPr>
-        <p:spPr/>
-        <p:txBody>
-          <a:bodyPr>
-            <a:normAutofit fontScale="55000" lnSpcReduction="20000"/>
-          </a:bodyPr>
-          <a:lstStyle/>
-          <a:p>
-            <a:pPr marL="0" indent="0">
-              <a:buNone/>
-            </a:pPr>
-            <a:r>
-              <a:rPr lang="en-US" dirty="0" err="1" smtClean="0"/>
-              <a:t>const</a:t>
-            </a:r>
-            <a:r>
-              <a:rPr lang="en-US" dirty="0" smtClean="0"/>
-              <a:t> </a:t>
-            </a:r>
-            <a:r>
-              <a:rPr lang="en-US" dirty="0" err="1" smtClean="0"/>
-              <a:t>graphql</a:t>
-            </a:r>
-            <a:r>
-              <a:rPr lang="en-US" dirty="0" smtClean="0"/>
-              <a:t> = require('</a:t>
-            </a:r>
-            <a:r>
-              <a:rPr lang="en-US" dirty="0" err="1" smtClean="0"/>
-              <a:t>graphql</a:t>
-            </a:r>
-            <a:r>
-              <a:rPr lang="en-US" dirty="0" smtClean="0"/>
-              <a:t>');</a:t>
-            </a:r>
-          </a:p>
-          <a:p>
-            <a:pPr marL="0" indent="0">
-              <a:buNone/>
-            </a:pPr>
-            <a:endParaRPr lang="en-US" dirty="0" smtClean="0"/>
-          </a:p>
-          <a:p>
-            <a:pPr marL="0" indent="0">
-              <a:buNone/>
-            </a:pPr>
-            <a:r>
-              <a:rPr lang="en-US" dirty="0" err="1" smtClean="0"/>
-              <a:t>const</a:t>
-            </a:r>
-            <a:r>
-              <a:rPr lang="en-US" dirty="0" smtClean="0"/>
-              <a:t> {</a:t>
-            </a:r>
-          </a:p>
-          <a:p>
-            <a:pPr marL="0" indent="0">
-              <a:buNone/>
-            </a:pPr>
-            <a:r>
-              <a:rPr lang="en-US" dirty="0" smtClean="0"/>
-              <a:t>    </a:t>
-            </a:r>
-            <a:r>
-              <a:rPr lang="en-US" dirty="0" err="1" smtClean="0"/>
-              <a:t>GraphQLObjectType</a:t>
-            </a:r>
-            <a:endParaRPr lang="en-US" dirty="0" smtClean="0"/>
-          </a:p>
-          <a:p>
-            <a:pPr marL="0" indent="0">
-              <a:buNone/>
-            </a:pPr>
-            <a:r>
-              <a:rPr lang="en-US" dirty="0" smtClean="0"/>
-              <a:t>} = </a:t>
-            </a:r>
-            <a:r>
-              <a:rPr lang="en-US" dirty="0" err="1" smtClean="0"/>
-              <a:t>graphql</a:t>
-            </a:r>
-            <a:r>
-              <a:rPr lang="en-US" dirty="0" smtClean="0"/>
-              <a:t>; // object </a:t>
-            </a:r>
-            <a:r>
-              <a:rPr lang="en-US" dirty="0" err="1" smtClean="0"/>
-              <a:t>destructuring</a:t>
-            </a:r>
-            <a:endParaRPr lang="en-US" dirty="0" smtClean="0"/>
-          </a:p>
-          <a:p>
-            <a:pPr marL="0" indent="0">
-              <a:buNone/>
-            </a:pPr>
-            <a:endParaRPr lang="en-US" dirty="0" smtClean="0"/>
-          </a:p>
-          <a:p>
-            <a:pPr marL="0" indent="0">
-              <a:buNone/>
-            </a:pPr>
-            <a:r>
-              <a:rPr lang="en-US" dirty="0" err="1" smtClean="0"/>
-              <a:t>const</a:t>
-            </a:r>
-            <a:r>
-              <a:rPr lang="en-US" dirty="0" smtClean="0"/>
-              <a:t> </a:t>
-            </a:r>
-            <a:r>
-              <a:rPr lang="en-US" dirty="0" err="1" smtClean="0"/>
-              <a:t>UserType</a:t>
-            </a:r>
-            <a:r>
-              <a:rPr lang="en-US" dirty="0" smtClean="0"/>
-              <a:t> = new </a:t>
-            </a:r>
-            <a:r>
-              <a:rPr lang="en-US" dirty="0" err="1" smtClean="0"/>
-              <a:t>GraphQLObjectType</a:t>
-            </a:r>
-            <a:r>
-              <a:rPr lang="en-US" dirty="0" smtClean="0"/>
-              <a:t>({</a:t>
-            </a:r>
-          </a:p>
-          <a:p>
-            <a:pPr marL="0" indent="0">
-              <a:buNone/>
-            </a:pPr>
-            <a:r>
-              <a:rPr lang="en-US" dirty="0" smtClean="0"/>
-              <a:t>    name: 'User',</a:t>
-            </a:r>
-          </a:p>
-          <a:p>
-            <a:pPr marL="0" indent="0">
-              <a:buNone/>
-            </a:pPr>
-            <a:r>
-              <a:rPr lang="en-US" dirty="0" smtClean="0"/>
-              <a:t>    fields: {</a:t>
-            </a:r>
-          </a:p>
-          <a:p>
-            <a:pPr marL="0" indent="0">
-              <a:buNone/>
-            </a:pPr>
-            <a:r>
-              <a:rPr lang="en-US" dirty="0" smtClean="0"/>
-              <a:t>        id: { type: </a:t>
-            </a:r>
-            <a:r>
-              <a:rPr lang="en-US" dirty="0" err="1" smtClean="0"/>
-              <a:t>GraphQLString</a:t>
-            </a:r>
-            <a:r>
-              <a:rPr lang="en-US" dirty="0" smtClean="0"/>
-              <a:t> },</a:t>
-            </a:r>
-          </a:p>
-          <a:p>
-            <a:pPr marL="0" indent="0">
-              <a:buNone/>
-            </a:pPr>
-            <a:r>
-              <a:rPr lang="en-US" dirty="0" smtClean="0"/>
-              <a:t>        </a:t>
-            </a:r>
-            <a:r>
-              <a:rPr lang="en-US" dirty="0" err="1" smtClean="0"/>
-              <a:t>firstName</a:t>
-            </a:r>
-            <a:r>
-              <a:rPr lang="en-US" dirty="0" smtClean="0"/>
-              <a:t>: { type: </a:t>
-            </a:r>
-            <a:r>
-              <a:rPr lang="en-US" dirty="0" err="1" smtClean="0"/>
-              <a:t>GraphQLString</a:t>
-            </a:r>
-            <a:r>
-              <a:rPr lang="en-US" dirty="0" smtClean="0"/>
-              <a:t> },</a:t>
-            </a:r>
-          </a:p>
-          <a:p>
-            <a:pPr marL="0" indent="0">
-              <a:buNone/>
-            </a:pPr>
-            <a:r>
-              <a:rPr lang="en-US" dirty="0" smtClean="0"/>
-              <a:t>        age: { type: </a:t>
-            </a:r>
-            <a:r>
-              <a:rPr lang="en-US" dirty="0" err="1" smtClean="0"/>
-              <a:t>GraphQLInt</a:t>
-            </a:r>
-            <a:r>
-              <a:rPr lang="en-US" dirty="0" smtClean="0"/>
-              <a:t> }</a:t>
-            </a:r>
-          </a:p>
-          <a:p>
-            <a:pPr marL="0" indent="0">
-              <a:buNone/>
-            </a:pPr>
-            <a:r>
-              <a:rPr lang="en-US" dirty="0" smtClean="0"/>
-              <a:t>    }</a:t>
-            </a:r>
-          </a:p>
-          <a:p>
-            <a:pPr marL="0" indent="0">
-              <a:buNone/>
-            </a:pPr>
-            <a:r>
-              <a:rPr lang="en-US" dirty="0" smtClean="0"/>
-              <a:t>});</a:t>
-            </a:r>
-            <a:endParaRPr lang="en-US" dirty="0"/>
+          <a:p>
+            <a:pPr marL="0" indent="0">
+              <a:buNone/>
+            </a:pPr>
+            <a:r>
+              <a:rPr lang="en-US" b="1" dirty="0" smtClean="0"/>
+              <a:t>Steps</a:t>
+            </a:r>
+          </a:p>
+          <a:p>
+            <a:pPr marL="514350" indent="-514350">
+              <a:buFont typeface="+mj-lt"/>
+              <a:buAutoNum type="arabicPeriod"/>
+            </a:pPr>
+            <a:r>
+              <a:rPr lang="en-US" dirty="0" smtClean="0"/>
+              <a:t>Create Schema for all objects</a:t>
+            </a:r>
+          </a:p>
+          <a:p>
+            <a:pPr marL="514350" indent="-514350">
+              <a:buFont typeface="+mj-lt"/>
+              <a:buAutoNum type="arabicPeriod"/>
+            </a:pPr>
+            <a:r>
+              <a:rPr lang="en-US" dirty="0" smtClean="0"/>
+              <a:t>Create Root Query</a:t>
+            </a:r>
+          </a:p>
+          <a:p>
+            <a:pPr marL="514350" indent="-514350">
+              <a:buFont typeface="+mj-lt"/>
+              <a:buAutoNum type="arabicPeriod"/>
+            </a:pPr>
+            <a:r>
+              <a:rPr lang="en-US" dirty="0" smtClean="0"/>
+              <a:t>Export Schema for </a:t>
+            </a:r>
+            <a:r>
+              <a:rPr lang="en-US" dirty="0" err="1" smtClean="0"/>
+              <a:t>GraphQL</a:t>
+            </a:r>
+            <a:r>
+              <a:rPr lang="en-US" dirty="0" smtClean="0"/>
+              <a:t> middleware </a:t>
+            </a:r>
           </a:p>
         </p:txBody>
       </p:sp>
     </p:spTree>
     <p:extLst>
       <p:ext uri="{BB962C8B-B14F-4D97-AF65-F5344CB8AC3E}">
-        <p14:creationId xmlns:p14="http://schemas.microsoft.com/office/powerpoint/2010/main" val="296471808"/>
+        <p14:creationId xmlns:p14="http://schemas.microsoft.com/office/powerpoint/2010/main" val="3382366097"/>
       </p:ext>
     </p:extLst>
   </p:cSld>
@@ -5210,10 +6035,311 @@
           <a:lstStyle/>
           <a:p>
             <a:r>
-              <a:rPr lang="en-US" dirty="0" smtClean="0"/>
+              <a:rPr lang="en-US" b="1" dirty="0" smtClean="0"/>
+              <a:t>Schema for </a:t>
+            </a:r>
+            <a:r>
+              <a:rPr lang="en-US" b="1" dirty="0" smtClean="0"/>
+              <a:t>User </a:t>
+            </a:r>
+            <a:r>
+              <a:rPr lang="en-US" b="1" dirty="0" smtClean="0"/>
+              <a:t>object</a:t>
+            </a:r>
+            <a:endParaRPr lang="en-US" b="1" dirty="0"/>
+          </a:p>
+        </p:txBody>
+      </p:sp>
+      <p:sp>
+        <p:nvSpPr>
+          <p:cNvPr id="3" name="Content Placeholder 2"/>
+          <p:cNvSpPr>
+            <a:spLocks noGrp="1"/>
+          </p:cNvSpPr>
+          <p:nvPr>
+            <p:ph idx="1"/>
+          </p:nvPr>
+        </p:nvSpPr>
+        <p:spPr/>
+        <p:txBody>
+          <a:bodyPr>
+            <a:normAutofit fontScale="55000" lnSpcReduction="20000"/>
+          </a:bodyPr>
+          <a:lstStyle/>
+          <a:p>
+            <a:pPr marL="0" indent="0">
+              <a:buNone/>
+            </a:pPr>
+            <a:r>
+              <a:rPr lang="en-US" dirty="0" err="1" smtClean="0"/>
+              <a:t>const</a:t>
+            </a:r>
+            <a:r>
+              <a:rPr lang="en-US" dirty="0" smtClean="0"/>
+              <a:t> </a:t>
+            </a:r>
+            <a:r>
+              <a:rPr lang="en-US" dirty="0" err="1" smtClean="0"/>
+              <a:t>graphql</a:t>
+            </a:r>
+            <a:r>
+              <a:rPr lang="en-US" dirty="0" smtClean="0"/>
+              <a:t> = require('</a:t>
+            </a:r>
+            <a:r>
+              <a:rPr lang="en-US" dirty="0" err="1" smtClean="0"/>
+              <a:t>graphql</a:t>
+            </a:r>
+            <a:r>
+              <a:rPr lang="en-US" dirty="0" smtClean="0"/>
+              <a:t>');</a:t>
+            </a:r>
+          </a:p>
+          <a:p>
+            <a:pPr marL="0" indent="0">
+              <a:buNone/>
+            </a:pPr>
+            <a:endParaRPr lang="en-US" dirty="0" smtClean="0"/>
+          </a:p>
+          <a:p>
+            <a:pPr marL="0" indent="0">
+              <a:buNone/>
+            </a:pPr>
+            <a:r>
+              <a:rPr lang="en-US" dirty="0" err="1" smtClean="0"/>
+              <a:t>const</a:t>
+            </a:r>
+            <a:r>
+              <a:rPr lang="en-US" dirty="0" smtClean="0"/>
+              <a:t> {</a:t>
+            </a:r>
+          </a:p>
+          <a:p>
+            <a:pPr marL="0" indent="0">
+              <a:buNone/>
+            </a:pPr>
+            <a:r>
+              <a:rPr lang="en-US" dirty="0" smtClean="0"/>
+              <a:t>    </a:t>
+            </a:r>
+            <a:r>
+              <a:rPr lang="en-US" dirty="0" err="1" smtClean="0"/>
+              <a:t>GraphQLObjectType</a:t>
+            </a:r>
+            <a:endParaRPr lang="en-US" dirty="0" smtClean="0"/>
+          </a:p>
+          <a:p>
+            <a:pPr marL="0" indent="0">
+              <a:buNone/>
+            </a:pPr>
+            <a:r>
+              <a:rPr lang="en-US" dirty="0" smtClean="0"/>
+              <a:t>} = </a:t>
+            </a:r>
+            <a:r>
+              <a:rPr lang="en-US" dirty="0" err="1" smtClean="0"/>
+              <a:t>graphql</a:t>
+            </a:r>
+            <a:r>
+              <a:rPr lang="en-US" dirty="0" smtClean="0"/>
+              <a:t>; // object </a:t>
+            </a:r>
+            <a:r>
+              <a:rPr lang="en-US" dirty="0" err="1" smtClean="0"/>
+              <a:t>destructuring</a:t>
+            </a:r>
+            <a:endParaRPr lang="en-US" dirty="0" smtClean="0"/>
+          </a:p>
+          <a:p>
+            <a:pPr marL="0" indent="0">
+              <a:buNone/>
+            </a:pPr>
+            <a:endParaRPr lang="en-US" dirty="0" smtClean="0"/>
+          </a:p>
+          <a:p>
+            <a:pPr marL="0" indent="0">
+              <a:buNone/>
+            </a:pPr>
+            <a:r>
+              <a:rPr lang="en-US" dirty="0" err="1" smtClean="0"/>
+              <a:t>const</a:t>
+            </a:r>
+            <a:r>
+              <a:rPr lang="en-US" dirty="0" smtClean="0"/>
+              <a:t> </a:t>
+            </a:r>
+            <a:r>
+              <a:rPr lang="en-US" dirty="0" err="1" smtClean="0"/>
+              <a:t>UserType</a:t>
+            </a:r>
+            <a:r>
+              <a:rPr lang="en-US" dirty="0" smtClean="0"/>
+              <a:t> = new </a:t>
+            </a:r>
+            <a:r>
+              <a:rPr lang="en-US" dirty="0" err="1" smtClean="0"/>
+              <a:t>GraphQLObjectType</a:t>
+            </a:r>
+            <a:r>
+              <a:rPr lang="en-US" dirty="0" smtClean="0"/>
+              <a:t>({</a:t>
+            </a:r>
+          </a:p>
+          <a:p>
+            <a:pPr marL="0" indent="0">
+              <a:buNone/>
+            </a:pPr>
+            <a:r>
+              <a:rPr lang="en-US" dirty="0" smtClean="0"/>
+              <a:t>    name: 'User',</a:t>
+            </a:r>
+          </a:p>
+          <a:p>
+            <a:pPr marL="0" indent="0">
+              <a:buNone/>
+            </a:pPr>
+            <a:r>
+              <a:rPr lang="en-US" dirty="0" smtClean="0"/>
+              <a:t>    fields: {</a:t>
+            </a:r>
+          </a:p>
+          <a:p>
+            <a:pPr marL="0" indent="0">
+              <a:buNone/>
+            </a:pPr>
+            <a:r>
+              <a:rPr lang="en-US" dirty="0" smtClean="0"/>
+              <a:t>        id: { type: </a:t>
+            </a:r>
+            <a:r>
+              <a:rPr lang="en-US" dirty="0" err="1" smtClean="0"/>
+              <a:t>GraphQLString</a:t>
+            </a:r>
+            <a:r>
+              <a:rPr lang="en-US" dirty="0" smtClean="0"/>
+              <a:t> },</a:t>
+            </a:r>
+          </a:p>
+          <a:p>
+            <a:pPr marL="0" indent="0">
+              <a:buNone/>
+            </a:pPr>
+            <a:r>
+              <a:rPr lang="en-US" dirty="0" smtClean="0"/>
+              <a:t>        </a:t>
+            </a:r>
+            <a:r>
+              <a:rPr lang="en-US" dirty="0" err="1" smtClean="0"/>
+              <a:t>firstName</a:t>
+            </a:r>
+            <a:r>
+              <a:rPr lang="en-US" dirty="0" smtClean="0"/>
+              <a:t>: { type: </a:t>
+            </a:r>
+            <a:r>
+              <a:rPr lang="en-US" dirty="0" err="1" smtClean="0"/>
+              <a:t>GraphQLString</a:t>
+            </a:r>
+            <a:r>
+              <a:rPr lang="en-US" dirty="0" smtClean="0"/>
+              <a:t> },</a:t>
+            </a:r>
+          </a:p>
+          <a:p>
+            <a:pPr marL="0" indent="0">
+              <a:buNone/>
+            </a:pPr>
+            <a:r>
+              <a:rPr lang="en-US" dirty="0" smtClean="0"/>
+              <a:t>        age: { type: </a:t>
+            </a:r>
+            <a:r>
+              <a:rPr lang="en-US" dirty="0" err="1" smtClean="0"/>
+              <a:t>GraphQLInt</a:t>
+            </a:r>
+            <a:r>
+              <a:rPr lang="en-US" dirty="0" smtClean="0"/>
+              <a:t> }</a:t>
+            </a:r>
+          </a:p>
+          <a:p>
+            <a:pPr marL="0" indent="0">
+              <a:buNone/>
+            </a:pPr>
+            <a:r>
+              <a:rPr lang="en-US" dirty="0" smtClean="0"/>
+              <a:t>    }</a:t>
+            </a:r>
+          </a:p>
+          <a:p>
+            <a:pPr marL="0" indent="0">
+              <a:buNone/>
+            </a:pPr>
+            <a:r>
+              <a:rPr lang="en-US" dirty="0" smtClean="0"/>
+              <a:t>});</a:t>
+            </a:r>
+            <a:endParaRPr lang="en-US" dirty="0"/>
+          </a:p>
+        </p:txBody>
+      </p:sp>
+    </p:spTree>
+    <p:extLst>
+      <p:ext uri="{BB962C8B-B14F-4D97-AF65-F5344CB8AC3E}">
+        <p14:creationId xmlns:p14="http://schemas.microsoft.com/office/powerpoint/2010/main" val="296471808"/>
+      </p:ext>
+    </p:extLst>
+  </p:cSld>
+  <p:clrMapOvr>
+    <a:masterClrMapping/>
+  </p:clrMapOvr>
+  <p:timing>
+    <p:tnLst>
+      <p:par>
+        <p:cTn id="1" dur="indefinite" restart="never" nodeType="tmRoot"/>
+      </p:par>
+    </p:tnLst>
+  </p:timing>
+</p:sld>
+</file>
+
+<file path=ppt/slides/slide24.xml><?xml version="1.0" encoding="utf-8"?>
+<p:sld xmlns:a="http://schemas.openxmlformats.org/drawingml/2006/main" xmlns:r="http://schemas.openxmlformats.org/officeDocument/2006/relationships" xmlns:p="http://schemas.openxmlformats.org/presentationml/2006/main">
+  <p:cSld>
+    <p:spTree>
+      <p:nvGrpSpPr>
+        <p:cNvPr id="1" name=""/>
+        <p:cNvGrpSpPr/>
+        <p:nvPr/>
+      </p:nvGrpSpPr>
+      <p:grpSpPr>
+        <a:xfrm>
+          <a:off x="0" y="0"/>
+          <a:ext cx="0" cy="0"/>
+          <a:chOff x="0" y="0"/>
+          <a:chExt cx="0" cy="0"/>
+        </a:xfrm>
+      </p:grpSpPr>
+      <p:sp>
+        <p:nvSpPr>
+          <p:cNvPr id="2" name="Title 1"/>
+          <p:cNvSpPr>
+            <a:spLocks noGrp="1"/>
+          </p:cNvSpPr>
+          <p:nvPr>
+            <p:ph type="title"/>
+          </p:nvPr>
+        </p:nvSpPr>
+        <p:spPr/>
+        <p:txBody>
+          <a:bodyPr/>
+          <a:lstStyle/>
+          <a:p>
+            <a:r>
+              <a:rPr lang="en-US" b="1" dirty="0" smtClean="0"/>
               <a:t>Root query</a:t>
             </a:r>
-            <a:endParaRPr lang="en-US" dirty="0"/>
+            <a:endParaRPr lang="en-US" b="1" dirty="0"/>
           </a:p>
         </p:txBody>
       </p:sp>
@@ -5306,269 +6432,6 @@
 </p:sld>
 </file>
 
-<file path=ppt/slides/slide24.xml><?xml version="1.0" encoding="utf-8"?>
-<p:sld xmlns:a="http://schemas.openxmlformats.org/drawingml/2006/main" xmlns:r="http://schemas.openxmlformats.org/officeDocument/2006/relationships" xmlns:p="http://schemas.openxmlformats.org/presentationml/2006/main">
-  <p:cSld>
-    <p:spTree>
-      <p:nvGrpSpPr>
-        <p:cNvPr id="1" name=""/>
-        <p:cNvGrpSpPr/>
-        <p:nvPr/>
-      </p:nvGrpSpPr>
-      <p:grpSpPr>
-        <a:xfrm>
-          <a:off x="0" y="0"/>
-          <a:ext cx="0" cy="0"/>
-          <a:chOff x="0" y="0"/>
-          <a:chExt cx="0" cy="0"/>
-        </a:xfrm>
-      </p:grpSpPr>
-      <p:sp>
-        <p:nvSpPr>
-          <p:cNvPr id="2" name="Title 1"/>
-          <p:cNvSpPr>
-            <a:spLocks noGrp="1"/>
-          </p:cNvSpPr>
-          <p:nvPr>
-            <p:ph type="title"/>
-          </p:nvPr>
-        </p:nvSpPr>
-        <p:spPr/>
-        <p:txBody>
-          <a:bodyPr/>
-          <a:lstStyle/>
-          <a:p>
-            <a:r>
-              <a:rPr lang="en-US" dirty="0" smtClean="0"/>
-              <a:t>Root Query	</a:t>
-            </a:r>
-            <a:endParaRPr lang="en-US" dirty="0"/>
-          </a:p>
-        </p:txBody>
-      </p:sp>
-      <p:sp>
-        <p:nvSpPr>
-          <p:cNvPr id="3" name="Content Placeholder 2"/>
-          <p:cNvSpPr>
-            <a:spLocks noGrp="1"/>
-          </p:cNvSpPr>
-          <p:nvPr>
-            <p:ph idx="1"/>
-          </p:nvPr>
-        </p:nvSpPr>
-        <p:spPr/>
-        <p:txBody>
-          <a:bodyPr>
-            <a:normAutofit fontScale="77500" lnSpcReduction="20000"/>
-          </a:bodyPr>
-          <a:lstStyle/>
-          <a:p>
-            <a:pPr marL="0" indent="0">
-              <a:buNone/>
-            </a:pPr>
-            <a:r>
-              <a:rPr lang="en-US" dirty="0" err="1" smtClean="0"/>
-              <a:t>const</a:t>
-            </a:r>
-            <a:r>
-              <a:rPr lang="en-US" dirty="0" smtClean="0"/>
-              <a:t> </a:t>
-            </a:r>
-            <a:r>
-              <a:rPr lang="en-US" dirty="0" err="1" smtClean="0"/>
-              <a:t>RootQuery</a:t>
-            </a:r>
-            <a:r>
-              <a:rPr lang="en-US" dirty="0" smtClean="0"/>
-              <a:t> = new </a:t>
-            </a:r>
-            <a:r>
-              <a:rPr lang="en-US" dirty="0" err="1" smtClean="0"/>
-              <a:t>GraphQLObjectType</a:t>
-            </a:r>
-            <a:r>
-              <a:rPr lang="en-US" dirty="0" smtClean="0"/>
-              <a:t>({</a:t>
-            </a:r>
-          </a:p>
-          <a:p>
-            <a:pPr marL="0" indent="0">
-              <a:buNone/>
-            </a:pPr>
-            <a:r>
-              <a:rPr lang="en-US" dirty="0" smtClean="0"/>
-              <a:t>    name: '</a:t>
-            </a:r>
-            <a:r>
-              <a:rPr lang="en-US" dirty="0" err="1" smtClean="0"/>
-              <a:t>RootQueryType</a:t>
-            </a:r>
-            <a:r>
-              <a:rPr lang="en-US" dirty="0" smtClean="0"/>
-              <a:t>',</a:t>
-            </a:r>
-          </a:p>
-          <a:p>
-            <a:pPr marL="0" indent="0">
-              <a:buNone/>
-            </a:pPr>
-            <a:r>
-              <a:rPr lang="en-US" dirty="0" smtClean="0"/>
-              <a:t>    fields: {</a:t>
-            </a:r>
-          </a:p>
-          <a:p>
-            <a:pPr marL="0" indent="0">
-              <a:buNone/>
-            </a:pPr>
-            <a:r>
-              <a:rPr lang="en-US" dirty="0" smtClean="0"/>
-              <a:t>        user: {</a:t>
-            </a:r>
-          </a:p>
-          <a:p>
-            <a:pPr marL="0" indent="0">
-              <a:buNone/>
-            </a:pPr>
-            <a:r>
-              <a:rPr lang="en-US" dirty="0" smtClean="0"/>
-              <a:t>            type: </a:t>
-            </a:r>
-            <a:r>
-              <a:rPr lang="en-US" dirty="0" err="1" smtClean="0"/>
-              <a:t>UserType</a:t>
-            </a:r>
-            <a:r>
-              <a:rPr lang="en-US" dirty="0" smtClean="0"/>
-              <a:t>,</a:t>
-            </a:r>
-          </a:p>
-          <a:p>
-            <a:pPr marL="0" indent="0">
-              <a:buNone/>
-            </a:pPr>
-            <a:r>
-              <a:rPr lang="en-US" dirty="0" smtClean="0"/>
-              <a:t>            </a:t>
-            </a:r>
-            <a:r>
-              <a:rPr lang="en-US" dirty="0" err="1" smtClean="0"/>
-              <a:t>args</a:t>
-            </a:r>
-            <a:r>
-              <a:rPr lang="en-US" dirty="0" smtClean="0"/>
-              <a:t>: { id: { type: </a:t>
-            </a:r>
-            <a:r>
-              <a:rPr lang="en-US" dirty="0" err="1" smtClean="0"/>
-              <a:t>GraphQLString</a:t>
-            </a:r>
-            <a:r>
-              <a:rPr lang="en-US" dirty="0" smtClean="0"/>
-              <a:t> } },</a:t>
-            </a:r>
-          </a:p>
-          <a:p>
-            <a:pPr marL="0" indent="0">
-              <a:buNone/>
-            </a:pPr>
-            <a:r>
-              <a:rPr lang="en-US" dirty="0" smtClean="0"/>
-              <a:t>            resolve(</a:t>
-            </a:r>
-            <a:r>
-              <a:rPr lang="en-US" dirty="0" err="1" smtClean="0"/>
-              <a:t>parentValue</a:t>
-            </a:r>
-            <a:r>
-              <a:rPr lang="en-US" dirty="0" smtClean="0"/>
-              <a:t>, </a:t>
-            </a:r>
-            <a:r>
-              <a:rPr lang="en-US" dirty="0" err="1" smtClean="0"/>
-              <a:t>args</a:t>
-            </a:r>
-            <a:r>
-              <a:rPr lang="en-US" dirty="0" smtClean="0"/>
-              <a:t>) {</a:t>
-            </a:r>
-          </a:p>
-          <a:p>
-            <a:pPr marL="0" indent="0">
-              <a:buNone/>
-            </a:pPr>
-            <a:r>
-              <a:rPr lang="en-US" dirty="0" smtClean="0"/>
-              <a:t>                // This is where we connect to </a:t>
-            </a:r>
-            <a:r>
-              <a:rPr lang="en-US" dirty="0" err="1" smtClean="0"/>
-              <a:t>datastore</a:t>
-            </a:r>
-            <a:r>
-              <a:rPr lang="en-US" dirty="0" smtClean="0"/>
-              <a:t>.</a:t>
-            </a:r>
-          </a:p>
-          <a:p>
-            <a:pPr marL="0" indent="0">
-              <a:buNone/>
-            </a:pPr>
-            <a:r>
-              <a:rPr lang="en-US" dirty="0" smtClean="0"/>
-              <a:t>            }</a:t>
-            </a:r>
-          </a:p>
-          <a:p>
-            <a:pPr marL="0" indent="0">
-              <a:buNone/>
-            </a:pPr>
-            <a:r>
-              <a:rPr lang="en-US" dirty="0" smtClean="0"/>
-              <a:t>        }</a:t>
-            </a:r>
-          </a:p>
-          <a:p>
-            <a:pPr marL="0" indent="0">
-              <a:buNone/>
-            </a:pPr>
-            <a:r>
-              <a:rPr lang="en-US" dirty="0" smtClean="0"/>
-              <a:t>    }</a:t>
-            </a:r>
-          </a:p>
-          <a:p>
-            <a:pPr marL="0" indent="0">
-              <a:buNone/>
-            </a:pPr>
-            <a:r>
-              <a:rPr lang="en-US" dirty="0" smtClean="0"/>
-              <a:t>});</a:t>
-            </a:r>
-            <a:endParaRPr lang="en-US" dirty="0"/>
-          </a:p>
-        </p:txBody>
-      </p:sp>
-    </p:spTree>
-    <p:extLst>
-      <p:ext uri="{BB962C8B-B14F-4D97-AF65-F5344CB8AC3E}">
-        <p14:creationId xmlns:p14="http://schemas.microsoft.com/office/powerpoint/2010/main" val="2995706384"/>
-      </p:ext>
-    </p:extLst>
-  </p:cSld>
-  <p:clrMapOvr>
-    <a:masterClrMapping/>
-  </p:clrMapOvr>
-  <p:timing>
-    <p:tnLst>
-      <p:par>
-        <p:cTn id="1" dur="indefinite" restart="never" nodeType="tmRoot"/>
-      </p:par>
-    </p:tnLst>
-  </p:timing>
-</p:sld>
-</file>
-
 <file path=ppt/slides/slide25.xml><?xml version="1.0" encoding="utf-8"?>
 <p:sld xmlns:a="http://schemas.openxmlformats.org/drawingml/2006/main" xmlns:r="http://schemas.openxmlformats.org/officeDocument/2006/relationships" xmlns:p="http://schemas.openxmlformats.org/presentationml/2006/main">
   <p:cSld>
@@ -5602,10 +6465,10 @@
           <a:lstStyle/>
           <a:p>
             <a:r>
-              <a:rPr lang="en-US" dirty="0" smtClean="0"/>
-              <a:t>Root Query with Resolve</a:t>
-            </a:r>
-            <a:endParaRPr lang="en-US" dirty="0"/>
+              <a:rPr lang="en-US" b="1" dirty="0" smtClean="0"/>
+              <a:t>Root Query	</a:t>
+            </a:r>
+            <a:endParaRPr lang="en-US" b="1" dirty="0"/>
           </a:p>
         </p:txBody>
       </p:sp>
@@ -5619,15 +6482,10 @@
             <p:ph idx="1"/>
           </p:nvPr>
         </p:nvSpPr>
-        <p:spPr>
-          <a:xfrm>
-            <a:off x="838200" y="1847927"/>
-            <a:ext cx="10515600" cy="4351338"/>
-          </a:xfrm>
-        </p:spPr>
+        <p:spPr/>
         <p:txBody>
           <a:bodyPr>
-            <a:normAutofit fontScale="47500" lnSpcReduction="20000"/>
+            <a:normAutofit fontScale="77500" lnSpcReduction="20000"/>
           </a:bodyPr>
           <a:lstStyle/>
           <a:p>
@@ -5767,15 +6625,15 @@
             </a:pPr>
             <a:r>
               <a:rPr lang="en-US" dirty="0" smtClean="0"/>
-              <a:t>                return _.find(users, { id: args.id }); //_ id </a:t>
-            </a:r>
-            <a:r>
-              <a:rPr lang="en-US" dirty="0" err="1" smtClean="0"/>
-              <a:t>lodash</a:t>
-            </a:r>
-            <a:r>
-              <a:rPr lang="en-US" dirty="0" smtClean="0"/>
-              <a:t> object which finds the object with given id</a:t>
+              <a:t>                // This is where we connect to </a:t>
+            </a:r>
+            <a:r>
+              <a:rPr lang="en-US" dirty="0" err="1" smtClean="0"/>
+              <a:t>datastore</a:t>
+            </a:r>
+            <a:r>
+              <a:rPr lang="en-US" dirty="0" smtClean="0"/>
+              <a:t>.</a:t>
             </a:r>
           </a:p>
           <a:p>
@@ -5813,62 +6671,6 @@
               <a:rPr lang="en-US" dirty="0" smtClean="0"/>
               <a:t>});</a:t>
             </a:r>
-          </a:p>
-          <a:p>
-            <a:pPr marL="0" indent="0">
-              <a:buNone/>
-            </a:pPr>
-            <a:endParaRPr lang="en-US" dirty="0"/>
-          </a:p>
-          <a:p>
-            <a:pPr marL="0" indent="0">
-              <a:buNone/>
-            </a:pPr>
-            <a:r>
-              <a:rPr lang="en-US" dirty="0" err="1" smtClean="0"/>
-              <a:t>module.exports</a:t>
-            </a:r>
-            <a:r>
-              <a:rPr lang="en-US" dirty="0" smtClean="0"/>
-              <a:t> = new </a:t>
-            </a:r>
-            <a:r>
-              <a:rPr lang="en-US" dirty="0" err="1" smtClean="0"/>
-              <a:t>GraphQLSchema</a:t>
-            </a:r>
-            <a:r>
-              <a:rPr lang="en-US" dirty="0" smtClean="0"/>
-              <a:t>({</a:t>
-            </a:r>
-          </a:p>
-          <a:p>
-            <a:pPr marL="0" indent="0">
-              <a:buNone/>
-            </a:pPr>
-            <a:r>
-              <a:rPr lang="en-US" dirty="0" smtClean="0"/>
-              <a:t>    </a:t>
-            </a:r>
-            <a:r>
-              <a:rPr lang="en-US" dirty="0" err="1" smtClean="0"/>
-              <a:t>query:RootQuery</a:t>
-            </a:r>
-            <a:endParaRPr lang="en-US" dirty="0" smtClean="0"/>
-          </a:p>
-          <a:p>
-            <a:pPr marL="0" indent="0">
-              <a:buNone/>
-            </a:pPr>
-            <a:r>
-              <a:rPr lang="en-US" dirty="0" smtClean="0"/>
-              <a:t>});</a:t>
-            </a:r>
-            <a:endParaRPr lang="en-US" dirty="0"/>
-          </a:p>
-          <a:p>
-            <a:pPr marL="0" indent="0">
-              <a:buNone/>
-            </a:pPr>
             <a:endParaRPr lang="en-US" dirty="0"/>
           </a:p>
         </p:txBody>
@@ -5876,7 +6678,7 @@
     </p:spTree>
     <p:extLst>
       <p:ext uri="{BB962C8B-B14F-4D97-AF65-F5344CB8AC3E}">
-        <p14:creationId xmlns:p14="http://schemas.microsoft.com/office/powerpoint/2010/main" val="1986140671"/>
+        <p14:creationId xmlns:p14="http://schemas.microsoft.com/office/powerpoint/2010/main" val="2995706384"/>
       </p:ext>
     </p:extLst>
   </p:cSld>
@@ -5926,56 +6728,256 @@
           <a:lstStyle/>
           <a:p>
             <a:r>
-              <a:rPr lang="en-US" dirty="0" smtClean="0"/>
-              <a:t>First Query	</a:t>
-            </a:r>
+              <a:rPr lang="en-US" b="1" dirty="0" smtClean="0"/>
+              <a:t>Root Query with Resolve</a:t>
+            </a:r>
+            <a:endParaRPr lang="en-US" b="1" dirty="0"/>
+          </a:p>
+        </p:txBody>
+      </p:sp>
+      <p:sp>
+        <p:nvSpPr>
+          <p:cNvPr id="3" name="Content Placeholder 2"/>
+          <p:cNvSpPr>
+            <a:spLocks noGrp="1"/>
+          </p:cNvSpPr>
+          <p:nvPr>
+            <p:ph idx="1"/>
+          </p:nvPr>
+        </p:nvSpPr>
+        <p:spPr>
+          <a:xfrm>
+            <a:off x="838200" y="1847927"/>
+            <a:ext cx="10515600" cy="4351338"/>
+          </a:xfrm>
+        </p:spPr>
+        <p:txBody>
+          <a:bodyPr>
+            <a:normAutofit fontScale="47500" lnSpcReduction="20000"/>
+          </a:bodyPr>
+          <a:lstStyle/>
+          <a:p>
+            <a:pPr marL="0" indent="0">
+              <a:buNone/>
+            </a:pPr>
+            <a:r>
+              <a:rPr lang="en-US" dirty="0" err="1" smtClean="0"/>
+              <a:t>const</a:t>
+            </a:r>
+            <a:r>
+              <a:rPr lang="en-US" dirty="0" smtClean="0"/>
+              <a:t> </a:t>
+            </a:r>
+            <a:r>
+              <a:rPr lang="en-US" dirty="0" err="1" smtClean="0"/>
+              <a:t>RootQuery</a:t>
+            </a:r>
+            <a:r>
+              <a:rPr lang="en-US" dirty="0" smtClean="0"/>
+              <a:t> = new </a:t>
+            </a:r>
+            <a:r>
+              <a:rPr lang="en-US" dirty="0" err="1" smtClean="0"/>
+              <a:t>GraphQLObjectType</a:t>
+            </a:r>
+            <a:r>
+              <a:rPr lang="en-US" dirty="0" smtClean="0"/>
+              <a:t>({</a:t>
+            </a:r>
+          </a:p>
+          <a:p>
+            <a:pPr marL="0" indent="0">
+              <a:buNone/>
+            </a:pPr>
+            <a:r>
+              <a:rPr lang="en-US" dirty="0" smtClean="0"/>
+              <a:t>    name: '</a:t>
+            </a:r>
+            <a:r>
+              <a:rPr lang="en-US" dirty="0" err="1" smtClean="0"/>
+              <a:t>RootQueryType</a:t>
+            </a:r>
+            <a:r>
+              <a:rPr lang="en-US" dirty="0" smtClean="0"/>
+              <a:t>',</a:t>
+            </a:r>
+          </a:p>
+          <a:p>
+            <a:pPr marL="0" indent="0">
+              <a:buNone/>
+            </a:pPr>
+            <a:r>
+              <a:rPr lang="en-US" dirty="0" smtClean="0"/>
+              <a:t>    fields: {</a:t>
+            </a:r>
+          </a:p>
+          <a:p>
+            <a:pPr marL="0" indent="0">
+              <a:buNone/>
+            </a:pPr>
+            <a:r>
+              <a:rPr lang="en-US" dirty="0" smtClean="0"/>
+              <a:t>        user: {</a:t>
+            </a:r>
+          </a:p>
+          <a:p>
+            <a:pPr marL="0" indent="0">
+              <a:buNone/>
+            </a:pPr>
+            <a:r>
+              <a:rPr lang="en-US" dirty="0" smtClean="0"/>
+              <a:t>            type: </a:t>
+            </a:r>
+            <a:r>
+              <a:rPr lang="en-US" dirty="0" err="1" smtClean="0"/>
+              <a:t>UserType</a:t>
+            </a:r>
+            <a:r>
+              <a:rPr lang="en-US" dirty="0" smtClean="0"/>
+              <a:t>,</a:t>
+            </a:r>
+          </a:p>
+          <a:p>
+            <a:pPr marL="0" indent="0">
+              <a:buNone/>
+            </a:pPr>
+            <a:r>
+              <a:rPr lang="en-US" dirty="0" smtClean="0"/>
+              <a:t>            </a:t>
+            </a:r>
+            <a:r>
+              <a:rPr lang="en-US" dirty="0" err="1" smtClean="0"/>
+              <a:t>args</a:t>
+            </a:r>
+            <a:r>
+              <a:rPr lang="en-US" dirty="0" smtClean="0"/>
+              <a:t>: { id: { type: </a:t>
+            </a:r>
+            <a:r>
+              <a:rPr lang="en-US" dirty="0" err="1" smtClean="0"/>
+              <a:t>GraphQLString</a:t>
+            </a:r>
+            <a:r>
+              <a:rPr lang="en-US" dirty="0" smtClean="0"/>
+              <a:t> } },</a:t>
+            </a:r>
+          </a:p>
+          <a:p>
+            <a:pPr marL="0" indent="0">
+              <a:buNone/>
+            </a:pPr>
+            <a:r>
+              <a:rPr lang="en-US" dirty="0" smtClean="0"/>
+              <a:t>            resolve(</a:t>
+            </a:r>
+            <a:r>
+              <a:rPr lang="en-US" dirty="0" err="1" smtClean="0"/>
+              <a:t>parentValue</a:t>
+            </a:r>
+            <a:r>
+              <a:rPr lang="en-US" dirty="0" smtClean="0"/>
+              <a:t>, </a:t>
+            </a:r>
+            <a:r>
+              <a:rPr lang="en-US" dirty="0" err="1" smtClean="0"/>
+              <a:t>args</a:t>
+            </a:r>
+            <a:r>
+              <a:rPr lang="en-US" dirty="0" smtClean="0"/>
+              <a:t>) {</a:t>
+            </a:r>
+          </a:p>
+          <a:p>
+            <a:pPr marL="0" indent="0">
+              <a:buNone/>
+            </a:pPr>
+            <a:r>
+              <a:rPr lang="en-US" dirty="0" smtClean="0"/>
+              <a:t>                return _.find(users, { id: args.id }); //_ id </a:t>
+            </a:r>
+            <a:r>
+              <a:rPr lang="en-US" dirty="0" err="1" smtClean="0"/>
+              <a:t>lodash</a:t>
+            </a:r>
+            <a:r>
+              <a:rPr lang="en-US" dirty="0" smtClean="0"/>
+              <a:t> object which finds the object with given id</a:t>
+            </a:r>
+          </a:p>
+          <a:p>
+            <a:pPr marL="0" indent="0">
+              <a:buNone/>
+            </a:pPr>
+            <a:r>
+              <a:rPr lang="en-US" dirty="0" smtClean="0"/>
+              <a:t>            }</a:t>
+            </a:r>
+          </a:p>
+          <a:p>
+            <a:pPr marL="0" indent="0">
+              <a:buNone/>
+            </a:pPr>
+            <a:r>
+              <a:rPr lang="en-US" dirty="0" smtClean="0"/>
+              <a:t>        }</a:t>
+            </a:r>
+          </a:p>
+          <a:p>
+            <a:pPr marL="0" indent="0">
+              <a:buNone/>
+            </a:pPr>
+            <a:r>
+              <a:rPr lang="en-US" dirty="0" smtClean="0"/>
+              <a:t>    }</a:t>
+            </a:r>
+          </a:p>
+          <a:p>
+            <a:pPr marL="0" indent="0">
+              <a:buNone/>
+            </a:pPr>
+            <a:r>
+              <a:rPr lang="en-US" dirty="0" smtClean="0"/>
+              <a:t>});</a:t>
+            </a:r>
+          </a:p>
+          <a:p>
+            <a:pPr marL="0" indent="0">
+              <a:buNone/>
+            </a:pPr>
             <a:endParaRPr lang="en-US" dirty="0"/>
           </a:p>
-        </p:txBody>
-      </p:sp>
-      <p:sp>
-        <p:nvSpPr>
-          <p:cNvPr id="3" name="Content Placeholder 2"/>
-          <p:cNvSpPr>
-            <a:spLocks noGrp="1"/>
-          </p:cNvSpPr>
-          <p:nvPr>
-            <p:ph idx="1"/>
-          </p:nvPr>
-        </p:nvSpPr>
-        <p:spPr/>
-        <p:txBody>
-          <a:bodyPr/>
-          <a:lstStyle/>
-          <a:p>
-            <a:pPr marL="0" indent="0">
-              <a:buNone/>
-            </a:pPr>
-            <a:r>
-              <a:rPr lang="en-US" dirty="0" smtClean="0"/>
-              <a:t>{</a:t>
-            </a:r>
-          </a:p>
-          <a:p>
-            <a:pPr marL="0" indent="0">
-              <a:buNone/>
-            </a:pPr>
-            <a:r>
-              <a:rPr lang="en-US" dirty="0" smtClean="0"/>
-              <a:t>   user(id:"1"){</a:t>
-            </a:r>
-          </a:p>
-          <a:p>
-            <a:pPr marL="0" indent="0">
-              <a:buNone/>
-            </a:pPr>
-            <a:r>
-              <a:rPr lang="en-US" dirty="0" smtClean="0"/>
-              <a:t>       </a:t>
-            </a:r>
-            <a:r>
-              <a:rPr lang="en-US" dirty="0" err="1" smtClean="0"/>
-              <a:t>firstName</a:t>
+          <a:p>
+            <a:pPr marL="0" indent="0">
+              <a:buNone/>
+            </a:pPr>
+            <a:r>
+              <a:rPr lang="en-US" dirty="0" err="1" smtClean="0"/>
+              <a:t>module.exports</a:t>
+            </a:r>
+            <a:r>
+              <a:rPr lang="en-US" dirty="0" smtClean="0"/>
+              <a:t> = new </a:t>
+            </a:r>
+            <a:r>
+              <a:rPr lang="en-US" dirty="0" err="1" smtClean="0"/>
+              <a:t>GraphQLSchema</a:t>
+            </a:r>
+            <a:r>
+              <a:rPr lang="en-US" dirty="0" smtClean="0"/>
+              <a:t>({</a:t>
+            </a:r>
+          </a:p>
+          <a:p>
+            <a:pPr marL="0" indent="0">
+              <a:buNone/>
+            </a:pPr>
+            <a:r>
+              <a:rPr lang="en-US" dirty="0" smtClean="0"/>
+              <a:t>    </a:t>
+            </a:r>
+            <a:r>
+              <a:rPr lang="en-US" dirty="0" err="1" smtClean="0"/>
+              <a:t>query:RootQuery</a:t>
             </a:r>
             <a:endParaRPr lang="en-US" dirty="0" smtClean="0"/>
           </a:p>
@@ -5984,41 +6986,15 @@
               <a:buNone/>
             </a:pPr>
             <a:r>
-              <a:rPr lang="en-US" dirty="0"/>
-              <a:t> </a:t>
-            </a:r>
-            <a:r>
-              <a:rPr lang="en-US" dirty="0" smtClean="0"/>
-              <a:t>   }</a:t>
-            </a:r>
-          </a:p>
-          <a:p>
-            <a:pPr marL="0" indent="0">
-              <a:buNone/>
-            </a:pPr>
-            <a:r>
-              <a:rPr lang="en-US" dirty="0" smtClean="0"/>
-              <a:t>}</a:t>
-            </a:r>
-          </a:p>
-          <a:p>
-            <a:pPr marL="0" indent="0">
-              <a:buNone/>
-            </a:pPr>
+              <a:rPr lang="en-US" dirty="0" smtClean="0"/>
+              <a:t>});</a:t>
+            </a:r>
             <a:endParaRPr lang="en-US" dirty="0"/>
           </a:p>
           <a:p>
             <a:pPr marL="0" indent="0">
               <a:buNone/>
             </a:pPr>
-            <a:r>
-              <a:rPr lang="en-US" dirty="0" smtClean="0"/>
-              <a:t>This query corresponds to </a:t>
-            </a:r>
-            <a:r>
-              <a:rPr lang="en-US" dirty="0" err="1" smtClean="0"/>
-              <a:t>RootQuery</a:t>
-            </a:r>
             <a:endParaRPr lang="en-US" dirty="0"/>
           </a:p>
         </p:txBody>
@@ -6026,7 +7002,7 @@
     </p:spTree>
     <p:extLst>
       <p:ext uri="{BB962C8B-B14F-4D97-AF65-F5344CB8AC3E}">
-        <p14:creationId xmlns:p14="http://schemas.microsoft.com/office/powerpoint/2010/main" val="2828522212"/>
+        <p14:creationId xmlns:p14="http://schemas.microsoft.com/office/powerpoint/2010/main" val="1986140671"/>
       </p:ext>
     </p:extLst>
   </p:cSld>
@@ -6062,6 +7038,29 @@
       </p:grpSpPr>
       <p:sp>
         <p:nvSpPr>
+          <p:cNvPr id="2" name="Title 1"/>
+          <p:cNvSpPr>
+            <a:spLocks noGrp="1"/>
+          </p:cNvSpPr>
+          <p:nvPr>
+            <p:ph type="title"/>
+          </p:nvPr>
+        </p:nvSpPr>
+        <p:spPr/>
+        <p:txBody>
+          <a:bodyPr/>
+          <a:lstStyle/>
+          <a:p>
+            <a:r>
+              <a:rPr lang="en-US" b="1" dirty="0" smtClean="0"/>
+              <a:t>First Query	</a:t>
+            </a:r>
+            <a:endParaRPr lang="en-US" b="1" dirty="0"/>
+          </a:p>
+        </p:txBody>
+      </p:sp>
+      <p:sp>
+        <p:nvSpPr>
           <p:cNvPr id="3" name="Content Placeholder 2"/>
           <p:cNvSpPr>
             <a:spLocks noGrp="1"/>
@@ -6075,13 +7074,63 @@
           <a:bodyPr/>
           <a:lstStyle/>
           <a:p>
-            <a:pPr marL="0" indent="0" algn="ctr">
-              <a:buNone/>
-            </a:pPr>
-            <a:r>
-              <a:rPr lang="en-US" dirty="0" smtClean="0"/>
-              <a:t>Questions ??????</a:t>
-            </a:r>
+            <a:pPr marL="0" indent="0">
+              <a:buNone/>
+            </a:pPr>
+            <a:r>
+              <a:rPr lang="en-US" dirty="0" smtClean="0"/>
+              <a:t>{</a:t>
+            </a:r>
+          </a:p>
+          <a:p>
+            <a:pPr marL="0" indent="0">
+              <a:buNone/>
+            </a:pPr>
+            <a:r>
+              <a:rPr lang="en-US" dirty="0" smtClean="0"/>
+              <a:t>   user(id:"1"){</a:t>
+            </a:r>
+          </a:p>
+          <a:p>
+            <a:pPr marL="0" indent="0">
+              <a:buNone/>
+            </a:pPr>
+            <a:r>
+              <a:rPr lang="en-US" dirty="0" smtClean="0"/>
+              <a:t>       </a:t>
+            </a:r>
+            <a:r>
+              <a:rPr lang="en-US" dirty="0" err="1" smtClean="0"/>
+              <a:t>firstName</a:t>
+            </a:r>
+            <a:endParaRPr lang="en-US" dirty="0" smtClean="0"/>
+          </a:p>
+          <a:p>
+            <a:pPr marL="0" indent="0">
+              <a:buNone/>
+            </a:pPr>
+            <a:r>
+              <a:rPr lang="en-US" dirty="0"/>
+              <a:t> </a:t>
+            </a:r>
+            <a:r>
+              <a:rPr lang="en-US" dirty="0" smtClean="0"/>
+              <a:t>   }</a:t>
+            </a:r>
+          </a:p>
+          <a:p>
+            <a:pPr marL="0" indent="0">
+              <a:buNone/>
+            </a:pPr>
+            <a:r>
+              <a:rPr lang="en-US" dirty="0" smtClean="0"/>
+              <a:t>}</a:t>
+            </a:r>
+          </a:p>
+          <a:p>
+            <a:pPr marL="0" indent="0">
+              <a:buNone/>
+            </a:pPr>
             <a:endParaRPr lang="en-US" dirty="0"/>
           </a:p>
         </p:txBody>
@@ -6089,7 +7138,7 @@
     </p:spTree>
     <p:extLst>
       <p:ext uri="{BB962C8B-B14F-4D97-AF65-F5344CB8AC3E}">
-        <p14:creationId xmlns:p14="http://schemas.microsoft.com/office/powerpoint/2010/main" val="385073297"/>
+        <p14:creationId xmlns:p14="http://schemas.microsoft.com/office/powerpoint/2010/main" val="2828522212"/>
       </p:ext>
     </p:extLst>
   </p:cSld>
@@ -6125,6 +7174,37 @@
       </p:grpSpPr>
       <p:sp>
         <p:nvSpPr>
+          <p:cNvPr id="2" name="Title 1"/>
+          <p:cNvSpPr>
+            <a:spLocks noGrp="1"/>
+          </p:cNvSpPr>
+          <p:nvPr>
+            <p:ph type="title"/>
+          </p:nvPr>
+        </p:nvSpPr>
+        <p:spPr/>
+        <p:txBody>
+          <a:bodyPr/>
+          <a:lstStyle/>
+          <a:p>
+            <a:r>
+              <a:rPr lang="en-US" b="1" dirty="0" smtClean="0"/>
+              <a:t>Change </a:t>
+            </a:r>
+            <a:r>
+              <a:rPr lang="en-US" b="1" dirty="0" err="1" smtClean="0"/>
+              <a:t>Datastore</a:t>
+            </a:r>
+            <a:r>
+              <a:rPr lang="en-US" b="1" dirty="0" smtClean="0"/>
+              <a:t> to API	</a:t>
+            </a:r>
+            <a:endParaRPr lang="en-US" b="1" dirty="0"/>
+          </a:p>
+        </p:txBody>
+      </p:sp>
+      <p:sp>
+        <p:nvSpPr>
           <p:cNvPr id="3" name="Content Placeholder 2"/>
           <p:cNvSpPr>
             <a:spLocks noGrp="1"/>
@@ -6135,26 +7215,299 @@
         </p:nvSpPr>
         <p:spPr/>
         <p:txBody>
-          <a:bodyPr>
-            <a:normAutofit/>
-          </a:bodyPr>
-          <a:lstStyle/>
-          <a:p>
-            <a:pPr marL="0" indent="0" algn="ctr">
-              <a:buNone/>
-            </a:pPr>
-            <a:r>
-              <a:rPr lang="en-US" sz="5400" dirty="0" smtClean="0"/>
-              <a:t>Coming up Part 2</a:t>
-            </a:r>
-            <a:endParaRPr lang="en-US" sz="5400" dirty="0"/>
+          <a:bodyPr/>
+          <a:lstStyle/>
+          <a:p>
+            <a:pPr marL="0" indent="0">
+              <a:buNone/>
+            </a:pPr>
+            <a:r>
+              <a:rPr lang="en-US" dirty="0" err="1" smtClean="0"/>
+              <a:t>Axios</a:t>
+            </a:r>
+            <a:r>
+              <a:rPr lang="en-US" dirty="0" smtClean="0"/>
+              <a:t> is third party library to make </a:t>
+            </a:r>
+            <a:r>
+              <a:rPr lang="en-US" dirty="0" err="1" smtClean="0"/>
+              <a:t>api</a:t>
+            </a:r>
+            <a:r>
+              <a:rPr lang="en-US" dirty="0" smtClean="0"/>
+              <a:t> calls.</a:t>
+            </a:r>
+          </a:p>
+          <a:p>
+            <a:pPr marL="0" indent="0">
+              <a:buNone/>
+            </a:pPr>
+            <a:r>
+              <a:rPr lang="en-US" dirty="0" smtClean="0"/>
+              <a:t>We are using template strings (es6 feature) to resolve variables</a:t>
+            </a:r>
+          </a:p>
+          <a:p>
+            <a:pPr marL="0" indent="0">
+              <a:buNone/>
+            </a:pPr>
+            <a:endParaRPr lang="en-US" dirty="0"/>
+          </a:p>
+          <a:p>
+            <a:pPr marL="0" indent="0">
+              <a:buNone/>
+            </a:pPr>
+            <a:r>
+              <a:rPr lang="en-US" dirty="0" smtClean="0"/>
+              <a:t>return </a:t>
+            </a:r>
+            <a:r>
+              <a:rPr lang="en-US" dirty="0" err="1"/>
+              <a:t>axios.get</a:t>
+            </a:r>
+            <a:r>
+              <a:rPr lang="en-US" dirty="0"/>
+              <a:t>(`http://localhost:3000/users/${args.id}`)</a:t>
+            </a:r>
+          </a:p>
+          <a:p>
+            <a:pPr marL="0" indent="0">
+              <a:buNone/>
+            </a:pPr>
+            <a:r>
+              <a:rPr lang="en-US" dirty="0"/>
+              <a:t>.then(response =&gt; </a:t>
+            </a:r>
+            <a:r>
+              <a:rPr lang="en-US" dirty="0" err="1"/>
+              <a:t>response.data</a:t>
+            </a:r>
+            <a:r>
+              <a:rPr lang="en-US" dirty="0"/>
+              <a:t>);</a:t>
+            </a:r>
+          </a:p>
+          <a:p>
+            <a:pPr marL="0" indent="0">
+              <a:buNone/>
+            </a:pPr>
+            <a:endParaRPr lang="en-US" dirty="0"/>
           </a:p>
         </p:txBody>
       </p:sp>
     </p:spTree>
     <p:extLst>
       <p:ext uri="{BB962C8B-B14F-4D97-AF65-F5344CB8AC3E}">
-        <p14:creationId xmlns:p14="http://schemas.microsoft.com/office/powerpoint/2010/main" val="2276098692"/>
+        <p14:creationId xmlns:p14="http://schemas.microsoft.com/office/powerpoint/2010/main" val="1922526309"/>
+      </p:ext>
+    </p:extLst>
+  </p:cSld>
+  <p:clrMapOvr>
+    <a:masterClrMapping/>
+  </p:clrMapOvr>
+  <p:timing>
+    <p:tnLst>
+      <p:par>
+        <p:cTn id="1" dur="indefinite" restart="never" nodeType="tmRoot"/>
+      </p:par>
+    </p:tnLst>
+  </p:timing>
+</p:sld>
+</file>
+
+<file path=ppt/slides/slide29.xml><?xml version="1.0" encoding="utf-8"?>
+<p:sld xmlns:a="http://schemas.openxmlformats.org/drawingml/2006/main" xmlns:r="http://schemas.openxmlformats.org/officeDocument/2006/relationships" xmlns:p="http://schemas.openxmlformats.org/presentationml/2006/main">
+  <p:cSld>
+    <p:spTree>
+      <p:nvGrpSpPr>
+        <p:cNvPr id="1" name=""/>
+        <p:cNvGrpSpPr/>
+        <p:nvPr/>
+      </p:nvGrpSpPr>
+      <p:grpSpPr>
+        <a:xfrm>
+          <a:off x="0" y="0"/>
+          <a:ext cx="0" cy="0"/>
+          <a:chOff x="0" y="0"/>
+          <a:chExt cx="0" cy="0"/>
+        </a:xfrm>
+      </p:grpSpPr>
+      <p:sp>
+        <p:nvSpPr>
+          <p:cNvPr id="2" name="Title 1"/>
+          <p:cNvSpPr>
+            <a:spLocks noGrp="1"/>
+          </p:cNvSpPr>
+          <p:nvPr>
+            <p:ph type="title"/>
+          </p:nvPr>
+        </p:nvSpPr>
+        <p:spPr/>
+        <p:txBody>
+          <a:bodyPr/>
+          <a:lstStyle/>
+          <a:p>
+            <a:r>
+              <a:rPr lang="en-US" b="1" dirty="0" smtClean="0"/>
+              <a:t>Query for Nested Data	</a:t>
+            </a:r>
+            <a:endParaRPr lang="en-US" b="1" dirty="0"/>
+          </a:p>
+        </p:txBody>
+      </p:sp>
+      <p:sp>
+        <p:nvSpPr>
+          <p:cNvPr id="3" name="Content Placeholder 2"/>
+          <p:cNvSpPr>
+            <a:spLocks noGrp="1"/>
+          </p:cNvSpPr>
+          <p:nvPr>
+            <p:ph idx="1"/>
+          </p:nvPr>
+        </p:nvSpPr>
+        <p:spPr/>
+        <p:txBody>
+          <a:bodyPr>
+            <a:normAutofit fontScale="92500" lnSpcReduction="20000"/>
+          </a:bodyPr>
+          <a:lstStyle/>
+          <a:p>
+            <a:pPr marL="0" indent="0">
+              <a:buNone/>
+            </a:pPr>
+            <a:r>
+              <a:rPr lang="en-US" dirty="0" smtClean="0"/>
+              <a:t>Write Schema for nested data</a:t>
+            </a:r>
+          </a:p>
+          <a:p>
+            <a:pPr marL="0" indent="0">
+              <a:buNone/>
+            </a:pPr>
+            <a:endParaRPr lang="en-US" dirty="0"/>
+          </a:p>
+          <a:p>
+            <a:pPr marL="0" indent="0">
+              <a:buNone/>
+            </a:pPr>
+            <a:r>
+              <a:rPr lang="en-US" dirty="0" err="1" smtClean="0"/>
+              <a:t>const</a:t>
+            </a:r>
+            <a:r>
+              <a:rPr lang="en-US" dirty="0" smtClean="0"/>
+              <a:t> </a:t>
+            </a:r>
+            <a:r>
+              <a:rPr lang="en-US" dirty="0" err="1" smtClean="0"/>
+              <a:t>CompanyType</a:t>
+            </a:r>
+            <a:r>
+              <a:rPr lang="en-US" dirty="0" smtClean="0"/>
+              <a:t> = new </a:t>
+            </a:r>
+            <a:r>
+              <a:rPr lang="en-US" dirty="0" err="1" smtClean="0"/>
+              <a:t>GraphQLObjectType</a:t>
+            </a:r>
+            <a:r>
+              <a:rPr lang="en-US" dirty="0" smtClean="0"/>
+              <a:t>({</a:t>
+            </a:r>
+          </a:p>
+          <a:p>
+            <a:pPr marL="0" indent="0">
+              <a:buNone/>
+            </a:pPr>
+            <a:r>
+              <a:rPr lang="en-US" dirty="0" smtClean="0"/>
+              <a:t>    name: 'Company',</a:t>
+            </a:r>
+          </a:p>
+          <a:p>
+            <a:pPr marL="0" indent="0">
+              <a:buNone/>
+            </a:pPr>
+            <a:r>
+              <a:rPr lang="en-US" dirty="0" smtClean="0"/>
+              <a:t>    fields: {</a:t>
+            </a:r>
+          </a:p>
+          <a:p>
+            <a:pPr marL="0" indent="0">
+              <a:buNone/>
+            </a:pPr>
+            <a:r>
+              <a:rPr lang="en-US" dirty="0" smtClean="0"/>
+              <a:t>        id: { type: </a:t>
+            </a:r>
+            <a:r>
+              <a:rPr lang="en-US" dirty="0" err="1" smtClean="0"/>
+              <a:t>GraphQLString</a:t>
+            </a:r>
+            <a:r>
+              <a:rPr lang="en-US" dirty="0" smtClean="0"/>
+              <a:t> },</a:t>
+            </a:r>
+          </a:p>
+          <a:p>
+            <a:pPr marL="0" indent="0">
+              <a:buNone/>
+            </a:pPr>
+            <a:r>
+              <a:rPr lang="en-US" dirty="0" smtClean="0"/>
+              <a:t>        name: { type: </a:t>
+            </a:r>
+            <a:r>
+              <a:rPr lang="en-US" dirty="0" err="1" smtClean="0"/>
+              <a:t>GraphQLString</a:t>
+            </a:r>
+            <a:r>
+              <a:rPr lang="en-US" dirty="0" smtClean="0"/>
+              <a:t> },</a:t>
+            </a:r>
+          </a:p>
+          <a:p>
+            <a:pPr marL="0" indent="0">
+              <a:buNone/>
+            </a:pPr>
+            <a:r>
+              <a:rPr lang="en-US" dirty="0" smtClean="0"/>
+              <a:t>        description: { type: </a:t>
+            </a:r>
+            <a:r>
+              <a:rPr lang="en-US" dirty="0" err="1" smtClean="0"/>
+              <a:t>GraphQLString</a:t>
+            </a:r>
+            <a:r>
+              <a:rPr lang="en-US" dirty="0" smtClean="0"/>
+              <a:t> }</a:t>
+            </a:r>
+          </a:p>
+          <a:p>
+            <a:pPr marL="0" indent="0">
+              <a:buNone/>
+            </a:pPr>
+            <a:r>
+              <a:rPr lang="en-US" dirty="0" smtClean="0"/>
+              <a:t>    }</a:t>
+            </a:r>
+          </a:p>
+          <a:p>
+            <a:pPr marL="0" indent="0">
+              <a:buNone/>
+            </a:pPr>
+            <a:r>
+              <a:rPr lang="en-US" dirty="0" smtClean="0"/>
+              <a:t>});</a:t>
+            </a:r>
+          </a:p>
+        </p:txBody>
+      </p:sp>
+    </p:spTree>
+    <p:extLst>
+      <p:ext uri="{BB962C8B-B14F-4D97-AF65-F5344CB8AC3E}">
+        <p14:creationId xmlns:p14="http://schemas.microsoft.com/office/powerpoint/2010/main" val="2946431802"/>
       </p:ext>
     </p:extLst>
   </p:cSld>
@@ -6237,6 +7590,2230 @@
 </p:sld>
 </file>
 
+<file path=ppt/slides/slide30.xml><?xml version="1.0" encoding="utf-8"?>
+<p:sld xmlns:a="http://schemas.openxmlformats.org/drawingml/2006/main" xmlns:r="http://schemas.openxmlformats.org/officeDocument/2006/relationships" xmlns:p="http://schemas.openxmlformats.org/presentationml/2006/main">
+  <p:cSld>
+    <p:spTree>
+      <p:nvGrpSpPr>
+        <p:cNvPr id="1" name=""/>
+        <p:cNvGrpSpPr/>
+        <p:nvPr/>
+      </p:nvGrpSpPr>
+      <p:grpSpPr>
+        <a:xfrm>
+          <a:off x="0" y="0"/>
+          <a:ext cx="0" cy="0"/>
+          <a:chOff x="0" y="0"/>
+          <a:chExt cx="0" cy="0"/>
+        </a:xfrm>
+      </p:grpSpPr>
+      <p:sp>
+        <p:nvSpPr>
+          <p:cNvPr id="2" name="Title 1"/>
+          <p:cNvSpPr>
+            <a:spLocks noGrp="1"/>
+          </p:cNvSpPr>
+          <p:nvPr>
+            <p:ph type="title"/>
+          </p:nvPr>
+        </p:nvSpPr>
+        <p:spPr/>
+        <p:txBody>
+          <a:bodyPr/>
+          <a:lstStyle/>
+          <a:p>
+            <a:r>
+              <a:rPr lang="en-US" b="1" dirty="0" smtClean="0"/>
+              <a:t>Query for Nested Data	</a:t>
+            </a:r>
+            <a:endParaRPr lang="en-US" b="1" dirty="0"/>
+          </a:p>
+        </p:txBody>
+      </p:sp>
+      <p:sp>
+        <p:nvSpPr>
+          <p:cNvPr id="3" name="Content Placeholder 2"/>
+          <p:cNvSpPr>
+            <a:spLocks noGrp="1"/>
+          </p:cNvSpPr>
+          <p:nvPr>
+            <p:ph idx="1"/>
+          </p:nvPr>
+        </p:nvSpPr>
+        <p:spPr/>
+        <p:txBody>
+          <a:bodyPr>
+            <a:normAutofit fontScale="85000" lnSpcReduction="20000"/>
+          </a:bodyPr>
+          <a:lstStyle/>
+          <a:p>
+            <a:pPr marL="0" indent="0">
+              <a:buNone/>
+            </a:pPr>
+            <a:r>
+              <a:rPr lang="en-US" dirty="0" smtClean="0"/>
+              <a:t>Update the Parent </a:t>
+            </a:r>
+            <a:r>
+              <a:rPr lang="en-US" dirty="0" smtClean="0"/>
+              <a:t>Schema(User) with the nested data (Company)</a:t>
+            </a:r>
+            <a:endParaRPr lang="en-US" dirty="0" smtClean="0"/>
+          </a:p>
+          <a:p>
+            <a:pPr marL="0" indent="0">
+              <a:buNone/>
+            </a:pPr>
+            <a:endParaRPr lang="en-US" dirty="0"/>
+          </a:p>
+          <a:p>
+            <a:pPr marL="0" indent="0">
+              <a:buNone/>
+            </a:pPr>
+            <a:r>
+              <a:rPr lang="en-US" dirty="0" err="1" smtClean="0"/>
+              <a:t>const</a:t>
+            </a:r>
+            <a:r>
+              <a:rPr lang="en-US" dirty="0" smtClean="0"/>
+              <a:t> </a:t>
+            </a:r>
+            <a:r>
+              <a:rPr lang="en-US" dirty="0" err="1" smtClean="0"/>
+              <a:t>UserType</a:t>
+            </a:r>
+            <a:r>
+              <a:rPr lang="en-US" dirty="0" smtClean="0"/>
+              <a:t> = new </a:t>
+            </a:r>
+            <a:r>
+              <a:rPr lang="en-US" dirty="0" err="1" smtClean="0"/>
+              <a:t>GraphQLObjectType</a:t>
+            </a:r>
+            <a:r>
+              <a:rPr lang="en-US" dirty="0" smtClean="0"/>
+              <a:t>({</a:t>
+            </a:r>
+          </a:p>
+          <a:p>
+            <a:pPr marL="0" indent="0">
+              <a:buNone/>
+            </a:pPr>
+            <a:r>
+              <a:rPr lang="en-US" dirty="0" smtClean="0"/>
+              <a:t>    name: 'User',</a:t>
+            </a:r>
+          </a:p>
+          <a:p>
+            <a:pPr marL="0" indent="0">
+              <a:buNone/>
+            </a:pPr>
+            <a:r>
+              <a:rPr lang="en-US" dirty="0" smtClean="0"/>
+              <a:t>    fields: {</a:t>
+            </a:r>
+          </a:p>
+          <a:p>
+            <a:pPr marL="0" indent="0">
+              <a:buNone/>
+            </a:pPr>
+            <a:r>
+              <a:rPr lang="en-US" dirty="0" smtClean="0"/>
+              <a:t>        id: { type: </a:t>
+            </a:r>
+            <a:r>
+              <a:rPr lang="en-US" dirty="0" err="1" smtClean="0"/>
+              <a:t>GraphQLString</a:t>
+            </a:r>
+            <a:r>
+              <a:rPr lang="en-US" dirty="0" smtClean="0"/>
+              <a:t> },</a:t>
+            </a:r>
+          </a:p>
+          <a:p>
+            <a:pPr marL="0" indent="0">
+              <a:buNone/>
+            </a:pPr>
+            <a:r>
+              <a:rPr lang="en-US" dirty="0" smtClean="0"/>
+              <a:t>        </a:t>
+            </a:r>
+            <a:r>
+              <a:rPr lang="en-US" dirty="0" err="1" smtClean="0"/>
+              <a:t>firstName</a:t>
+            </a:r>
+            <a:r>
+              <a:rPr lang="en-US" dirty="0" smtClean="0"/>
+              <a:t>: { type: </a:t>
+            </a:r>
+            <a:r>
+              <a:rPr lang="en-US" dirty="0" err="1" smtClean="0"/>
+              <a:t>GraphQLString</a:t>
+            </a:r>
+            <a:r>
+              <a:rPr lang="en-US" dirty="0" smtClean="0"/>
+              <a:t> },</a:t>
+            </a:r>
+          </a:p>
+          <a:p>
+            <a:pPr marL="0" indent="0">
+              <a:buNone/>
+            </a:pPr>
+            <a:r>
+              <a:rPr lang="en-US" dirty="0" smtClean="0"/>
+              <a:t>        age: { type: </a:t>
+            </a:r>
+            <a:r>
+              <a:rPr lang="en-US" dirty="0" err="1" smtClean="0"/>
+              <a:t>GraphQLInt</a:t>
+            </a:r>
+            <a:r>
+              <a:rPr lang="en-US" dirty="0" smtClean="0"/>
+              <a:t> },</a:t>
+            </a:r>
+          </a:p>
+          <a:p>
+            <a:pPr marL="0" indent="0">
+              <a:buNone/>
+            </a:pPr>
+            <a:r>
+              <a:rPr lang="en-US" dirty="0" smtClean="0"/>
+              <a:t>        company:{</a:t>
+            </a:r>
+            <a:r>
+              <a:rPr lang="en-US" dirty="0" err="1" smtClean="0"/>
+              <a:t>type:CompanyType</a:t>
+            </a:r>
+            <a:r>
+              <a:rPr lang="en-US" dirty="0" smtClean="0"/>
+              <a:t>}</a:t>
+            </a:r>
+          </a:p>
+          <a:p>
+            <a:pPr marL="0" indent="0">
+              <a:buNone/>
+            </a:pPr>
+            <a:r>
+              <a:rPr lang="en-US" dirty="0" smtClean="0"/>
+              <a:t>    }</a:t>
+            </a:r>
+          </a:p>
+          <a:p>
+            <a:pPr marL="0" indent="0">
+              <a:buNone/>
+            </a:pPr>
+            <a:r>
+              <a:rPr lang="en-US" dirty="0" smtClean="0"/>
+              <a:t>});</a:t>
+            </a:r>
+          </a:p>
+          <a:p>
+            <a:pPr marL="0" indent="0">
+              <a:buNone/>
+            </a:pPr>
+            <a:endParaRPr lang="en-US" dirty="0"/>
+          </a:p>
+          <a:p>
+            <a:pPr marL="0" indent="0">
+              <a:buNone/>
+            </a:pPr>
+            <a:endParaRPr lang="en-US" dirty="0" smtClean="0"/>
+          </a:p>
+          <a:p>
+            <a:pPr marL="0" indent="0">
+              <a:buNone/>
+            </a:pPr>
+            <a:endParaRPr lang="en-US" dirty="0"/>
+          </a:p>
+        </p:txBody>
+      </p:sp>
+    </p:spTree>
+    <p:extLst>
+      <p:ext uri="{BB962C8B-B14F-4D97-AF65-F5344CB8AC3E}">
+        <p14:creationId xmlns:p14="http://schemas.microsoft.com/office/powerpoint/2010/main" val="1909738196"/>
+      </p:ext>
+    </p:extLst>
+  </p:cSld>
+  <p:clrMapOvr>
+    <a:masterClrMapping/>
+  </p:clrMapOvr>
+  <p:timing>
+    <p:tnLst>
+      <p:par>
+        <p:cTn id="1" dur="indefinite" restart="never" nodeType="tmRoot"/>
+      </p:par>
+    </p:tnLst>
+  </p:timing>
+</p:sld>
+</file>
+
+<file path=ppt/slides/slide31.xml><?xml version="1.0" encoding="utf-8"?>
+<p:sld xmlns:a="http://schemas.openxmlformats.org/drawingml/2006/main" xmlns:r="http://schemas.openxmlformats.org/officeDocument/2006/relationships" xmlns:p="http://schemas.openxmlformats.org/presentationml/2006/main">
+  <p:cSld>
+    <p:spTree>
+      <p:nvGrpSpPr>
+        <p:cNvPr id="1" name=""/>
+        <p:cNvGrpSpPr/>
+        <p:nvPr/>
+      </p:nvGrpSpPr>
+      <p:grpSpPr>
+        <a:xfrm>
+          <a:off x="0" y="0"/>
+          <a:ext cx="0" cy="0"/>
+          <a:chOff x="0" y="0"/>
+          <a:chExt cx="0" cy="0"/>
+        </a:xfrm>
+      </p:grpSpPr>
+      <p:sp>
+        <p:nvSpPr>
+          <p:cNvPr id="2" name="Title 1"/>
+          <p:cNvSpPr>
+            <a:spLocks noGrp="1"/>
+          </p:cNvSpPr>
+          <p:nvPr>
+            <p:ph type="title"/>
+          </p:nvPr>
+        </p:nvSpPr>
+        <p:spPr/>
+        <p:txBody>
+          <a:bodyPr/>
+          <a:lstStyle/>
+          <a:p>
+            <a:r>
+              <a:rPr lang="en-US" b="1" dirty="0" smtClean="0"/>
+              <a:t>Add resolve for nested data</a:t>
+            </a:r>
+            <a:endParaRPr lang="en-US" b="1" dirty="0"/>
+          </a:p>
+        </p:txBody>
+      </p:sp>
+      <p:sp>
+        <p:nvSpPr>
+          <p:cNvPr id="3" name="Content Placeholder 2"/>
+          <p:cNvSpPr>
+            <a:spLocks noGrp="1"/>
+          </p:cNvSpPr>
+          <p:nvPr>
+            <p:ph idx="1"/>
+          </p:nvPr>
+        </p:nvSpPr>
+        <p:spPr/>
+        <p:txBody>
+          <a:bodyPr>
+            <a:normAutofit fontScale="55000" lnSpcReduction="20000"/>
+          </a:bodyPr>
+          <a:lstStyle/>
+          <a:p>
+            <a:pPr marL="0" indent="0">
+              <a:buNone/>
+            </a:pPr>
+            <a:r>
+              <a:rPr lang="en-US" dirty="0" err="1" smtClean="0"/>
+              <a:t>const</a:t>
+            </a:r>
+            <a:r>
+              <a:rPr lang="en-US" dirty="0" smtClean="0"/>
+              <a:t> </a:t>
+            </a:r>
+            <a:r>
+              <a:rPr lang="en-US" dirty="0" err="1" smtClean="0"/>
+              <a:t>UserType</a:t>
+            </a:r>
+            <a:r>
+              <a:rPr lang="en-US" dirty="0" smtClean="0"/>
+              <a:t> = new </a:t>
+            </a:r>
+            <a:r>
+              <a:rPr lang="en-US" dirty="0" err="1" smtClean="0"/>
+              <a:t>GraphQLObjectType</a:t>
+            </a:r>
+            <a:r>
+              <a:rPr lang="en-US" dirty="0" smtClean="0"/>
+              <a:t>({</a:t>
+            </a:r>
+          </a:p>
+          <a:p>
+            <a:pPr marL="0" indent="0">
+              <a:buNone/>
+            </a:pPr>
+            <a:r>
+              <a:rPr lang="en-US" dirty="0" smtClean="0"/>
+              <a:t>    name: 'User',</a:t>
+            </a:r>
+          </a:p>
+          <a:p>
+            <a:pPr marL="0" indent="0">
+              <a:buNone/>
+            </a:pPr>
+            <a:r>
+              <a:rPr lang="en-US" dirty="0" smtClean="0"/>
+              <a:t>    fields: {</a:t>
+            </a:r>
+          </a:p>
+          <a:p>
+            <a:pPr marL="0" indent="0">
+              <a:buNone/>
+            </a:pPr>
+            <a:r>
+              <a:rPr lang="en-US" dirty="0" smtClean="0"/>
+              <a:t>        id: { type: </a:t>
+            </a:r>
+            <a:r>
+              <a:rPr lang="en-US" dirty="0" err="1" smtClean="0"/>
+              <a:t>GraphQLString</a:t>
+            </a:r>
+            <a:r>
+              <a:rPr lang="en-US" dirty="0" smtClean="0"/>
+              <a:t> },</a:t>
+            </a:r>
+          </a:p>
+          <a:p>
+            <a:pPr marL="0" indent="0">
+              <a:buNone/>
+            </a:pPr>
+            <a:r>
+              <a:rPr lang="en-US" dirty="0" smtClean="0"/>
+              <a:t>        </a:t>
+            </a:r>
+            <a:r>
+              <a:rPr lang="en-US" dirty="0" err="1" smtClean="0"/>
+              <a:t>firstName</a:t>
+            </a:r>
+            <a:r>
+              <a:rPr lang="en-US" dirty="0" smtClean="0"/>
+              <a:t>: { type: </a:t>
+            </a:r>
+            <a:r>
+              <a:rPr lang="en-US" dirty="0" err="1" smtClean="0"/>
+              <a:t>GraphQLString</a:t>
+            </a:r>
+            <a:r>
+              <a:rPr lang="en-US" dirty="0" smtClean="0"/>
+              <a:t> },</a:t>
+            </a:r>
+          </a:p>
+          <a:p>
+            <a:pPr marL="0" indent="0">
+              <a:buNone/>
+            </a:pPr>
+            <a:r>
+              <a:rPr lang="en-US" dirty="0" smtClean="0"/>
+              <a:t>        age: { type: </a:t>
+            </a:r>
+            <a:r>
+              <a:rPr lang="en-US" dirty="0" err="1" smtClean="0"/>
+              <a:t>GraphQLInt</a:t>
+            </a:r>
+            <a:r>
+              <a:rPr lang="en-US" dirty="0" smtClean="0"/>
+              <a:t> },</a:t>
+            </a:r>
+          </a:p>
+          <a:p>
+            <a:pPr marL="0" indent="0">
+              <a:buNone/>
+            </a:pPr>
+            <a:r>
+              <a:rPr lang="en-US" dirty="0" smtClean="0"/>
+              <a:t>        company:{</a:t>
+            </a:r>
+          </a:p>
+          <a:p>
+            <a:pPr marL="0" indent="0">
+              <a:buNone/>
+            </a:pPr>
+            <a:r>
+              <a:rPr lang="en-US" dirty="0" smtClean="0"/>
+              <a:t>		</a:t>
+            </a:r>
+            <a:r>
+              <a:rPr lang="en-US" dirty="0" err="1" smtClean="0"/>
+              <a:t>type:CompanyType</a:t>
+            </a:r>
+            <a:r>
+              <a:rPr lang="en-US" dirty="0" smtClean="0"/>
+              <a:t>,</a:t>
+            </a:r>
+          </a:p>
+          <a:p>
+            <a:pPr marL="0" indent="0">
+              <a:buNone/>
+            </a:pPr>
+            <a:r>
+              <a:rPr lang="en-US" dirty="0" smtClean="0"/>
+              <a:t>		resolve:(</a:t>
+            </a:r>
+            <a:r>
+              <a:rPr lang="en-US" dirty="0" err="1" smtClean="0"/>
+              <a:t>parentValue,args</a:t>
+            </a:r>
+            <a:r>
+              <a:rPr lang="en-US" dirty="0" smtClean="0"/>
+              <a:t>){</a:t>
+            </a:r>
+          </a:p>
+          <a:p>
+            <a:pPr marL="0" indent="0">
+              <a:buNone/>
+            </a:pPr>
+            <a:r>
+              <a:rPr lang="en-US" dirty="0" smtClean="0"/>
+              <a:t>		console.log(</a:t>
+            </a:r>
+            <a:r>
+              <a:rPr lang="en-US" dirty="0" err="1" smtClean="0"/>
+              <a:t>parentValue,args</a:t>
+            </a:r>
+            <a:r>
+              <a:rPr lang="en-US" dirty="0" smtClean="0"/>
+              <a:t>)</a:t>
+            </a:r>
+          </a:p>
+          <a:p>
+            <a:pPr marL="0" indent="0">
+              <a:buNone/>
+            </a:pPr>
+            <a:r>
+              <a:rPr lang="en-US" dirty="0" smtClean="0"/>
+              <a:t>		}</a:t>
+            </a:r>
+          </a:p>
+          <a:p>
+            <a:pPr marL="0" indent="0">
+              <a:buNone/>
+            </a:pPr>
+            <a:r>
+              <a:rPr lang="en-US" dirty="0" smtClean="0"/>
+              <a:t>		}</a:t>
+            </a:r>
+          </a:p>
+          <a:p>
+            <a:pPr marL="0" indent="0">
+              <a:buNone/>
+            </a:pPr>
+            <a:r>
+              <a:rPr lang="en-US" dirty="0" smtClean="0"/>
+              <a:t>    }</a:t>
+            </a:r>
+          </a:p>
+          <a:p>
+            <a:pPr marL="0" indent="0">
+              <a:buNone/>
+            </a:pPr>
+            <a:r>
+              <a:rPr lang="en-US" dirty="0" smtClean="0"/>
+              <a:t>});</a:t>
+            </a:r>
+          </a:p>
+          <a:p>
+            <a:pPr marL="0" indent="0">
+              <a:buNone/>
+            </a:pPr>
+            <a:endParaRPr lang="en-US" dirty="0"/>
+          </a:p>
+        </p:txBody>
+      </p:sp>
+    </p:spTree>
+    <p:extLst>
+      <p:ext uri="{BB962C8B-B14F-4D97-AF65-F5344CB8AC3E}">
+        <p14:creationId xmlns:p14="http://schemas.microsoft.com/office/powerpoint/2010/main" val="1582821858"/>
+      </p:ext>
+    </p:extLst>
+  </p:cSld>
+  <p:clrMapOvr>
+    <a:masterClrMapping/>
+  </p:clrMapOvr>
+  <p:timing>
+    <p:tnLst>
+      <p:par>
+        <p:cTn id="1" dur="indefinite" restart="never" nodeType="tmRoot"/>
+      </p:par>
+    </p:tnLst>
+  </p:timing>
+</p:sld>
+</file>
+
+<file path=ppt/slides/slide32.xml><?xml version="1.0" encoding="utf-8"?>
+<p:sld xmlns:a="http://schemas.openxmlformats.org/drawingml/2006/main" xmlns:r="http://schemas.openxmlformats.org/officeDocument/2006/relationships" xmlns:p="http://schemas.openxmlformats.org/presentationml/2006/main">
+  <p:cSld>
+    <p:spTree>
+      <p:nvGrpSpPr>
+        <p:cNvPr id="1" name=""/>
+        <p:cNvGrpSpPr/>
+        <p:nvPr/>
+      </p:nvGrpSpPr>
+      <p:grpSpPr>
+        <a:xfrm>
+          <a:off x="0" y="0"/>
+          <a:ext cx="0" cy="0"/>
+          <a:chOff x="0" y="0"/>
+          <a:chExt cx="0" cy="0"/>
+        </a:xfrm>
+      </p:grpSpPr>
+      <p:sp>
+        <p:nvSpPr>
+          <p:cNvPr id="2" name="Title 1"/>
+          <p:cNvSpPr>
+            <a:spLocks noGrp="1"/>
+          </p:cNvSpPr>
+          <p:nvPr>
+            <p:ph type="title"/>
+          </p:nvPr>
+        </p:nvSpPr>
+        <p:spPr/>
+        <p:txBody>
+          <a:bodyPr/>
+          <a:lstStyle/>
+          <a:p>
+            <a:r>
+              <a:rPr lang="en-US" b="1" dirty="0" smtClean="0"/>
+              <a:t>Resolve nested data using </a:t>
+            </a:r>
+            <a:r>
+              <a:rPr lang="en-US" b="1" dirty="0" err="1" smtClean="0"/>
+              <a:t>api</a:t>
+            </a:r>
+            <a:r>
+              <a:rPr lang="en-US" b="1" dirty="0" smtClean="0"/>
+              <a:t> call</a:t>
+            </a:r>
+            <a:endParaRPr lang="en-US" b="1" dirty="0"/>
+          </a:p>
+        </p:txBody>
+      </p:sp>
+      <p:sp>
+        <p:nvSpPr>
+          <p:cNvPr id="3" name="Content Placeholder 2"/>
+          <p:cNvSpPr>
+            <a:spLocks noGrp="1"/>
+          </p:cNvSpPr>
+          <p:nvPr>
+            <p:ph idx="1"/>
+          </p:nvPr>
+        </p:nvSpPr>
+        <p:spPr/>
+        <p:txBody>
+          <a:bodyPr>
+            <a:normAutofit fontScale="55000" lnSpcReduction="20000"/>
+          </a:bodyPr>
+          <a:lstStyle/>
+          <a:p>
+            <a:pPr marL="0" indent="0">
+              <a:buNone/>
+            </a:pPr>
+            <a:r>
+              <a:rPr lang="en-US" dirty="0" err="1" smtClean="0"/>
+              <a:t>const</a:t>
+            </a:r>
+            <a:r>
+              <a:rPr lang="en-US" dirty="0" smtClean="0"/>
+              <a:t> </a:t>
+            </a:r>
+            <a:r>
+              <a:rPr lang="en-US" dirty="0" err="1" smtClean="0"/>
+              <a:t>UserType</a:t>
+            </a:r>
+            <a:r>
+              <a:rPr lang="en-US" dirty="0" smtClean="0"/>
+              <a:t> = new </a:t>
+            </a:r>
+            <a:r>
+              <a:rPr lang="en-US" dirty="0" err="1" smtClean="0"/>
+              <a:t>GraphQLObjectType</a:t>
+            </a:r>
+            <a:r>
+              <a:rPr lang="en-US" dirty="0" smtClean="0"/>
+              <a:t>({</a:t>
+            </a:r>
+          </a:p>
+          <a:p>
+            <a:pPr marL="0" indent="0">
+              <a:buNone/>
+            </a:pPr>
+            <a:r>
+              <a:rPr lang="en-US" dirty="0" smtClean="0"/>
+              <a:t>    name: 'User',</a:t>
+            </a:r>
+          </a:p>
+          <a:p>
+            <a:pPr marL="0" indent="0">
+              <a:buNone/>
+            </a:pPr>
+            <a:r>
+              <a:rPr lang="en-US" dirty="0" smtClean="0"/>
+              <a:t>    fields: {</a:t>
+            </a:r>
+          </a:p>
+          <a:p>
+            <a:pPr marL="0" indent="0">
+              <a:buNone/>
+            </a:pPr>
+            <a:r>
+              <a:rPr lang="en-US" dirty="0" smtClean="0"/>
+              <a:t>        id: { type: </a:t>
+            </a:r>
+            <a:r>
+              <a:rPr lang="en-US" dirty="0" err="1" smtClean="0"/>
+              <a:t>GraphQLString</a:t>
+            </a:r>
+            <a:r>
+              <a:rPr lang="en-US" dirty="0" smtClean="0"/>
+              <a:t> },</a:t>
+            </a:r>
+          </a:p>
+          <a:p>
+            <a:pPr marL="0" indent="0">
+              <a:buNone/>
+            </a:pPr>
+            <a:r>
+              <a:rPr lang="en-US" dirty="0" smtClean="0"/>
+              <a:t>        </a:t>
+            </a:r>
+            <a:r>
+              <a:rPr lang="en-US" dirty="0" err="1" smtClean="0"/>
+              <a:t>firstName</a:t>
+            </a:r>
+            <a:r>
+              <a:rPr lang="en-US" dirty="0" smtClean="0"/>
+              <a:t>: { type: </a:t>
+            </a:r>
+            <a:r>
+              <a:rPr lang="en-US" dirty="0" err="1" smtClean="0"/>
+              <a:t>GraphQLString</a:t>
+            </a:r>
+            <a:r>
+              <a:rPr lang="en-US" dirty="0" smtClean="0"/>
+              <a:t> },</a:t>
+            </a:r>
+          </a:p>
+          <a:p>
+            <a:pPr marL="0" indent="0">
+              <a:buNone/>
+            </a:pPr>
+            <a:r>
+              <a:rPr lang="en-US" dirty="0" smtClean="0"/>
+              <a:t>        age: { type: </a:t>
+            </a:r>
+            <a:r>
+              <a:rPr lang="en-US" dirty="0" err="1" smtClean="0"/>
+              <a:t>GraphQLInt</a:t>
+            </a:r>
+            <a:r>
+              <a:rPr lang="en-US" dirty="0" smtClean="0"/>
+              <a:t> },</a:t>
+            </a:r>
+          </a:p>
+          <a:p>
+            <a:pPr marL="0" indent="0">
+              <a:buNone/>
+            </a:pPr>
+            <a:r>
+              <a:rPr lang="en-US" dirty="0" smtClean="0"/>
+              <a:t>        company: {</a:t>
+            </a:r>
+          </a:p>
+          <a:p>
+            <a:pPr marL="0" indent="0">
+              <a:buNone/>
+            </a:pPr>
+            <a:r>
+              <a:rPr lang="en-US" dirty="0" smtClean="0"/>
+              <a:t>            type: </a:t>
+            </a:r>
+            <a:r>
+              <a:rPr lang="en-US" dirty="0" err="1" smtClean="0"/>
+              <a:t>CompanyType</a:t>
+            </a:r>
+            <a:r>
+              <a:rPr lang="en-US" dirty="0" smtClean="0"/>
+              <a:t>,</a:t>
+            </a:r>
+          </a:p>
+          <a:p>
+            <a:pPr marL="0" indent="0">
+              <a:buNone/>
+            </a:pPr>
+            <a:r>
+              <a:rPr lang="en-US" dirty="0" smtClean="0"/>
+              <a:t>            resolve(</a:t>
+            </a:r>
+            <a:r>
+              <a:rPr lang="en-US" dirty="0" err="1" smtClean="0"/>
+              <a:t>parentValue</a:t>
+            </a:r>
+            <a:r>
+              <a:rPr lang="en-US" dirty="0" smtClean="0"/>
+              <a:t>, </a:t>
+            </a:r>
+            <a:r>
+              <a:rPr lang="en-US" dirty="0" err="1" smtClean="0"/>
+              <a:t>args</a:t>
+            </a:r>
+            <a:r>
+              <a:rPr lang="en-US" dirty="0" smtClean="0"/>
+              <a:t>) {</a:t>
+            </a:r>
+          </a:p>
+          <a:p>
+            <a:pPr marL="0" indent="0">
+              <a:buNone/>
+            </a:pPr>
+            <a:r>
+              <a:rPr lang="en-US" dirty="0" smtClean="0"/>
+              <a:t>                return </a:t>
+            </a:r>
+            <a:r>
+              <a:rPr lang="en-US" dirty="0" err="1" smtClean="0"/>
+              <a:t>axios.get</a:t>
+            </a:r>
+            <a:r>
+              <a:rPr lang="en-US" dirty="0" smtClean="0"/>
+              <a:t>(`http://localhost:3000/companies/${</a:t>
+            </a:r>
+            <a:r>
+              <a:rPr lang="en-US" dirty="0" err="1" smtClean="0"/>
+              <a:t>parentValue.companyId</a:t>
+            </a:r>
+            <a:r>
+              <a:rPr lang="en-US" dirty="0" smtClean="0"/>
+              <a:t>}`)</a:t>
+            </a:r>
+          </a:p>
+          <a:p>
+            <a:pPr marL="0" indent="0">
+              <a:buNone/>
+            </a:pPr>
+            <a:r>
+              <a:rPr lang="en-US" dirty="0" smtClean="0"/>
+              <a:t>                    .then(response =&gt; </a:t>
+            </a:r>
+            <a:r>
+              <a:rPr lang="en-US" dirty="0" err="1" smtClean="0"/>
+              <a:t>response.data</a:t>
+            </a:r>
+            <a:r>
+              <a:rPr lang="en-US" dirty="0" smtClean="0"/>
+              <a:t>);</a:t>
+            </a:r>
+          </a:p>
+          <a:p>
+            <a:pPr marL="0" indent="0">
+              <a:buNone/>
+            </a:pPr>
+            <a:r>
+              <a:rPr lang="en-US" dirty="0" smtClean="0"/>
+              <a:t>            }</a:t>
+            </a:r>
+          </a:p>
+          <a:p>
+            <a:pPr marL="0" indent="0">
+              <a:buNone/>
+            </a:pPr>
+            <a:r>
+              <a:rPr lang="en-US" dirty="0" smtClean="0"/>
+              <a:t>        }</a:t>
+            </a:r>
+          </a:p>
+          <a:p>
+            <a:pPr marL="0" indent="0">
+              <a:buNone/>
+            </a:pPr>
+            <a:r>
+              <a:rPr lang="en-US" dirty="0" smtClean="0"/>
+              <a:t>    }</a:t>
+            </a:r>
+          </a:p>
+          <a:p>
+            <a:pPr marL="0" indent="0">
+              <a:buNone/>
+            </a:pPr>
+            <a:r>
+              <a:rPr lang="en-US" dirty="0" smtClean="0"/>
+              <a:t>});</a:t>
+            </a:r>
+          </a:p>
+          <a:p>
+            <a:pPr marL="0" indent="0">
+              <a:buNone/>
+            </a:pPr>
+            <a:endParaRPr lang="en-US" dirty="0"/>
+          </a:p>
+        </p:txBody>
+      </p:sp>
+    </p:spTree>
+    <p:extLst>
+      <p:ext uri="{BB962C8B-B14F-4D97-AF65-F5344CB8AC3E}">
+        <p14:creationId xmlns:p14="http://schemas.microsoft.com/office/powerpoint/2010/main" val="3145032609"/>
+      </p:ext>
+    </p:extLst>
+  </p:cSld>
+  <p:clrMapOvr>
+    <a:masterClrMapping/>
+  </p:clrMapOvr>
+  <p:timing>
+    <p:tnLst>
+      <p:par>
+        <p:cTn id="1" dur="indefinite" restart="never" nodeType="tmRoot"/>
+      </p:par>
+    </p:tnLst>
+  </p:timing>
+</p:sld>
+</file>
+
+<file path=ppt/slides/slide33.xml><?xml version="1.0" encoding="utf-8"?>
+<p:sld xmlns:a="http://schemas.openxmlformats.org/drawingml/2006/main" xmlns:r="http://schemas.openxmlformats.org/officeDocument/2006/relationships" xmlns:p="http://schemas.openxmlformats.org/presentationml/2006/main">
+  <p:cSld>
+    <p:spTree>
+      <p:nvGrpSpPr>
+        <p:cNvPr id="1" name=""/>
+        <p:cNvGrpSpPr/>
+        <p:nvPr/>
+      </p:nvGrpSpPr>
+      <p:grpSpPr>
+        <a:xfrm>
+          <a:off x="0" y="0"/>
+          <a:ext cx="0" cy="0"/>
+          <a:chOff x="0" y="0"/>
+          <a:chExt cx="0" cy="0"/>
+        </a:xfrm>
+      </p:grpSpPr>
+      <p:sp>
+        <p:nvSpPr>
+          <p:cNvPr id="2" name="Title 1"/>
+          <p:cNvSpPr>
+            <a:spLocks noGrp="1"/>
+          </p:cNvSpPr>
+          <p:nvPr>
+            <p:ph type="title"/>
+          </p:nvPr>
+        </p:nvSpPr>
+        <p:spPr/>
+        <p:txBody>
+          <a:bodyPr/>
+          <a:lstStyle/>
+          <a:p>
+            <a:r>
+              <a:rPr lang="en-US" b="1" dirty="0" smtClean="0"/>
+              <a:t>Nested Query</a:t>
+            </a:r>
+            <a:endParaRPr lang="en-US" b="1" dirty="0"/>
+          </a:p>
+        </p:txBody>
+      </p:sp>
+      <p:sp>
+        <p:nvSpPr>
+          <p:cNvPr id="3" name="Content Placeholder 2"/>
+          <p:cNvSpPr>
+            <a:spLocks noGrp="1"/>
+          </p:cNvSpPr>
+          <p:nvPr>
+            <p:ph idx="1"/>
+          </p:nvPr>
+        </p:nvSpPr>
+        <p:spPr/>
+        <p:txBody>
+          <a:bodyPr>
+            <a:normAutofit fontScale="92500" lnSpcReduction="20000"/>
+          </a:bodyPr>
+          <a:lstStyle/>
+          <a:p>
+            <a:pPr marL="0" indent="0">
+              <a:buNone/>
+            </a:pPr>
+            <a:r>
+              <a:rPr lang="en-US" dirty="0" smtClean="0"/>
+              <a:t>{</a:t>
+            </a:r>
+          </a:p>
+          <a:p>
+            <a:pPr marL="0" indent="0">
+              <a:buNone/>
+            </a:pPr>
+            <a:r>
+              <a:rPr lang="en-US" dirty="0" smtClean="0"/>
+              <a:t>  </a:t>
+            </a:r>
+          </a:p>
+          <a:p>
+            <a:pPr marL="0" indent="0">
+              <a:buNone/>
+            </a:pPr>
+            <a:r>
+              <a:rPr lang="en-US" dirty="0" smtClean="0"/>
+              <a:t>  user(id:"1"){</a:t>
+            </a:r>
+          </a:p>
+          <a:p>
+            <a:pPr marL="0" indent="0">
+              <a:buNone/>
+            </a:pPr>
+            <a:r>
+              <a:rPr lang="en-US" dirty="0" smtClean="0"/>
+              <a:t>    </a:t>
+            </a:r>
+            <a:r>
+              <a:rPr lang="en-US" dirty="0" err="1" smtClean="0"/>
+              <a:t>firstName</a:t>
+            </a:r>
+            <a:r>
+              <a:rPr lang="en-US" dirty="0" smtClean="0"/>
+              <a:t>,</a:t>
+            </a:r>
+          </a:p>
+          <a:p>
+            <a:pPr marL="0" indent="0">
+              <a:buNone/>
+            </a:pPr>
+            <a:r>
+              <a:rPr lang="en-US" dirty="0" smtClean="0"/>
+              <a:t>    age,</a:t>
+            </a:r>
+          </a:p>
+          <a:p>
+            <a:pPr marL="0" indent="0">
+              <a:buNone/>
+            </a:pPr>
+            <a:r>
+              <a:rPr lang="en-US" dirty="0" smtClean="0"/>
+              <a:t>    company {</a:t>
+            </a:r>
+          </a:p>
+          <a:p>
+            <a:pPr marL="0" indent="0">
+              <a:buNone/>
+            </a:pPr>
+            <a:r>
+              <a:rPr lang="en-US" dirty="0" smtClean="0"/>
+              <a:t>      name</a:t>
+            </a:r>
+          </a:p>
+          <a:p>
+            <a:pPr marL="0" indent="0">
+              <a:buNone/>
+            </a:pPr>
+            <a:r>
+              <a:rPr lang="en-US" dirty="0" smtClean="0"/>
+              <a:t>    }</a:t>
+            </a:r>
+          </a:p>
+          <a:p>
+            <a:pPr marL="0" indent="0">
+              <a:buNone/>
+            </a:pPr>
+            <a:r>
+              <a:rPr lang="en-US" dirty="0" smtClean="0"/>
+              <a:t>  }</a:t>
+            </a:r>
+          </a:p>
+          <a:p>
+            <a:pPr marL="0" indent="0">
+              <a:buNone/>
+            </a:pPr>
+            <a:r>
+              <a:rPr lang="en-US" dirty="0" smtClean="0"/>
+              <a:t>} </a:t>
+            </a:r>
+            <a:endParaRPr lang="en-US" dirty="0"/>
+          </a:p>
+        </p:txBody>
+      </p:sp>
+    </p:spTree>
+    <p:extLst>
+      <p:ext uri="{BB962C8B-B14F-4D97-AF65-F5344CB8AC3E}">
+        <p14:creationId xmlns:p14="http://schemas.microsoft.com/office/powerpoint/2010/main" val="3605114579"/>
+      </p:ext>
+    </p:extLst>
+  </p:cSld>
+  <p:clrMapOvr>
+    <a:masterClrMapping/>
+  </p:clrMapOvr>
+  <p:timing>
+    <p:tnLst>
+      <p:par>
+        <p:cTn id="1" dur="indefinite" restart="never" nodeType="tmRoot"/>
+      </p:par>
+    </p:tnLst>
+  </p:timing>
+</p:sld>
+</file>
+
+<file path=ppt/slides/slide34.xml><?xml version="1.0" encoding="utf-8"?>
+<p:sld xmlns:a="http://schemas.openxmlformats.org/drawingml/2006/main" xmlns:r="http://schemas.openxmlformats.org/officeDocument/2006/relationships" xmlns:p="http://schemas.openxmlformats.org/presentationml/2006/main">
+  <p:cSld>
+    <p:spTree>
+      <p:nvGrpSpPr>
+        <p:cNvPr id="1" name=""/>
+        <p:cNvGrpSpPr/>
+        <p:nvPr/>
+      </p:nvGrpSpPr>
+      <p:grpSpPr>
+        <a:xfrm>
+          <a:off x="0" y="0"/>
+          <a:ext cx="0" cy="0"/>
+          <a:chOff x="0" y="0"/>
+          <a:chExt cx="0" cy="0"/>
+        </a:xfrm>
+      </p:grpSpPr>
+      <p:sp>
+        <p:nvSpPr>
+          <p:cNvPr id="2" name="Title 1"/>
+          <p:cNvSpPr>
+            <a:spLocks noGrp="1"/>
+          </p:cNvSpPr>
+          <p:nvPr>
+            <p:ph type="title"/>
+          </p:nvPr>
+        </p:nvSpPr>
+        <p:spPr/>
+        <p:txBody>
+          <a:bodyPr/>
+          <a:lstStyle/>
+          <a:p>
+            <a:r>
+              <a:rPr lang="en-US" b="1" dirty="0" smtClean="0"/>
+              <a:t>Add fields to root query</a:t>
+            </a:r>
+            <a:endParaRPr lang="en-US" b="1" dirty="0"/>
+          </a:p>
+        </p:txBody>
+      </p:sp>
+      <p:sp>
+        <p:nvSpPr>
+          <p:cNvPr id="3" name="Content Placeholder 2"/>
+          <p:cNvSpPr>
+            <a:spLocks noGrp="1"/>
+          </p:cNvSpPr>
+          <p:nvPr>
+            <p:ph idx="1"/>
+          </p:nvPr>
+        </p:nvSpPr>
+        <p:spPr/>
+        <p:txBody>
+          <a:bodyPr>
+            <a:normAutofit lnSpcReduction="10000"/>
+          </a:bodyPr>
+          <a:lstStyle/>
+          <a:p>
+            <a:pPr marL="0" indent="0">
+              <a:buNone/>
+            </a:pPr>
+            <a:r>
+              <a:rPr lang="en-US" dirty="0" smtClean="0"/>
+              <a:t> company: {</a:t>
+            </a:r>
+          </a:p>
+          <a:p>
+            <a:pPr marL="0" indent="0">
+              <a:buNone/>
+            </a:pPr>
+            <a:r>
+              <a:rPr lang="en-US" dirty="0" smtClean="0"/>
+              <a:t>            type: </a:t>
+            </a:r>
+            <a:r>
+              <a:rPr lang="en-US" dirty="0" err="1" smtClean="0"/>
+              <a:t>CompanyType</a:t>
+            </a:r>
+            <a:r>
+              <a:rPr lang="en-US" dirty="0" smtClean="0"/>
+              <a:t>,</a:t>
+            </a:r>
+          </a:p>
+          <a:p>
+            <a:pPr marL="0" indent="0">
+              <a:buNone/>
+            </a:pPr>
+            <a:r>
+              <a:rPr lang="en-US" dirty="0" smtClean="0"/>
+              <a:t>            </a:t>
+            </a:r>
+            <a:r>
+              <a:rPr lang="en-US" dirty="0" err="1" smtClean="0"/>
+              <a:t>args</a:t>
+            </a:r>
+            <a:r>
+              <a:rPr lang="en-US" dirty="0" smtClean="0"/>
+              <a:t>: { id: { type: </a:t>
+            </a:r>
+            <a:r>
+              <a:rPr lang="en-US" dirty="0" err="1" smtClean="0"/>
+              <a:t>GraphQLString</a:t>
+            </a:r>
+            <a:r>
+              <a:rPr lang="en-US" dirty="0" smtClean="0"/>
+              <a:t> } },</a:t>
+            </a:r>
+          </a:p>
+          <a:p>
+            <a:pPr marL="0" indent="0">
+              <a:buNone/>
+            </a:pPr>
+            <a:r>
+              <a:rPr lang="en-US" dirty="0" smtClean="0"/>
+              <a:t>            resolve(</a:t>
+            </a:r>
+            <a:r>
+              <a:rPr lang="en-US" dirty="0" err="1" smtClean="0"/>
+              <a:t>parentValue</a:t>
+            </a:r>
+            <a:r>
+              <a:rPr lang="en-US" dirty="0" smtClean="0"/>
+              <a:t>, </a:t>
+            </a:r>
+            <a:r>
+              <a:rPr lang="en-US" dirty="0" err="1" smtClean="0"/>
+              <a:t>args</a:t>
+            </a:r>
+            <a:r>
+              <a:rPr lang="en-US" dirty="0" smtClean="0"/>
+              <a:t>) {</a:t>
+            </a:r>
+          </a:p>
+          <a:p>
+            <a:pPr marL="0" indent="0">
+              <a:buNone/>
+            </a:pPr>
+            <a:r>
+              <a:rPr lang="en-US" dirty="0" smtClean="0"/>
+              <a:t>                //return _.find(users, { id: args.id });</a:t>
+            </a:r>
+          </a:p>
+          <a:p>
+            <a:pPr marL="0" indent="0">
+              <a:buNone/>
+            </a:pPr>
+            <a:r>
+              <a:rPr lang="en-US" dirty="0" smtClean="0"/>
+              <a:t>                return </a:t>
+            </a:r>
+            <a:r>
+              <a:rPr lang="en-US" dirty="0" err="1" smtClean="0"/>
+              <a:t>axios.get</a:t>
+            </a:r>
+            <a:r>
+              <a:rPr lang="en-US" dirty="0" smtClean="0"/>
+              <a:t>(`http://localhost:3000/companies/${args.id}`)</a:t>
+            </a:r>
+          </a:p>
+          <a:p>
+            <a:pPr marL="0" indent="0">
+              <a:buNone/>
+            </a:pPr>
+            <a:r>
+              <a:rPr lang="en-US" dirty="0" smtClean="0"/>
+              <a:t>                    .then(response =&gt; </a:t>
+            </a:r>
+            <a:r>
+              <a:rPr lang="en-US" dirty="0" err="1" smtClean="0"/>
+              <a:t>response.data</a:t>
+            </a:r>
+            <a:r>
+              <a:rPr lang="en-US" dirty="0" smtClean="0"/>
+              <a:t>);</a:t>
+            </a:r>
+          </a:p>
+          <a:p>
+            <a:pPr marL="0" indent="0">
+              <a:buNone/>
+            </a:pPr>
+            <a:r>
+              <a:rPr lang="en-US" dirty="0" smtClean="0"/>
+              <a:t>            }</a:t>
+            </a:r>
+          </a:p>
+          <a:p>
+            <a:pPr marL="0" indent="0">
+              <a:buNone/>
+            </a:pPr>
+            <a:r>
+              <a:rPr lang="en-US" dirty="0" smtClean="0"/>
+              <a:t>        }</a:t>
+            </a:r>
+            <a:endParaRPr lang="en-US" dirty="0"/>
+          </a:p>
+        </p:txBody>
+      </p:sp>
+    </p:spTree>
+    <p:extLst>
+      <p:ext uri="{BB962C8B-B14F-4D97-AF65-F5344CB8AC3E}">
+        <p14:creationId xmlns:p14="http://schemas.microsoft.com/office/powerpoint/2010/main" val="2105579787"/>
+      </p:ext>
+    </p:extLst>
+  </p:cSld>
+  <p:clrMapOvr>
+    <a:masterClrMapping/>
+  </p:clrMapOvr>
+  <p:timing>
+    <p:tnLst>
+      <p:par>
+        <p:cTn id="1" dur="indefinite" restart="never" nodeType="tmRoot"/>
+      </p:par>
+    </p:tnLst>
+  </p:timing>
+</p:sld>
+</file>
+
+<file path=ppt/slides/slide35.xml><?xml version="1.0" encoding="utf-8"?>
+<p:sld xmlns:a="http://schemas.openxmlformats.org/drawingml/2006/main" xmlns:r="http://schemas.openxmlformats.org/officeDocument/2006/relationships" xmlns:p="http://schemas.openxmlformats.org/presentationml/2006/main">
+  <p:cSld>
+    <p:spTree>
+      <p:nvGrpSpPr>
+        <p:cNvPr id="1" name=""/>
+        <p:cNvGrpSpPr/>
+        <p:nvPr/>
+      </p:nvGrpSpPr>
+      <p:grpSpPr>
+        <a:xfrm>
+          <a:off x="0" y="0"/>
+          <a:ext cx="0" cy="0"/>
+          <a:chOff x="0" y="0"/>
+          <a:chExt cx="0" cy="0"/>
+        </a:xfrm>
+      </p:grpSpPr>
+      <p:sp>
+        <p:nvSpPr>
+          <p:cNvPr id="2" name="Title 1"/>
+          <p:cNvSpPr>
+            <a:spLocks noGrp="1"/>
+          </p:cNvSpPr>
+          <p:nvPr>
+            <p:ph type="title"/>
+          </p:nvPr>
+        </p:nvSpPr>
+        <p:spPr/>
+        <p:txBody>
+          <a:bodyPr/>
+          <a:lstStyle/>
+          <a:p>
+            <a:r>
+              <a:rPr lang="en-US" b="1" dirty="0" smtClean="0"/>
+              <a:t>Bidirectional mapping</a:t>
+            </a:r>
+            <a:endParaRPr lang="en-US" b="1" dirty="0"/>
+          </a:p>
+        </p:txBody>
+      </p:sp>
+      <p:sp>
+        <p:nvSpPr>
+          <p:cNvPr id="3" name="Content Placeholder 2"/>
+          <p:cNvSpPr>
+            <a:spLocks noGrp="1"/>
+          </p:cNvSpPr>
+          <p:nvPr>
+            <p:ph idx="1"/>
+          </p:nvPr>
+        </p:nvSpPr>
+        <p:spPr/>
+        <p:txBody>
+          <a:bodyPr>
+            <a:normAutofit fontScale="55000" lnSpcReduction="20000"/>
+          </a:bodyPr>
+          <a:lstStyle/>
+          <a:p>
+            <a:pPr marL="0" indent="0">
+              <a:buNone/>
+            </a:pPr>
+            <a:r>
+              <a:rPr lang="en-US" dirty="0" err="1" smtClean="0"/>
+              <a:t>const</a:t>
+            </a:r>
+            <a:r>
+              <a:rPr lang="en-US" dirty="0" smtClean="0"/>
+              <a:t> </a:t>
+            </a:r>
+            <a:r>
+              <a:rPr lang="en-US" dirty="0" err="1" smtClean="0"/>
+              <a:t>CompanyType</a:t>
+            </a:r>
+            <a:r>
+              <a:rPr lang="en-US" dirty="0" smtClean="0"/>
+              <a:t> = new </a:t>
+            </a:r>
+            <a:r>
+              <a:rPr lang="en-US" dirty="0" err="1" smtClean="0"/>
+              <a:t>GraphQLObjectType</a:t>
+            </a:r>
+            <a:r>
+              <a:rPr lang="en-US" dirty="0" smtClean="0"/>
+              <a:t>({</a:t>
+            </a:r>
+          </a:p>
+          <a:p>
+            <a:pPr marL="0" indent="0">
+              <a:buNone/>
+            </a:pPr>
+            <a:r>
+              <a:rPr lang="en-US" dirty="0" smtClean="0"/>
+              <a:t>    name: 'Company',</a:t>
+            </a:r>
+          </a:p>
+          <a:p>
+            <a:pPr marL="0" indent="0">
+              <a:buNone/>
+            </a:pPr>
+            <a:r>
+              <a:rPr lang="en-US" dirty="0" smtClean="0"/>
+              <a:t>    fields: () =&gt; ({  // Closures to solve circular references issue</a:t>
+            </a:r>
+          </a:p>
+          <a:p>
+            <a:pPr marL="0" indent="0">
+              <a:buNone/>
+            </a:pPr>
+            <a:r>
+              <a:rPr lang="en-US" dirty="0" smtClean="0"/>
+              <a:t>        id: { type: </a:t>
+            </a:r>
+            <a:r>
+              <a:rPr lang="en-US" dirty="0" err="1" smtClean="0"/>
+              <a:t>GraphQLString</a:t>
+            </a:r>
+            <a:r>
+              <a:rPr lang="en-US" dirty="0" smtClean="0"/>
+              <a:t> },</a:t>
+            </a:r>
+          </a:p>
+          <a:p>
+            <a:pPr marL="0" indent="0">
+              <a:buNone/>
+            </a:pPr>
+            <a:r>
+              <a:rPr lang="en-US" dirty="0" smtClean="0"/>
+              <a:t>        name: { type: </a:t>
+            </a:r>
+            <a:r>
+              <a:rPr lang="en-US" dirty="0" err="1" smtClean="0"/>
+              <a:t>GraphQLString</a:t>
+            </a:r>
+            <a:r>
+              <a:rPr lang="en-US" dirty="0" smtClean="0"/>
+              <a:t> },</a:t>
+            </a:r>
+          </a:p>
+          <a:p>
+            <a:pPr marL="0" indent="0">
+              <a:buNone/>
+            </a:pPr>
+            <a:r>
+              <a:rPr lang="en-US" dirty="0" smtClean="0"/>
+              <a:t>        description: { type: </a:t>
+            </a:r>
+            <a:r>
+              <a:rPr lang="en-US" dirty="0" err="1" smtClean="0"/>
+              <a:t>GraphQLString</a:t>
+            </a:r>
+            <a:r>
+              <a:rPr lang="en-US" dirty="0" smtClean="0"/>
+              <a:t> },</a:t>
+            </a:r>
+          </a:p>
+          <a:p>
+            <a:pPr marL="0" indent="0">
+              <a:buNone/>
+            </a:pPr>
+            <a:r>
+              <a:rPr lang="en-US" dirty="0" smtClean="0"/>
+              <a:t>        users: {</a:t>
+            </a:r>
+          </a:p>
+          <a:p>
+            <a:pPr marL="0" indent="0">
+              <a:buNone/>
+            </a:pPr>
+            <a:r>
+              <a:rPr lang="en-US" dirty="0" smtClean="0"/>
+              <a:t>            type: new </a:t>
+            </a:r>
+            <a:r>
+              <a:rPr lang="en-US" dirty="0" err="1" smtClean="0"/>
+              <a:t>GraphQLList</a:t>
+            </a:r>
+            <a:r>
+              <a:rPr lang="en-US" dirty="0" smtClean="0"/>
+              <a:t>(</a:t>
+            </a:r>
+            <a:r>
+              <a:rPr lang="en-US" dirty="0" err="1" smtClean="0"/>
+              <a:t>UserType</a:t>
+            </a:r>
+            <a:r>
+              <a:rPr lang="en-US" dirty="0" smtClean="0"/>
+              <a:t>),</a:t>
+            </a:r>
+          </a:p>
+          <a:p>
+            <a:pPr marL="0" indent="0">
+              <a:buNone/>
+            </a:pPr>
+            <a:r>
+              <a:rPr lang="en-US" dirty="0" smtClean="0"/>
+              <a:t>            resolve(</a:t>
+            </a:r>
+            <a:r>
+              <a:rPr lang="en-US" dirty="0" err="1" smtClean="0"/>
+              <a:t>parentValue</a:t>
+            </a:r>
+            <a:r>
+              <a:rPr lang="en-US" dirty="0" smtClean="0"/>
+              <a:t>, </a:t>
+            </a:r>
+            <a:r>
+              <a:rPr lang="en-US" dirty="0" err="1" smtClean="0"/>
+              <a:t>args</a:t>
+            </a:r>
+            <a:r>
+              <a:rPr lang="en-US" dirty="0" smtClean="0"/>
+              <a:t>) {</a:t>
+            </a:r>
+          </a:p>
+          <a:p>
+            <a:pPr marL="0" indent="0">
+              <a:buNone/>
+            </a:pPr>
+            <a:r>
+              <a:rPr lang="en-US" dirty="0" smtClean="0"/>
+              <a:t>                return </a:t>
+            </a:r>
+            <a:r>
+              <a:rPr lang="en-US" dirty="0" err="1" smtClean="0"/>
+              <a:t>axios.get</a:t>
+            </a:r>
+            <a:r>
+              <a:rPr lang="en-US" dirty="0" smtClean="0"/>
+              <a:t>(`http://localhost:3000/companies/${parentValue.id}/users`)</a:t>
+            </a:r>
+          </a:p>
+          <a:p>
+            <a:pPr marL="0" indent="0">
+              <a:buNone/>
+            </a:pPr>
+            <a:r>
+              <a:rPr lang="en-US" dirty="0" smtClean="0"/>
+              <a:t>                    .then(response =&gt; </a:t>
+            </a:r>
+            <a:r>
+              <a:rPr lang="en-US" dirty="0" err="1" smtClean="0"/>
+              <a:t>response.data</a:t>
+            </a:r>
+            <a:r>
+              <a:rPr lang="en-US" dirty="0" smtClean="0"/>
+              <a:t>);</a:t>
+            </a:r>
+          </a:p>
+          <a:p>
+            <a:pPr marL="0" indent="0">
+              <a:buNone/>
+            </a:pPr>
+            <a:r>
+              <a:rPr lang="en-US" dirty="0" smtClean="0"/>
+              <a:t>            }</a:t>
+            </a:r>
+          </a:p>
+          <a:p>
+            <a:pPr marL="0" indent="0">
+              <a:buNone/>
+            </a:pPr>
+            <a:r>
+              <a:rPr lang="en-US" dirty="0" smtClean="0"/>
+              <a:t>        }</a:t>
+            </a:r>
+          </a:p>
+          <a:p>
+            <a:pPr marL="0" indent="0">
+              <a:buNone/>
+            </a:pPr>
+            <a:r>
+              <a:rPr lang="en-US" dirty="0" smtClean="0"/>
+              <a:t>    })</a:t>
+            </a:r>
+          </a:p>
+          <a:p>
+            <a:pPr marL="0" indent="0">
+              <a:buNone/>
+            </a:pPr>
+            <a:r>
+              <a:rPr lang="en-US" dirty="0" smtClean="0"/>
+              <a:t>});</a:t>
+            </a:r>
+            <a:endParaRPr lang="en-US" dirty="0"/>
+          </a:p>
+        </p:txBody>
+      </p:sp>
+    </p:spTree>
+    <p:extLst>
+      <p:ext uri="{BB962C8B-B14F-4D97-AF65-F5344CB8AC3E}">
+        <p14:creationId xmlns:p14="http://schemas.microsoft.com/office/powerpoint/2010/main" val="3800380749"/>
+      </p:ext>
+    </p:extLst>
+  </p:cSld>
+  <p:clrMapOvr>
+    <a:masterClrMapping/>
+  </p:clrMapOvr>
+  <p:timing>
+    <p:tnLst>
+      <p:par>
+        <p:cTn id="1" dur="indefinite" restart="never" nodeType="tmRoot"/>
+      </p:par>
+    </p:tnLst>
+  </p:timing>
+</p:sld>
+</file>
+
+<file path=ppt/slides/slide36.xml><?xml version="1.0" encoding="utf-8"?>
+<p:sld xmlns:a="http://schemas.openxmlformats.org/drawingml/2006/main" xmlns:r="http://schemas.openxmlformats.org/officeDocument/2006/relationships" xmlns:p="http://schemas.openxmlformats.org/presentationml/2006/main">
+  <p:cSld>
+    <p:spTree>
+      <p:nvGrpSpPr>
+        <p:cNvPr id="1" name=""/>
+        <p:cNvGrpSpPr/>
+        <p:nvPr/>
+      </p:nvGrpSpPr>
+      <p:grpSpPr>
+        <a:xfrm>
+          <a:off x="0" y="0"/>
+          <a:ext cx="0" cy="0"/>
+          <a:chOff x="0" y="0"/>
+          <a:chExt cx="0" cy="0"/>
+        </a:xfrm>
+      </p:grpSpPr>
+      <p:sp>
+        <p:nvSpPr>
+          <p:cNvPr id="2" name="Title 1"/>
+          <p:cNvSpPr>
+            <a:spLocks noGrp="1"/>
+          </p:cNvSpPr>
+          <p:nvPr>
+            <p:ph type="title"/>
+          </p:nvPr>
+        </p:nvSpPr>
+        <p:spPr/>
+        <p:txBody>
+          <a:bodyPr/>
+          <a:lstStyle/>
+          <a:p>
+            <a:r>
+              <a:rPr lang="en-US" b="1" dirty="0" smtClean="0"/>
+              <a:t>Bidirectional Query</a:t>
+            </a:r>
+            <a:endParaRPr lang="en-US" b="1" dirty="0"/>
+          </a:p>
+        </p:txBody>
+      </p:sp>
+      <p:sp>
+        <p:nvSpPr>
+          <p:cNvPr id="3" name="Content Placeholder 2"/>
+          <p:cNvSpPr>
+            <a:spLocks noGrp="1"/>
+          </p:cNvSpPr>
+          <p:nvPr>
+            <p:ph idx="1"/>
+          </p:nvPr>
+        </p:nvSpPr>
+        <p:spPr/>
+        <p:txBody>
+          <a:bodyPr>
+            <a:normAutofit fontScale="55000" lnSpcReduction="20000"/>
+          </a:bodyPr>
+          <a:lstStyle/>
+          <a:p>
+            <a:pPr marL="0" indent="0">
+              <a:buNone/>
+            </a:pPr>
+            <a:r>
+              <a:rPr lang="en-US" dirty="0" smtClean="0"/>
+              <a:t>{</a:t>
+            </a:r>
+          </a:p>
+          <a:p>
+            <a:pPr marL="0" indent="0">
+              <a:buNone/>
+            </a:pPr>
+            <a:r>
+              <a:rPr lang="en-US" dirty="0" smtClean="0"/>
+              <a:t>  </a:t>
+            </a:r>
+          </a:p>
+          <a:p>
+            <a:pPr marL="0" indent="0">
+              <a:buNone/>
+            </a:pPr>
+            <a:r>
+              <a:rPr lang="en-US" dirty="0" smtClean="0"/>
+              <a:t>  company(id:"1"){</a:t>
+            </a:r>
+          </a:p>
+          <a:p>
+            <a:pPr marL="0" indent="0">
+              <a:buNone/>
+            </a:pPr>
+            <a:r>
+              <a:rPr lang="en-US" dirty="0" smtClean="0"/>
+              <a:t>    name,</a:t>
+            </a:r>
+          </a:p>
+          <a:p>
+            <a:pPr marL="0" indent="0">
+              <a:buNone/>
+            </a:pPr>
+            <a:r>
+              <a:rPr lang="en-US" dirty="0" smtClean="0"/>
+              <a:t>    users{</a:t>
+            </a:r>
+          </a:p>
+          <a:p>
+            <a:pPr marL="0" indent="0">
+              <a:buNone/>
+            </a:pPr>
+            <a:r>
+              <a:rPr lang="en-US" dirty="0" smtClean="0"/>
+              <a:t>      id,</a:t>
+            </a:r>
+          </a:p>
+          <a:p>
+            <a:pPr marL="0" indent="0">
+              <a:buNone/>
+            </a:pPr>
+            <a:r>
+              <a:rPr lang="en-US" dirty="0" smtClean="0"/>
+              <a:t>      company{</a:t>
+            </a:r>
+          </a:p>
+          <a:p>
+            <a:pPr marL="0" indent="0">
+              <a:buNone/>
+            </a:pPr>
+            <a:r>
+              <a:rPr lang="en-US" dirty="0" smtClean="0"/>
+              <a:t>        name</a:t>
+            </a:r>
+          </a:p>
+          <a:p>
+            <a:pPr marL="0" indent="0">
+              <a:buNone/>
+            </a:pPr>
+            <a:r>
+              <a:rPr lang="en-US" dirty="0" smtClean="0"/>
+              <a:t>        users{</a:t>
+            </a:r>
+          </a:p>
+          <a:p>
+            <a:pPr marL="0" indent="0">
+              <a:buNone/>
+            </a:pPr>
+            <a:r>
+              <a:rPr lang="en-US" dirty="0" smtClean="0"/>
+              <a:t>          id</a:t>
+            </a:r>
+          </a:p>
+          <a:p>
+            <a:pPr marL="0" indent="0">
+              <a:buNone/>
+            </a:pPr>
+            <a:r>
+              <a:rPr lang="en-US" dirty="0" smtClean="0"/>
+              <a:t>        }</a:t>
+            </a:r>
+          </a:p>
+          <a:p>
+            <a:pPr marL="0" indent="0">
+              <a:buNone/>
+            </a:pPr>
+            <a:r>
+              <a:rPr lang="en-US" dirty="0" smtClean="0"/>
+              <a:t>      }</a:t>
+            </a:r>
+          </a:p>
+          <a:p>
+            <a:pPr marL="0" indent="0">
+              <a:buNone/>
+            </a:pPr>
+            <a:r>
+              <a:rPr lang="en-US" dirty="0" smtClean="0"/>
+              <a:t>    }</a:t>
+            </a:r>
+          </a:p>
+          <a:p>
+            <a:pPr marL="0" indent="0">
+              <a:buNone/>
+            </a:pPr>
+            <a:r>
+              <a:rPr lang="en-US" dirty="0" smtClean="0"/>
+              <a:t>  }</a:t>
+            </a:r>
+          </a:p>
+          <a:p>
+            <a:pPr marL="0" indent="0">
+              <a:buNone/>
+            </a:pPr>
+            <a:r>
+              <a:rPr lang="en-US" dirty="0" smtClean="0"/>
+              <a:t>} </a:t>
+            </a:r>
+            <a:endParaRPr lang="en-US" dirty="0"/>
+          </a:p>
+        </p:txBody>
+      </p:sp>
+    </p:spTree>
+    <p:extLst>
+      <p:ext uri="{BB962C8B-B14F-4D97-AF65-F5344CB8AC3E}">
+        <p14:creationId xmlns:p14="http://schemas.microsoft.com/office/powerpoint/2010/main" val="3126438629"/>
+      </p:ext>
+    </p:extLst>
+  </p:cSld>
+  <p:clrMapOvr>
+    <a:masterClrMapping/>
+  </p:clrMapOvr>
+  <p:timing>
+    <p:tnLst>
+      <p:par>
+        <p:cTn id="1" dur="indefinite" restart="never" nodeType="tmRoot"/>
+      </p:par>
+    </p:tnLst>
+  </p:timing>
+</p:sld>
+</file>
+
+<file path=ppt/slides/slide37.xml><?xml version="1.0" encoding="utf-8"?>
+<p:sld xmlns:a="http://schemas.openxmlformats.org/drawingml/2006/main" xmlns:r="http://schemas.openxmlformats.org/officeDocument/2006/relationships" xmlns:p="http://schemas.openxmlformats.org/presentationml/2006/main">
+  <p:cSld>
+    <p:spTree>
+      <p:nvGrpSpPr>
+        <p:cNvPr id="1" name=""/>
+        <p:cNvGrpSpPr/>
+        <p:nvPr/>
+      </p:nvGrpSpPr>
+      <p:grpSpPr>
+        <a:xfrm>
+          <a:off x="0" y="0"/>
+          <a:ext cx="0" cy="0"/>
+          <a:chOff x="0" y="0"/>
+          <a:chExt cx="0" cy="0"/>
+        </a:xfrm>
+      </p:grpSpPr>
+      <p:sp>
+        <p:nvSpPr>
+          <p:cNvPr id="2" name="Title 1"/>
+          <p:cNvSpPr>
+            <a:spLocks noGrp="1"/>
+          </p:cNvSpPr>
+          <p:nvPr>
+            <p:ph type="title"/>
+          </p:nvPr>
+        </p:nvSpPr>
+        <p:spPr/>
+        <p:txBody>
+          <a:bodyPr/>
+          <a:lstStyle/>
+          <a:p>
+            <a:r>
+              <a:rPr lang="en-US" b="1" dirty="0" smtClean="0"/>
+              <a:t>Can have ‘query’ before  queries</a:t>
+            </a:r>
+            <a:endParaRPr lang="en-US" b="1" dirty="0"/>
+          </a:p>
+        </p:txBody>
+      </p:sp>
+      <p:sp>
+        <p:nvSpPr>
+          <p:cNvPr id="3" name="Content Placeholder 2"/>
+          <p:cNvSpPr>
+            <a:spLocks noGrp="1"/>
+          </p:cNvSpPr>
+          <p:nvPr>
+            <p:ph idx="1"/>
+          </p:nvPr>
+        </p:nvSpPr>
+        <p:spPr/>
+        <p:txBody>
+          <a:bodyPr/>
+          <a:lstStyle/>
+          <a:p>
+            <a:pPr marL="0" indent="0">
+              <a:buNone/>
+            </a:pPr>
+            <a:r>
+              <a:rPr lang="en-US" b="1" dirty="0" smtClean="0"/>
+              <a:t>query</a:t>
+            </a:r>
+            <a:r>
+              <a:rPr lang="en-US" dirty="0" smtClean="0"/>
+              <a:t> {</a:t>
+            </a:r>
+          </a:p>
+          <a:p>
+            <a:pPr marL="0" indent="0">
+              <a:buNone/>
+            </a:pPr>
+            <a:r>
+              <a:rPr lang="en-US" dirty="0" smtClean="0"/>
+              <a:t>  </a:t>
+            </a:r>
+            <a:r>
+              <a:rPr lang="en-US" dirty="0" smtClean="0"/>
+              <a:t>company(id:"1"){</a:t>
+            </a:r>
+          </a:p>
+          <a:p>
+            <a:pPr marL="0" indent="0">
+              <a:buNone/>
+            </a:pPr>
+            <a:r>
+              <a:rPr lang="en-US" dirty="0" smtClean="0"/>
+              <a:t>    name</a:t>
+            </a:r>
+          </a:p>
+          <a:p>
+            <a:pPr marL="0" indent="0">
+              <a:buNone/>
+            </a:pPr>
+            <a:r>
+              <a:rPr lang="en-US" dirty="0" smtClean="0"/>
+              <a:t>  }</a:t>
+            </a:r>
+          </a:p>
+          <a:p>
+            <a:pPr marL="0" indent="0">
+              <a:buNone/>
+            </a:pPr>
+            <a:r>
+              <a:rPr lang="en-US" dirty="0" smtClean="0"/>
+              <a:t>} </a:t>
+            </a:r>
+            <a:endParaRPr lang="en-US" dirty="0"/>
+          </a:p>
+        </p:txBody>
+      </p:sp>
+    </p:spTree>
+    <p:extLst>
+      <p:ext uri="{BB962C8B-B14F-4D97-AF65-F5344CB8AC3E}">
+        <p14:creationId xmlns:p14="http://schemas.microsoft.com/office/powerpoint/2010/main" val="446033419"/>
+      </p:ext>
+    </p:extLst>
+  </p:cSld>
+  <p:clrMapOvr>
+    <a:masterClrMapping/>
+  </p:clrMapOvr>
+  <p:timing>
+    <p:tnLst>
+      <p:par>
+        <p:cTn id="1" dur="indefinite" restart="never" nodeType="tmRoot"/>
+      </p:par>
+    </p:tnLst>
+  </p:timing>
+</p:sld>
+</file>
+
+<file path=ppt/slides/slide38.xml><?xml version="1.0" encoding="utf-8"?>
+<p:sld xmlns:a="http://schemas.openxmlformats.org/drawingml/2006/main" xmlns:r="http://schemas.openxmlformats.org/officeDocument/2006/relationships" xmlns:p="http://schemas.openxmlformats.org/presentationml/2006/main">
+  <p:cSld>
+    <p:spTree>
+      <p:nvGrpSpPr>
+        <p:cNvPr id="1" name=""/>
+        <p:cNvGrpSpPr/>
+        <p:nvPr/>
+      </p:nvGrpSpPr>
+      <p:grpSpPr>
+        <a:xfrm>
+          <a:off x="0" y="0"/>
+          <a:ext cx="0" cy="0"/>
+          <a:chOff x="0" y="0"/>
+          <a:chExt cx="0" cy="0"/>
+        </a:xfrm>
+      </p:grpSpPr>
+      <p:sp>
+        <p:nvSpPr>
+          <p:cNvPr id="2" name="Title 1"/>
+          <p:cNvSpPr>
+            <a:spLocks noGrp="1"/>
+          </p:cNvSpPr>
+          <p:nvPr>
+            <p:ph type="title"/>
+          </p:nvPr>
+        </p:nvSpPr>
+        <p:spPr/>
+        <p:txBody>
+          <a:bodyPr/>
+          <a:lstStyle/>
+          <a:p>
+            <a:r>
+              <a:rPr lang="en-US" b="1" dirty="0" smtClean="0"/>
+              <a:t>Can have name for queries</a:t>
+            </a:r>
+            <a:endParaRPr lang="en-US" b="1" dirty="0"/>
+          </a:p>
+        </p:txBody>
+      </p:sp>
+      <p:sp>
+        <p:nvSpPr>
+          <p:cNvPr id="3" name="Content Placeholder 2"/>
+          <p:cNvSpPr>
+            <a:spLocks noGrp="1"/>
+          </p:cNvSpPr>
+          <p:nvPr>
+            <p:ph idx="1"/>
+          </p:nvPr>
+        </p:nvSpPr>
+        <p:spPr/>
+        <p:txBody>
+          <a:bodyPr/>
+          <a:lstStyle/>
+          <a:p>
+            <a:pPr marL="0" indent="0">
+              <a:buNone/>
+            </a:pPr>
+            <a:r>
+              <a:rPr lang="en-US" b="1" dirty="0" smtClean="0"/>
+              <a:t>query</a:t>
+            </a:r>
+            <a:r>
+              <a:rPr lang="en-US" dirty="0" smtClean="0"/>
+              <a:t> </a:t>
+            </a:r>
+            <a:r>
+              <a:rPr lang="en-US" b="1" dirty="0" err="1" smtClean="0"/>
+              <a:t>getCompanyId</a:t>
+            </a:r>
+            <a:r>
+              <a:rPr lang="en-US" dirty="0" smtClean="0"/>
+              <a:t> {</a:t>
+            </a:r>
+          </a:p>
+          <a:p>
+            <a:pPr marL="0" indent="0">
+              <a:buNone/>
+            </a:pPr>
+            <a:r>
+              <a:rPr lang="en-US" dirty="0" smtClean="0"/>
+              <a:t>  </a:t>
+            </a:r>
+          </a:p>
+          <a:p>
+            <a:pPr marL="0" indent="0">
+              <a:buNone/>
+            </a:pPr>
+            <a:r>
+              <a:rPr lang="en-US" dirty="0" smtClean="0"/>
+              <a:t>  company(id:"1"){</a:t>
+            </a:r>
+          </a:p>
+          <a:p>
+            <a:pPr marL="0" indent="0">
+              <a:buNone/>
+            </a:pPr>
+            <a:r>
+              <a:rPr lang="en-US" dirty="0" smtClean="0"/>
+              <a:t>    name</a:t>
+            </a:r>
+          </a:p>
+          <a:p>
+            <a:pPr marL="0" indent="0">
+              <a:buNone/>
+            </a:pPr>
+            <a:r>
+              <a:rPr lang="en-US" dirty="0" smtClean="0"/>
+              <a:t>  }</a:t>
+            </a:r>
+          </a:p>
+          <a:p>
+            <a:pPr marL="0" indent="0">
+              <a:buNone/>
+            </a:pPr>
+            <a:r>
+              <a:rPr lang="en-US" dirty="0" smtClean="0"/>
+              <a:t>} </a:t>
+            </a:r>
+            <a:endParaRPr lang="en-US" dirty="0"/>
+          </a:p>
+        </p:txBody>
+      </p:sp>
+    </p:spTree>
+    <p:extLst>
+      <p:ext uri="{BB962C8B-B14F-4D97-AF65-F5344CB8AC3E}">
+        <p14:creationId xmlns:p14="http://schemas.microsoft.com/office/powerpoint/2010/main" val="4229844848"/>
+      </p:ext>
+    </p:extLst>
+  </p:cSld>
+  <p:clrMapOvr>
+    <a:masterClrMapping/>
+  </p:clrMapOvr>
+  <p:timing>
+    <p:tnLst>
+      <p:par>
+        <p:cTn id="1" dur="indefinite" restart="never" nodeType="tmRoot"/>
+      </p:par>
+    </p:tnLst>
+  </p:timing>
+</p:sld>
+</file>
+
+<file path=ppt/slides/slide39.xml><?xml version="1.0" encoding="utf-8"?>
+<p:sld xmlns:a="http://schemas.openxmlformats.org/drawingml/2006/main" xmlns:r="http://schemas.openxmlformats.org/officeDocument/2006/relationships" xmlns:p="http://schemas.openxmlformats.org/presentationml/2006/main">
+  <p:cSld>
+    <p:spTree>
+      <p:nvGrpSpPr>
+        <p:cNvPr id="1" name=""/>
+        <p:cNvGrpSpPr/>
+        <p:nvPr/>
+      </p:nvGrpSpPr>
+      <p:grpSpPr>
+        <a:xfrm>
+          <a:off x="0" y="0"/>
+          <a:ext cx="0" cy="0"/>
+          <a:chOff x="0" y="0"/>
+          <a:chExt cx="0" cy="0"/>
+        </a:xfrm>
+      </p:grpSpPr>
+      <p:sp>
+        <p:nvSpPr>
+          <p:cNvPr id="2" name="Title 1"/>
+          <p:cNvSpPr>
+            <a:spLocks noGrp="1"/>
+          </p:cNvSpPr>
+          <p:nvPr>
+            <p:ph type="title"/>
+          </p:nvPr>
+        </p:nvSpPr>
+        <p:spPr/>
+        <p:txBody>
+          <a:bodyPr/>
+          <a:lstStyle/>
+          <a:p>
+            <a:r>
+              <a:rPr lang="en-US" b="1" dirty="0" smtClean="0"/>
+              <a:t>Can namespace different data inside a query</a:t>
+            </a:r>
+            <a:endParaRPr lang="en-US" b="1" dirty="0"/>
+          </a:p>
+        </p:txBody>
+      </p:sp>
+      <p:sp>
+        <p:nvSpPr>
+          <p:cNvPr id="3" name="Content Placeholder 2"/>
+          <p:cNvSpPr>
+            <a:spLocks noGrp="1"/>
+          </p:cNvSpPr>
+          <p:nvPr>
+            <p:ph idx="1"/>
+          </p:nvPr>
+        </p:nvSpPr>
+        <p:spPr/>
+        <p:txBody>
+          <a:bodyPr>
+            <a:normAutofit lnSpcReduction="10000"/>
+          </a:bodyPr>
+          <a:lstStyle/>
+          <a:p>
+            <a:pPr marL="0" indent="0">
+              <a:buNone/>
+            </a:pPr>
+            <a:r>
+              <a:rPr lang="en-US" dirty="0" smtClean="0"/>
+              <a:t>query {</a:t>
+            </a:r>
+          </a:p>
+          <a:p>
+            <a:pPr marL="0" indent="0">
+              <a:buNone/>
+            </a:pPr>
+            <a:r>
+              <a:rPr lang="en-US" dirty="0" smtClean="0"/>
+              <a:t>  </a:t>
+            </a:r>
+          </a:p>
+          <a:p>
+            <a:pPr marL="0" indent="0">
+              <a:buNone/>
+            </a:pPr>
+            <a:r>
+              <a:rPr lang="en-US" dirty="0" smtClean="0"/>
+              <a:t>  </a:t>
+            </a:r>
+            <a:r>
+              <a:rPr lang="en-US" dirty="0" err="1" smtClean="0"/>
+              <a:t>infy:company</a:t>
+            </a:r>
+            <a:r>
+              <a:rPr lang="en-US" dirty="0" smtClean="0"/>
+              <a:t>(id:"1"){</a:t>
+            </a:r>
+          </a:p>
+          <a:p>
+            <a:pPr marL="0" indent="0">
+              <a:buNone/>
+            </a:pPr>
+            <a:r>
+              <a:rPr lang="en-US" dirty="0" smtClean="0"/>
+              <a:t>    name</a:t>
+            </a:r>
+          </a:p>
+          <a:p>
+            <a:pPr marL="0" indent="0">
+              <a:buNone/>
+            </a:pPr>
+            <a:r>
+              <a:rPr lang="en-US" dirty="0" smtClean="0"/>
+              <a:t>  }</a:t>
+            </a:r>
+          </a:p>
+          <a:p>
+            <a:pPr marL="0" indent="0">
+              <a:buNone/>
+            </a:pPr>
+            <a:r>
+              <a:rPr lang="en-US" dirty="0" smtClean="0"/>
+              <a:t>  amazon: company(id:"2"){</a:t>
+            </a:r>
+          </a:p>
+          <a:p>
+            <a:pPr marL="0" indent="0">
+              <a:buNone/>
+            </a:pPr>
+            <a:r>
+              <a:rPr lang="en-US" dirty="0" smtClean="0"/>
+              <a:t>    name</a:t>
+            </a:r>
+          </a:p>
+          <a:p>
+            <a:pPr marL="0" indent="0">
+              <a:buNone/>
+            </a:pPr>
+            <a:r>
+              <a:rPr lang="en-US" dirty="0" smtClean="0"/>
+              <a:t>  }</a:t>
+            </a:r>
+          </a:p>
+          <a:p>
+            <a:pPr marL="0" indent="0">
+              <a:buNone/>
+            </a:pPr>
+            <a:r>
+              <a:rPr lang="en-US" dirty="0" smtClean="0"/>
+              <a:t>} </a:t>
+            </a:r>
+            <a:endParaRPr lang="en-US" dirty="0"/>
+          </a:p>
+        </p:txBody>
+      </p:sp>
+    </p:spTree>
+    <p:extLst>
+      <p:ext uri="{BB962C8B-B14F-4D97-AF65-F5344CB8AC3E}">
+        <p14:creationId xmlns:p14="http://schemas.microsoft.com/office/powerpoint/2010/main" val="1220538391"/>
+      </p:ext>
+    </p:extLst>
+  </p:cSld>
+  <p:clrMapOvr>
+    <a:masterClrMapping/>
+  </p:clrMapOvr>
+  <p:timing>
+    <p:tnLst>
+      <p:par>
+        <p:cTn id="1" dur="indefinite" restart="never" nodeType="tmRoot"/>
+      </p:par>
+    </p:tnLst>
+  </p:timing>
+</p:sld>
+</file>
+
 <file path=ppt/slides/slide4.xml><?xml version="1.0" encoding="utf-8"?>
 <p:sld xmlns:a="http://schemas.openxmlformats.org/drawingml/2006/main" xmlns:r="http://schemas.openxmlformats.org/officeDocument/2006/relationships" xmlns:p="http://schemas.openxmlformats.org/presentationml/2006/main">
   <p:cSld>
@@ -6270,18 +9847,18 @@
           <a:lstStyle/>
           <a:p>
             <a:r>
-              <a:rPr lang="en-US" dirty="0" smtClean="0"/>
+              <a:rPr lang="en-US" b="1" dirty="0" smtClean="0"/>
               <a:t>Simple </a:t>
             </a:r>
             <a:r>
-              <a:rPr lang="en-US" dirty="0" err="1" smtClean="0"/>
+              <a:rPr lang="en-US" b="1" dirty="0" err="1" smtClean="0"/>
               <a:t>Restul</a:t>
             </a:r>
             <a:r>
-              <a:rPr lang="en-US" dirty="0" smtClean="0"/>
+              <a:rPr lang="en-US" b="1" dirty="0" smtClean="0"/>
               <a:t> APIs</a:t>
             </a:r>
-            <a:endParaRPr lang="en-US" dirty="0"/>
+            <a:endParaRPr lang="en-US" b="1" dirty="0"/>
           </a:p>
         </p:txBody>
       </p:sp>
@@ -6610,6 +10187,1742 @@
 </p:sld>
 </file>
 
+<file path=ppt/slides/slide40.xml><?xml version="1.0" encoding="utf-8"?>
+<p:sld xmlns:a="http://schemas.openxmlformats.org/drawingml/2006/main" xmlns:r="http://schemas.openxmlformats.org/officeDocument/2006/relationships" xmlns:p="http://schemas.openxmlformats.org/presentationml/2006/main">
+  <p:cSld>
+    <p:spTree>
+      <p:nvGrpSpPr>
+        <p:cNvPr id="1" name=""/>
+        <p:cNvGrpSpPr/>
+        <p:nvPr/>
+      </p:nvGrpSpPr>
+      <p:grpSpPr>
+        <a:xfrm>
+          <a:off x="0" y="0"/>
+          <a:ext cx="0" cy="0"/>
+          <a:chOff x="0" y="0"/>
+          <a:chExt cx="0" cy="0"/>
+        </a:xfrm>
+      </p:grpSpPr>
+      <p:sp>
+        <p:nvSpPr>
+          <p:cNvPr id="2" name="Title 1"/>
+          <p:cNvSpPr>
+            <a:spLocks noGrp="1"/>
+          </p:cNvSpPr>
+          <p:nvPr>
+            <p:ph type="title"/>
+          </p:nvPr>
+        </p:nvSpPr>
+        <p:spPr/>
+        <p:txBody>
+          <a:bodyPr/>
+          <a:lstStyle/>
+          <a:p>
+            <a:r>
+              <a:rPr lang="en-US" b="1" dirty="0" smtClean="0"/>
+              <a:t>Query Fragments</a:t>
+            </a:r>
+            <a:endParaRPr lang="en-US" b="1" dirty="0"/>
+          </a:p>
+        </p:txBody>
+      </p:sp>
+      <p:sp>
+        <p:nvSpPr>
+          <p:cNvPr id="3" name="Content Placeholder 2"/>
+          <p:cNvSpPr>
+            <a:spLocks noGrp="1"/>
+          </p:cNvSpPr>
+          <p:nvPr>
+            <p:ph idx="1"/>
+          </p:nvPr>
+        </p:nvSpPr>
+        <p:spPr/>
+        <p:txBody>
+          <a:bodyPr>
+            <a:normAutofit fontScale="62500" lnSpcReduction="20000"/>
+          </a:bodyPr>
+          <a:lstStyle/>
+          <a:p>
+            <a:pPr marL="0" indent="0">
+              <a:buNone/>
+            </a:pPr>
+            <a:r>
+              <a:rPr lang="en-US" dirty="0" smtClean="0"/>
+              <a:t>query {</a:t>
+            </a:r>
+          </a:p>
+          <a:p>
+            <a:pPr marL="0" indent="0">
+              <a:buNone/>
+            </a:pPr>
+            <a:r>
+              <a:rPr lang="en-US" dirty="0" smtClean="0"/>
+              <a:t>  </a:t>
+            </a:r>
+          </a:p>
+          <a:p>
+            <a:pPr marL="0" indent="0">
+              <a:buNone/>
+            </a:pPr>
+            <a:r>
+              <a:rPr lang="en-US" dirty="0" smtClean="0"/>
+              <a:t>  </a:t>
+            </a:r>
+            <a:r>
+              <a:rPr lang="en-US" dirty="0" err="1" smtClean="0"/>
+              <a:t>infy:company</a:t>
+            </a:r>
+            <a:r>
+              <a:rPr lang="en-US" dirty="0" smtClean="0"/>
+              <a:t>(id:"1"){</a:t>
+            </a:r>
+          </a:p>
+          <a:p>
+            <a:pPr marL="0" indent="0">
+              <a:buNone/>
+            </a:pPr>
+            <a:r>
+              <a:rPr lang="en-US" dirty="0" smtClean="0"/>
+              <a:t> 		...</a:t>
+            </a:r>
+            <a:r>
+              <a:rPr lang="en-US" dirty="0" err="1" smtClean="0"/>
+              <a:t>companyDetails</a:t>
+            </a:r>
+            <a:r>
+              <a:rPr lang="en-US" dirty="0" smtClean="0"/>
+              <a:t>  </a:t>
+            </a:r>
+          </a:p>
+          <a:p>
+            <a:pPr marL="0" indent="0">
+              <a:buNone/>
+            </a:pPr>
+            <a:r>
+              <a:rPr lang="en-US" dirty="0" smtClean="0"/>
+              <a:t>  }</a:t>
+            </a:r>
+          </a:p>
+          <a:p>
+            <a:pPr marL="0" indent="0">
+              <a:buNone/>
+            </a:pPr>
+            <a:r>
+              <a:rPr lang="en-US" dirty="0" smtClean="0"/>
+              <a:t>  amazon: company(id:"2"){</a:t>
+            </a:r>
+          </a:p>
+          <a:p>
+            <a:pPr marL="0" indent="0">
+              <a:buNone/>
+            </a:pPr>
+            <a:r>
+              <a:rPr lang="en-US" dirty="0" smtClean="0"/>
+              <a:t> 		...</a:t>
+            </a:r>
+            <a:r>
+              <a:rPr lang="en-US" dirty="0" err="1" smtClean="0"/>
+              <a:t>companyDetails</a:t>
+            </a:r>
+            <a:r>
+              <a:rPr lang="en-US" dirty="0" smtClean="0"/>
+              <a:t>  </a:t>
+            </a:r>
+          </a:p>
+          <a:p>
+            <a:pPr marL="0" indent="0">
+              <a:buNone/>
+            </a:pPr>
+            <a:r>
+              <a:rPr lang="en-US" dirty="0" smtClean="0"/>
+              <a:t>  }</a:t>
+            </a:r>
+          </a:p>
+          <a:p>
+            <a:pPr marL="0" indent="0">
+              <a:buNone/>
+            </a:pPr>
+            <a:r>
+              <a:rPr lang="en-US" dirty="0" smtClean="0"/>
+              <a:t>} </a:t>
+            </a:r>
+          </a:p>
+          <a:p>
+            <a:pPr marL="0" indent="0">
+              <a:buNone/>
+            </a:pPr>
+            <a:endParaRPr lang="en-US" dirty="0" smtClean="0"/>
+          </a:p>
+          <a:p>
+            <a:pPr marL="0" indent="0">
+              <a:buNone/>
+            </a:pPr>
+            <a:r>
+              <a:rPr lang="en-US" dirty="0" smtClean="0"/>
+              <a:t>fragment </a:t>
+            </a:r>
+            <a:r>
+              <a:rPr lang="en-US" dirty="0" err="1" smtClean="0"/>
+              <a:t>companyDetails</a:t>
+            </a:r>
+            <a:r>
+              <a:rPr lang="en-US" dirty="0" smtClean="0"/>
+              <a:t> on Company {</a:t>
+            </a:r>
+          </a:p>
+          <a:p>
+            <a:pPr marL="0" indent="0">
+              <a:buNone/>
+            </a:pPr>
+            <a:r>
+              <a:rPr lang="en-US" dirty="0" smtClean="0"/>
+              <a:t>  </a:t>
+            </a:r>
+            <a:r>
+              <a:rPr lang="en-US" dirty="0" err="1" smtClean="0"/>
+              <a:t>name,description</a:t>
+            </a:r>
+            <a:endParaRPr lang="en-US" dirty="0" smtClean="0"/>
+          </a:p>
+          <a:p>
+            <a:pPr marL="0" indent="0">
+              <a:buNone/>
+            </a:pPr>
+            <a:r>
+              <a:rPr lang="en-US" dirty="0" smtClean="0"/>
+              <a:t>}	</a:t>
+            </a:r>
+            <a:endParaRPr lang="en-US" dirty="0"/>
+          </a:p>
+        </p:txBody>
+      </p:sp>
+    </p:spTree>
+    <p:extLst>
+      <p:ext uri="{BB962C8B-B14F-4D97-AF65-F5344CB8AC3E}">
+        <p14:creationId xmlns:p14="http://schemas.microsoft.com/office/powerpoint/2010/main" val="1692414781"/>
+      </p:ext>
+    </p:extLst>
+  </p:cSld>
+  <p:clrMapOvr>
+    <a:masterClrMapping/>
+  </p:clrMapOvr>
+  <p:timing>
+    <p:tnLst>
+      <p:par>
+        <p:cTn id="1" dur="indefinite" restart="never" nodeType="tmRoot"/>
+      </p:par>
+    </p:tnLst>
+  </p:timing>
+</p:sld>
+</file>
+
+<file path=ppt/slides/slide41.xml><?xml version="1.0" encoding="utf-8"?>
+<p:sld xmlns:a="http://schemas.openxmlformats.org/drawingml/2006/main" xmlns:r="http://schemas.openxmlformats.org/officeDocument/2006/relationships" xmlns:p="http://schemas.openxmlformats.org/presentationml/2006/main">
+  <p:cSld>
+    <p:spTree>
+      <p:nvGrpSpPr>
+        <p:cNvPr id="1" name=""/>
+        <p:cNvGrpSpPr/>
+        <p:nvPr/>
+      </p:nvGrpSpPr>
+      <p:grpSpPr>
+        <a:xfrm>
+          <a:off x="0" y="0"/>
+          <a:ext cx="0" cy="0"/>
+          <a:chOff x="0" y="0"/>
+          <a:chExt cx="0" cy="0"/>
+        </a:xfrm>
+      </p:grpSpPr>
+      <p:sp>
+        <p:nvSpPr>
+          <p:cNvPr id="2" name="Title 1"/>
+          <p:cNvSpPr>
+            <a:spLocks noGrp="1"/>
+          </p:cNvSpPr>
+          <p:nvPr>
+            <p:ph type="title"/>
+          </p:nvPr>
+        </p:nvSpPr>
+        <p:spPr/>
+        <p:txBody>
+          <a:bodyPr/>
+          <a:lstStyle/>
+          <a:p>
+            <a:r>
+              <a:rPr lang="en-US" b="1" dirty="0" smtClean="0"/>
+              <a:t>Mutations</a:t>
+            </a:r>
+            <a:r>
+              <a:rPr lang="en-US" dirty="0" smtClean="0"/>
+              <a:t>	</a:t>
+            </a:r>
+            <a:endParaRPr lang="en-US" dirty="0"/>
+          </a:p>
+        </p:txBody>
+      </p:sp>
+      <p:sp>
+        <p:nvSpPr>
+          <p:cNvPr id="3" name="Content Placeholder 2"/>
+          <p:cNvSpPr>
+            <a:spLocks noGrp="1"/>
+          </p:cNvSpPr>
+          <p:nvPr>
+            <p:ph idx="1"/>
+          </p:nvPr>
+        </p:nvSpPr>
+        <p:spPr/>
+        <p:txBody>
+          <a:bodyPr/>
+          <a:lstStyle/>
+          <a:p>
+            <a:pPr marL="0" indent="0">
+              <a:buNone/>
+            </a:pPr>
+            <a:r>
+              <a:rPr lang="en-US" dirty="0" smtClean="0"/>
+              <a:t>Mutations are used </a:t>
+            </a:r>
+            <a:r>
+              <a:rPr lang="en-US" dirty="0" smtClean="0"/>
+              <a:t>to Manipulate a collection of </a:t>
+            </a:r>
+            <a:r>
+              <a:rPr lang="en-US" dirty="0" smtClean="0"/>
+              <a:t>resources in a server</a:t>
+            </a:r>
+            <a:r>
+              <a:rPr lang="en-US" dirty="0" smtClean="0"/>
+              <a:t> (</a:t>
+            </a:r>
+            <a:r>
+              <a:rPr lang="en-US" dirty="0" smtClean="0"/>
+              <a:t>CRUD operations</a:t>
+            </a:r>
+            <a:r>
+              <a:rPr lang="en-US" dirty="0" smtClean="0"/>
+              <a:t>)</a:t>
+            </a:r>
+            <a:endParaRPr lang="en-US" dirty="0" smtClean="0"/>
+          </a:p>
+          <a:p>
+            <a:pPr marL="0" indent="0">
+              <a:buNone/>
+            </a:pPr>
+            <a:endParaRPr lang="en-US" dirty="0"/>
+          </a:p>
+        </p:txBody>
+      </p:sp>
+    </p:spTree>
+    <p:extLst>
+      <p:ext uri="{BB962C8B-B14F-4D97-AF65-F5344CB8AC3E}">
+        <p14:creationId xmlns:p14="http://schemas.microsoft.com/office/powerpoint/2010/main" val="677341394"/>
+      </p:ext>
+    </p:extLst>
+  </p:cSld>
+  <p:clrMapOvr>
+    <a:masterClrMapping/>
+  </p:clrMapOvr>
+  <p:timing>
+    <p:tnLst>
+      <p:par>
+        <p:cTn id="1" dur="indefinite" restart="never" nodeType="tmRoot"/>
+      </p:par>
+    </p:tnLst>
+  </p:timing>
+</p:sld>
+</file>
+
+<file path=ppt/slides/slide42.xml><?xml version="1.0" encoding="utf-8"?>
+<p:sld xmlns:a="http://schemas.openxmlformats.org/drawingml/2006/main" xmlns:r="http://schemas.openxmlformats.org/officeDocument/2006/relationships" xmlns:p="http://schemas.openxmlformats.org/presentationml/2006/main">
+  <p:cSld>
+    <p:spTree>
+      <p:nvGrpSpPr>
+        <p:cNvPr id="1" name=""/>
+        <p:cNvGrpSpPr/>
+        <p:nvPr/>
+      </p:nvGrpSpPr>
+      <p:grpSpPr>
+        <a:xfrm>
+          <a:off x="0" y="0"/>
+          <a:ext cx="0" cy="0"/>
+          <a:chOff x="0" y="0"/>
+          <a:chExt cx="0" cy="0"/>
+        </a:xfrm>
+      </p:grpSpPr>
+      <p:sp>
+        <p:nvSpPr>
+          <p:cNvPr id="3" name="Content Placeholder 2"/>
+          <p:cNvSpPr>
+            <a:spLocks noGrp="1"/>
+          </p:cNvSpPr>
+          <p:nvPr>
+            <p:ph idx="1"/>
+          </p:nvPr>
+        </p:nvSpPr>
+        <p:spPr>
+          <a:xfrm>
+            <a:off x="289932" y="189571"/>
+            <a:ext cx="11063868" cy="6098904"/>
+          </a:xfrm>
+        </p:spPr>
+        <p:txBody>
+          <a:bodyPr>
+            <a:normAutofit fontScale="40000" lnSpcReduction="20000"/>
+          </a:bodyPr>
+          <a:lstStyle/>
+          <a:p>
+            <a:pPr marL="0" indent="0">
+              <a:buNone/>
+            </a:pPr>
+            <a:endParaRPr lang="en-US" dirty="0" smtClean="0"/>
+          </a:p>
+          <a:p>
+            <a:pPr marL="0" indent="0">
+              <a:buNone/>
+            </a:pPr>
+            <a:endParaRPr lang="en-US" dirty="0"/>
+          </a:p>
+          <a:p>
+            <a:pPr marL="0" indent="0">
+              <a:buNone/>
+            </a:pPr>
+            <a:r>
+              <a:rPr lang="en-US" sz="8000" b="1" dirty="0" smtClean="0"/>
+              <a:t>Mutation Schema</a:t>
+            </a:r>
+          </a:p>
+          <a:p>
+            <a:pPr marL="0" indent="0">
+              <a:buNone/>
+            </a:pPr>
+            <a:endParaRPr lang="en-US" dirty="0"/>
+          </a:p>
+          <a:p>
+            <a:pPr marL="0" indent="0">
+              <a:buNone/>
+            </a:pPr>
+            <a:r>
+              <a:rPr lang="en-US" dirty="0" smtClean="0"/>
+              <a:t>Fields </a:t>
+            </a:r>
+            <a:r>
+              <a:rPr lang="en-US" dirty="0" smtClean="0"/>
+              <a:t>of mutation describe the action or manipulation</a:t>
+            </a:r>
+          </a:p>
+          <a:p>
+            <a:pPr marL="0" indent="0">
+              <a:buNone/>
+            </a:pPr>
+            <a:r>
+              <a:rPr lang="en-US" dirty="0" err="1" smtClean="0"/>
+              <a:t>const</a:t>
+            </a:r>
+            <a:r>
+              <a:rPr lang="en-US" dirty="0" smtClean="0"/>
+              <a:t> mutation = new </a:t>
+            </a:r>
+            <a:r>
+              <a:rPr lang="en-US" dirty="0" err="1" smtClean="0"/>
+              <a:t>GraphQLObjectType</a:t>
+            </a:r>
+            <a:r>
+              <a:rPr lang="en-US" dirty="0" smtClean="0"/>
+              <a:t>({</a:t>
+            </a:r>
+          </a:p>
+          <a:p>
+            <a:pPr marL="0" indent="0">
+              <a:buNone/>
+            </a:pPr>
+            <a:r>
+              <a:rPr lang="en-US" dirty="0" smtClean="0"/>
+              <a:t>    </a:t>
+            </a:r>
+            <a:r>
+              <a:rPr lang="en-US" dirty="0" err="1" smtClean="0"/>
+              <a:t>name:'Mutation</a:t>
+            </a:r>
+            <a:r>
+              <a:rPr lang="en-US" dirty="0" smtClean="0"/>
+              <a:t>',</a:t>
+            </a:r>
+          </a:p>
+          <a:p>
+            <a:pPr marL="0" indent="0">
+              <a:buNone/>
+            </a:pPr>
+            <a:r>
+              <a:rPr lang="en-US" dirty="0" smtClean="0"/>
+              <a:t>    fields:{</a:t>
+            </a:r>
+          </a:p>
+          <a:p>
+            <a:pPr marL="0" indent="0">
+              <a:buNone/>
+            </a:pPr>
+            <a:r>
+              <a:rPr lang="en-US" dirty="0" smtClean="0"/>
+              <a:t>        </a:t>
+            </a:r>
+            <a:r>
+              <a:rPr lang="en-US" dirty="0" err="1" smtClean="0"/>
+              <a:t>addUser</a:t>
+            </a:r>
+            <a:r>
+              <a:rPr lang="en-US" dirty="0" smtClean="0"/>
+              <a:t>:{</a:t>
+            </a:r>
+          </a:p>
+          <a:p>
+            <a:pPr marL="0" indent="0">
+              <a:buNone/>
+            </a:pPr>
+            <a:r>
+              <a:rPr lang="en-US" dirty="0" smtClean="0"/>
+              <a:t>            type: </a:t>
+            </a:r>
+            <a:r>
+              <a:rPr lang="en-US" dirty="0" err="1" smtClean="0"/>
+              <a:t>UserType</a:t>
+            </a:r>
+            <a:r>
+              <a:rPr lang="en-US" dirty="0" smtClean="0"/>
+              <a:t>,</a:t>
+            </a:r>
+          </a:p>
+          <a:p>
+            <a:pPr marL="0" indent="0">
+              <a:buNone/>
+            </a:pPr>
+            <a:r>
+              <a:rPr lang="en-US" dirty="0" smtClean="0"/>
+              <a:t>            </a:t>
+            </a:r>
+            <a:r>
+              <a:rPr lang="en-US" dirty="0" err="1" smtClean="0"/>
+              <a:t>args</a:t>
+            </a:r>
+            <a:r>
+              <a:rPr lang="en-US" dirty="0" smtClean="0"/>
+              <a:t>: {</a:t>
+            </a:r>
+          </a:p>
+          <a:p>
+            <a:pPr marL="0" indent="0">
+              <a:buNone/>
+            </a:pPr>
+            <a:r>
+              <a:rPr lang="en-US" dirty="0" smtClean="0"/>
+              <a:t>                </a:t>
+            </a:r>
+            <a:r>
+              <a:rPr lang="en-US" dirty="0" err="1" smtClean="0"/>
+              <a:t>firstName</a:t>
+            </a:r>
+            <a:r>
+              <a:rPr lang="en-US" dirty="0" smtClean="0"/>
+              <a:t>: { type: new </a:t>
+            </a:r>
+            <a:r>
+              <a:rPr lang="en-US" dirty="0" err="1" smtClean="0"/>
+              <a:t>GraphQLNonNull</a:t>
+            </a:r>
+            <a:r>
+              <a:rPr lang="en-US" dirty="0" smtClean="0"/>
+              <a:t>(</a:t>
+            </a:r>
+            <a:r>
+              <a:rPr lang="en-US" dirty="0" err="1" smtClean="0"/>
+              <a:t>GraphQLString</a:t>
+            </a:r>
+            <a:r>
+              <a:rPr lang="en-US" dirty="0" smtClean="0"/>
+              <a:t>) },</a:t>
+            </a:r>
+          </a:p>
+          <a:p>
+            <a:pPr marL="0" indent="0">
+              <a:buNone/>
+            </a:pPr>
+            <a:r>
+              <a:rPr lang="en-US" dirty="0" smtClean="0"/>
+              <a:t>                age: { type: new </a:t>
+            </a:r>
+            <a:r>
+              <a:rPr lang="en-US" dirty="0" err="1" smtClean="0"/>
+              <a:t>GraphQLNonNull</a:t>
+            </a:r>
+            <a:r>
+              <a:rPr lang="en-US" dirty="0" smtClean="0"/>
+              <a:t>(</a:t>
+            </a:r>
+            <a:r>
+              <a:rPr lang="en-US" dirty="0" err="1" smtClean="0"/>
+              <a:t>GraphQLInt</a:t>
+            </a:r>
+            <a:r>
+              <a:rPr lang="en-US" dirty="0" smtClean="0"/>
+              <a:t>) },</a:t>
+            </a:r>
+          </a:p>
+          <a:p>
+            <a:pPr marL="0" indent="0">
+              <a:buNone/>
+            </a:pPr>
+            <a:r>
+              <a:rPr lang="en-US" dirty="0" smtClean="0"/>
+              <a:t>                </a:t>
+            </a:r>
+            <a:r>
+              <a:rPr lang="en-US" dirty="0" err="1" smtClean="0"/>
+              <a:t>companyId</a:t>
+            </a:r>
+            <a:r>
+              <a:rPr lang="en-US" dirty="0" smtClean="0"/>
+              <a:t>: { type: </a:t>
+            </a:r>
+            <a:r>
+              <a:rPr lang="en-US" dirty="0" err="1" smtClean="0"/>
+              <a:t>GraphQLString</a:t>
+            </a:r>
+            <a:r>
+              <a:rPr lang="en-US" dirty="0" smtClean="0"/>
+              <a:t> }</a:t>
+            </a:r>
+          </a:p>
+          <a:p>
+            <a:pPr marL="0" indent="0">
+              <a:buNone/>
+            </a:pPr>
+            <a:r>
+              <a:rPr lang="en-US" dirty="0" smtClean="0"/>
+              <a:t>            },</a:t>
+            </a:r>
+          </a:p>
+          <a:p>
+            <a:pPr marL="0" indent="0">
+              <a:buNone/>
+            </a:pPr>
+            <a:r>
+              <a:rPr lang="en-US" dirty="0" smtClean="0"/>
+              <a:t>}</a:t>
+            </a:r>
+          </a:p>
+          <a:p>
+            <a:pPr marL="0" indent="0">
+              <a:buNone/>
+            </a:pPr>
+            <a:r>
+              <a:rPr lang="en-US" dirty="0"/>
+              <a:t>}); resolve(</a:t>
+            </a:r>
+            <a:r>
+              <a:rPr lang="en-US" dirty="0" err="1"/>
+              <a:t>parentValue</a:t>
+            </a:r>
+            <a:r>
+              <a:rPr lang="en-US" dirty="0"/>
+              <a:t>,{</a:t>
+            </a:r>
+            <a:r>
+              <a:rPr lang="en-US" dirty="0" err="1"/>
+              <a:t>firstName,age</a:t>
+            </a:r>
+            <a:r>
+              <a:rPr lang="en-US" dirty="0"/>
+              <a:t>}){</a:t>
+            </a:r>
+          </a:p>
+          <a:p>
+            <a:pPr marL="0" indent="0">
+              <a:buNone/>
+            </a:pPr>
+            <a:r>
+              <a:rPr lang="en-US" dirty="0"/>
+              <a:t>                return </a:t>
+            </a:r>
+            <a:r>
+              <a:rPr lang="en-US" dirty="0" err="1"/>
+              <a:t>axios.post</a:t>
+            </a:r>
+            <a:r>
+              <a:rPr lang="en-US" dirty="0"/>
+              <a:t>('http://localhost:3000/users/',{</a:t>
+            </a:r>
+          </a:p>
+          <a:p>
+            <a:pPr marL="0" indent="0">
+              <a:buNone/>
+            </a:pPr>
+            <a:r>
+              <a:rPr lang="en-US" dirty="0"/>
+              <a:t>                    </a:t>
+            </a:r>
+            <a:r>
+              <a:rPr lang="en-US" dirty="0" err="1"/>
+              <a:t>firstName,age</a:t>
+            </a:r>
+            <a:endParaRPr lang="en-US" dirty="0"/>
+          </a:p>
+          <a:p>
+            <a:pPr marL="0" indent="0">
+              <a:buNone/>
+            </a:pPr>
+            <a:r>
+              <a:rPr lang="en-US" dirty="0"/>
+              <a:t>                }).then(response =&gt; </a:t>
+            </a:r>
+            <a:r>
+              <a:rPr lang="en-US" dirty="0" err="1"/>
+              <a:t>response.data</a:t>
+            </a:r>
+            <a:r>
+              <a:rPr lang="en-US" dirty="0"/>
+              <a:t>);</a:t>
+            </a:r>
+          </a:p>
+          <a:p>
+            <a:pPr marL="0" indent="0">
+              <a:buNone/>
+            </a:pPr>
+            <a:r>
+              <a:rPr lang="en-US" dirty="0"/>
+              <a:t>            }</a:t>
+            </a:r>
+          </a:p>
+          <a:p>
+            <a:pPr marL="0" indent="0">
+              <a:buNone/>
+            </a:pPr>
+            <a:endParaRPr lang="en-US" dirty="0"/>
+          </a:p>
+          <a:p>
+            <a:pPr marL="0" indent="0">
+              <a:buNone/>
+            </a:pPr>
+            <a:r>
+              <a:rPr lang="en-US" dirty="0"/>
+              <a:t>        }</a:t>
+            </a:r>
+            <a:endParaRPr lang="en-US" dirty="0" smtClean="0"/>
+          </a:p>
+        </p:txBody>
+      </p:sp>
+    </p:spTree>
+    <p:extLst>
+      <p:ext uri="{BB962C8B-B14F-4D97-AF65-F5344CB8AC3E}">
+        <p14:creationId xmlns:p14="http://schemas.microsoft.com/office/powerpoint/2010/main" val="4148865521"/>
+      </p:ext>
+    </p:extLst>
+  </p:cSld>
+  <p:clrMapOvr>
+    <a:masterClrMapping/>
+  </p:clrMapOvr>
+  <p:timing>
+    <p:tnLst>
+      <p:par>
+        <p:cTn id="1" dur="indefinite" restart="never" nodeType="tmRoot"/>
+      </p:par>
+    </p:tnLst>
+  </p:timing>
+</p:sld>
+</file>
+
+<file path=ppt/slides/slide43.xml><?xml version="1.0" encoding="utf-8"?>
+<p:sld xmlns:a="http://schemas.openxmlformats.org/drawingml/2006/main" xmlns:r="http://schemas.openxmlformats.org/officeDocument/2006/relationships" xmlns:p="http://schemas.openxmlformats.org/presentationml/2006/main">
+  <p:cSld>
+    <p:spTree>
+      <p:nvGrpSpPr>
+        <p:cNvPr id="1" name=""/>
+        <p:cNvGrpSpPr/>
+        <p:nvPr/>
+      </p:nvGrpSpPr>
+      <p:grpSpPr>
+        <a:xfrm>
+          <a:off x="0" y="0"/>
+          <a:ext cx="0" cy="0"/>
+          <a:chOff x="0" y="0"/>
+          <a:chExt cx="0" cy="0"/>
+        </a:xfrm>
+      </p:grpSpPr>
+      <p:sp>
+        <p:nvSpPr>
+          <p:cNvPr id="2" name="Title 1"/>
+          <p:cNvSpPr>
+            <a:spLocks noGrp="1"/>
+          </p:cNvSpPr>
+          <p:nvPr>
+            <p:ph type="title"/>
+          </p:nvPr>
+        </p:nvSpPr>
+        <p:spPr/>
+        <p:txBody>
+          <a:bodyPr>
+            <a:normAutofit/>
+          </a:bodyPr>
+          <a:lstStyle/>
+          <a:p>
+            <a:r>
+              <a:rPr lang="en-US" sz="3600" b="1" dirty="0"/>
+              <a:t>Mutation Query</a:t>
+            </a:r>
+            <a:endParaRPr lang="en-US" sz="3600" b="1" dirty="0"/>
+          </a:p>
+        </p:txBody>
+      </p:sp>
+      <p:sp>
+        <p:nvSpPr>
+          <p:cNvPr id="3" name="Content Placeholder 2"/>
+          <p:cNvSpPr>
+            <a:spLocks noGrp="1"/>
+          </p:cNvSpPr>
+          <p:nvPr>
+            <p:ph idx="1"/>
+          </p:nvPr>
+        </p:nvSpPr>
+        <p:spPr/>
+        <p:txBody>
+          <a:bodyPr/>
+          <a:lstStyle/>
+          <a:p>
+            <a:pPr marL="0" indent="0">
+              <a:buNone/>
+            </a:pPr>
+            <a:r>
+              <a:rPr lang="en-US" dirty="0" smtClean="0"/>
+              <a:t>mutation {</a:t>
+            </a:r>
+          </a:p>
+          <a:p>
+            <a:pPr marL="0" indent="0">
+              <a:buNone/>
+            </a:pPr>
+            <a:r>
+              <a:rPr lang="en-US" dirty="0" err="1" smtClean="0"/>
+              <a:t>addUser</a:t>
+            </a:r>
+            <a:r>
+              <a:rPr lang="en-US" dirty="0" smtClean="0"/>
+              <a:t>(firstname:"vs",age:29){</a:t>
+            </a:r>
+          </a:p>
+          <a:p>
+            <a:pPr marL="0" indent="0">
+              <a:buNone/>
+            </a:pPr>
+            <a:r>
+              <a:rPr lang="en-US" dirty="0" smtClean="0"/>
+              <a:t>  	id,</a:t>
+            </a:r>
+          </a:p>
+          <a:p>
+            <a:pPr marL="0" indent="0">
+              <a:buNone/>
+            </a:pPr>
+            <a:r>
+              <a:rPr lang="en-US" dirty="0" smtClean="0"/>
+              <a:t>  	</a:t>
+            </a:r>
+            <a:r>
+              <a:rPr lang="en-US" dirty="0" err="1" smtClean="0"/>
+              <a:t>firstName</a:t>
+            </a:r>
+            <a:r>
+              <a:rPr lang="en-US" dirty="0" smtClean="0"/>
+              <a:t> </a:t>
+            </a:r>
+          </a:p>
+          <a:p>
+            <a:pPr marL="0" indent="0">
+              <a:buNone/>
+            </a:pPr>
+            <a:r>
+              <a:rPr lang="en-US" dirty="0" smtClean="0"/>
+              <a:t>}</a:t>
+            </a:r>
+          </a:p>
+          <a:p>
+            <a:pPr marL="0" indent="0">
+              <a:buNone/>
+            </a:pPr>
+            <a:r>
+              <a:rPr lang="en-US" dirty="0" smtClean="0"/>
+              <a:t>}</a:t>
+            </a:r>
+            <a:endParaRPr lang="en-US" dirty="0"/>
+          </a:p>
+        </p:txBody>
+      </p:sp>
+    </p:spTree>
+    <p:extLst>
+      <p:ext uri="{BB962C8B-B14F-4D97-AF65-F5344CB8AC3E}">
+        <p14:creationId xmlns:p14="http://schemas.microsoft.com/office/powerpoint/2010/main" val="3781837604"/>
+      </p:ext>
+    </p:extLst>
+  </p:cSld>
+  <p:clrMapOvr>
+    <a:masterClrMapping/>
+  </p:clrMapOvr>
+  <p:timing>
+    <p:tnLst>
+      <p:par>
+        <p:cTn id="1" dur="indefinite" restart="never" nodeType="tmRoot"/>
+      </p:par>
+    </p:tnLst>
+  </p:timing>
+</p:sld>
+</file>
+
+<file path=ppt/slides/slide44.xml><?xml version="1.0" encoding="utf-8"?>
+<p:sld xmlns:a="http://schemas.openxmlformats.org/drawingml/2006/main" xmlns:r="http://schemas.openxmlformats.org/officeDocument/2006/relationships" xmlns:p="http://schemas.openxmlformats.org/presentationml/2006/main">
+  <p:cSld>
+    <p:spTree>
+      <p:nvGrpSpPr>
+        <p:cNvPr id="1" name=""/>
+        <p:cNvGrpSpPr/>
+        <p:nvPr/>
+      </p:nvGrpSpPr>
+      <p:grpSpPr>
+        <a:xfrm>
+          <a:off x="0" y="0"/>
+          <a:ext cx="0" cy="0"/>
+          <a:chOff x="0" y="0"/>
+          <a:chExt cx="0" cy="0"/>
+        </a:xfrm>
+      </p:grpSpPr>
+      <p:sp>
+        <p:nvSpPr>
+          <p:cNvPr id="2" name="Title 1"/>
+          <p:cNvSpPr>
+            <a:spLocks noGrp="1"/>
+          </p:cNvSpPr>
+          <p:nvPr>
+            <p:ph type="title"/>
+          </p:nvPr>
+        </p:nvSpPr>
+        <p:spPr/>
+        <p:txBody>
+          <a:bodyPr/>
+          <a:lstStyle/>
+          <a:p>
+            <a:r>
+              <a:rPr lang="en-US" dirty="0" smtClean="0"/>
+              <a:t>Complete code for the demo covered</a:t>
+            </a:r>
+            <a:endParaRPr lang="en-US" dirty="0"/>
+          </a:p>
+        </p:txBody>
+      </p:sp>
+      <p:sp>
+        <p:nvSpPr>
+          <p:cNvPr id="3" name="Content Placeholder 2"/>
+          <p:cNvSpPr>
+            <a:spLocks noGrp="1"/>
+          </p:cNvSpPr>
+          <p:nvPr>
+            <p:ph idx="1"/>
+          </p:nvPr>
+        </p:nvSpPr>
+        <p:spPr/>
+        <p:txBody>
+          <a:bodyPr/>
+          <a:lstStyle/>
+          <a:p>
+            <a:pPr marL="0" indent="0">
+              <a:buNone/>
+            </a:pPr>
+            <a:r>
+              <a:rPr lang="en-US" u="sng" dirty="0">
+                <a:hlinkClick r:id="rId2"/>
+              </a:rPr>
+              <a:t>https://github.com/garunprabu/graphql-demo</a:t>
+            </a:r>
+            <a:endParaRPr lang="en-US" dirty="0"/>
+          </a:p>
+        </p:txBody>
+      </p:sp>
+    </p:spTree>
+    <p:extLst>
+      <p:ext uri="{BB962C8B-B14F-4D97-AF65-F5344CB8AC3E}">
+        <p14:creationId xmlns:p14="http://schemas.microsoft.com/office/powerpoint/2010/main" val="4145839077"/>
+      </p:ext>
+    </p:extLst>
+  </p:cSld>
+  <p:clrMapOvr>
+    <a:masterClrMapping/>
+  </p:clrMapOvr>
+</p:sld>
+</file>
+
+<file path=ppt/slides/slide45.xml><?xml version="1.0" encoding="utf-8"?>
+<p:sld xmlns:a="http://schemas.openxmlformats.org/drawingml/2006/main" xmlns:r="http://schemas.openxmlformats.org/officeDocument/2006/relationships" xmlns:p="http://schemas.openxmlformats.org/presentationml/2006/main">
+  <p:cSld>
+    <p:spTree>
+      <p:nvGrpSpPr>
+        <p:cNvPr id="1" name=""/>
+        <p:cNvGrpSpPr/>
+        <p:nvPr/>
+      </p:nvGrpSpPr>
+      <p:grpSpPr>
+        <a:xfrm>
+          <a:off x="0" y="0"/>
+          <a:ext cx="0" cy="0"/>
+          <a:chOff x="0" y="0"/>
+          <a:chExt cx="0" cy="0"/>
+        </a:xfrm>
+      </p:grpSpPr>
+      <p:sp>
+        <p:nvSpPr>
+          <p:cNvPr id="2" name="Title 1"/>
+          <p:cNvSpPr>
+            <a:spLocks noGrp="1"/>
+          </p:cNvSpPr>
+          <p:nvPr>
+            <p:ph type="title"/>
+          </p:nvPr>
+        </p:nvSpPr>
+        <p:spPr/>
+        <p:txBody>
+          <a:bodyPr/>
+          <a:lstStyle/>
+          <a:p>
+            <a:r>
+              <a:rPr lang="en-US" b="1" dirty="0" smtClean="0"/>
+              <a:t>References	</a:t>
+            </a:r>
+            <a:endParaRPr lang="en-US" b="1" dirty="0"/>
+          </a:p>
+        </p:txBody>
+      </p:sp>
+      <p:sp>
+        <p:nvSpPr>
+          <p:cNvPr id="3" name="Content Placeholder 2"/>
+          <p:cNvSpPr>
+            <a:spLocks noGrp="1"/>
+          </p:cNvSpPr>
+          <p:nvPr>
+            <p:ph idx="1"/>
+          </p:nvPr>
+        </p:nvSpPr>
+        <p:spPr/>
+        <p:txBody>
+          <a:bodyPr/>
+          <a:lstStyle/>
+          <a:p>
+            <a:pPr marL="0" indent="0">
+              <a:buNone/>
+            </a:pPr>
+            <a:r>
+              <a:rPr lang="en-US" dirty="0">
+                <a:hlinkClick r:id="rId2"/>
+              </a:rPr>
+              <a:t>https://</a:t>
+            </a:r>
+            <a:r>
+              <a:rPr lang="en-US" dirty="0" smtClean="0">
+                <a:hlinkClick r:id="rId2"/>
+              </a:rPr>
+              <a:t>medium.com/codingthesmartway-com-blog/creating-a-graphql-server-with-node-js-and-express-f6dddc5320e1</a:t>
+            </a:r>
+            <a:endParaRPr lang="en-US" dirty="0" smtClean="0"/>
+          </a:p>
+          <a:p>
+            <a:pPr marL="0" indent="0">
+              <a:buNone/>
+            </a:pPr>
+            <a:endParaRPr lang="en-US" dirty="0"/>
+          </a:p>
+          <a:p>
+            <a:pPr marL="0" indent="0">
+              <a:buNone/>
+            </a:pPr>
+            <a:r>
+              <a:rPr lang="en-US" dirty="0">
+                <a:hlinkClick r:id="rId3"/>
+              </a:rPr>
+              <a:t>https://</a:t>
+            </a:r>
+            <a:r>
+              <a:rPr lang="en-US" dirty="0" smtClean="0">
+                <a:hlinkClick r:id="rId3"/>
+              </a:rPr>
+              <a:t>www.youtube.com/watch?v=PTphFRHJ3d0&amp;t=6s</a:t>
+            </a:r>
+            <a:endParaRPr lang="en-US" dirty="0" smtClean="0"/>
+          </a:p>
+          <a:p>
+            <a:pPr marL="0" indent="0">
+              <a:buNone/>
+            </a:pPr>
+            <a:endParaRPr lang="en-US" dirty="0"/>
+          </a:p>
+          <a:p>
+            <a:pPr marL="0" indent="0">
+              <a:buNone/>
+            </a:pPr>
+            <a:endParaRPr lang="en-US" dirty="0" smtClean="0"/>
+          </a:p>
+          <a:p>
+            <a:pPr marL="0" indent="0">
+              <a:buNone/>
+            </a:pPr>
+            <a:endParaRPr lang="en-US" dirty="0"/>
+          </a:p>
+          <a:p>
+            <a:pPr marL="0" indent="0">
+              <a:buNone/>
+            </a:pPr>
+            <a:endParaRPr lang="en-US" dirty="0"/>
+          </a:p>
+        </p:txBody>
+      </p:sp>
+    </p:spTree>
+    <p:extLst>
+      <p:ext uri="{BB962C8B-B14F-4D97-AF65-F5344CB8AC3E}">
+        <p14:creationId xmlns:p14="http://schemas.microsoft.com/office/powerpoint/2010/main" val="2539225409"/>
+      </p:ext>
+    </p:extLst>
+  </p:cSld>
+  <p:clrMapOvr>
+    <a:masterClrMapping/>
+  </p:clrMapOvr>
+</p:sld>
+</file>
+
+<file path=ppt/slides/slide46.xml><?xml version="1.0" encoding="utf-8"?>
+<p:sld xmlns:a="http://schemas.openxmlformats.org/drawingml/2006/main" xmlns:r="http://schemas.openxmlformats.org/officeDocument/2006/relationships" xmlns:p="http://schemas.openxmlformats.org/presentationml/2006/main">
+  <p:cSld>
+    <p:spTree>
+      <p:nvGrpSpPr>
+        <p:cNvPr id="1" name=""/>
+        <p:cNvGrpSpPr/>
+        <p:nvPr/>
+      </p:nvGrpSpPr>
+      <p:grpSpPr>
+        <a:xfrm>
+          <a:off x="0" y="0"/>
+          <a:ext cx="0" cy="0"/>
+          <a:chOff x="0" y="0"/>
+          <a:chExt cx="0" cy="0"/>
+        </a:xfrm>
+      </p:grpSpPr>
+      <p:sp>
+        <p:nvSpPr>
+          <p:cNvPr id="2" name="Title 1"/>
+          <p:cNvSpPr>
+            <a:spLocks noGrp="1"/>
+          </p:cNvSpPr>
+          <p:nvPr>
+            <p:ph type="title"/>
+          </p:nvPr>
+        </p:nvSpPr>
+        <p:spPr/>
+        <p:txBody>
+          <a:bodyPr/>
+          <a:lstStyle/>
+          <a:p>
+            <a:r>
+              <a:rPr lang="en-US" b="1" dirty="0" smtClean="0"/>
+              <a:t>Integrating </a:t>
+            </a:r>
+            <a:r>
+              <a:rPr lang="en-US" b="1" dirty="0" err="1" smtClean="0"/>
+              <a:t>GraphQL</a:t>
+            </a:r>
+            <a:r>
+              <a:rPr lang="en-US" b="1" dirty="0" smtClean="0"/>
+              <a:t> with </a:t>
+            </a:r>
+            <a:r>
+              <a:rPr lang="en-US" b="1" dirty="0" smtClean="0"/>
+              <a:t>UI</a:t>
+            </a:r>
+            <a:endParaRPr lang="en-US" b="1" dirty="0"/>
+          </a:p>
+        </p:txBody>
+      </p:sp>
+      <p:sp>
+        <p:nvSpPr>
+          <p:cNvPr id="3" name="Content Placeholder 2"/>
+          <p:cNvSpPr>
+            <a:spLocks noGrp="1"/>
+          </p:cNvSpPr>
+          <p:nvPr>
+            <p:ph idx="1"/>
+          </p:nvPr>
+        </p:nvSpPr>
+        <p:spPr/>
+        <p:txBody>
+          <a:bodyPr/>
+          <a:lstStyle/>
+          <a:p>
+            <a:pPr marL="0" indent="0">
+              <a:buNone/>
+            </a:pPr>
+            <a:endParaRPr lang="en-US" dirty="0" smtClean="0"/>
+          </a:p>
+          <a:p>
+            <a:pPr marL="0" indent="0">
+              <a:buNone/>
+            </a:pPr>
+            <a:r>
+              <a:rPr lang="en-US" b="1" dirty="0" smtClean="0"/>
+              <a:t>NPM dependencies</a:t>
+            </a:r>
+          </a:p>
+          <a:p>
+            <a:pPr marL="0" indent="0">
+              <a:buNone/>
+            </a:pPr>
+            <a:endParaRPr lang="en-US" b="1" dirty="0"/>
+          </a:p>
+          <a:p>
+            <a:pPr marL="0" indent="0">
+              <a:buNone/>
+            </a:pPr>
+            <a:r>
+              <a:rPr lang="en-US" dirty="0" err="1" smtClean="0"/>
+              <a:t>npm</a:t>
+            </a:r>
+            <a:r>
+              <a:rPr lang="en-US" dirty="0" smtClean="0"/>
+              <a:t> </a:t>
+            </a:r>
+            <a:r>
+              <a:rPr lang="en-US" dirty="0"/>
+              <a:t>install </a:t>
+            </a:r>
+            <a:r>
+              <a:rPr lang="en-US" dirty="0" err="1"/>
+              <a:t>apollo</a:t>
+            </a:r>
+            <a:r>
+              <a:rPr lang="en-US" dirty="0"/>
+              <a:t>-angular </a:t>
+            </a:r>
+            <a:r>
+              <a:rPr lang="en-US" dirty="0" err="1"/>
+              <a:t>apollo</a:t>
+            </a:r>
+            <a:r>
+              <a:rPr lang="en-US" dirty="0"/>
+              <a:t>-cache-</a:t>
+            </a:r>
+            <a:r>
+              <a:rPr lang="en-US" dirty="0" err="1"/>
+              <a:t>inmemory</a:t>
+            </a:r>
+            <a:r>
+              <a:rPr lang="en-US" dirty="0"/>
+              <a:t>  </a:t>
+            </a:r>
+            <a:r>
+              <a:rPr lang="en-US" dirty="0" err="1"/>
+              <a:t>apollo</a:t>
+            </a:r>
+            <a:r>
+              <a:rPr lang="en-US" dirty="0"/>
+              <a:t>-client </a:t>
+            </a:r>
+            <a:r>
+              <a:rPr lang="en-US" dirty="0" err="1"/>
+              <a:t>apollo</a:t>
+            </a:r>
+            <a:r>
+              <a:rPr lang="en-US" dirty="0"/>
+              <a:t>-angular-link-http </a:t>
+            </a:r>
+            <a:r>
+              <a:rPr lang="en-US" dirty="0" err="1"/>
+              <a:t>graphql</a:t>
+            </a:r>
+            <a:r>
+              <a:rPr lang="en-US" dirty="0"/>
+              <a:t> </a:t>
+            </a:r>
+            <a:r>
+              <a:rPr lang="en-US" dirty="0" err="1"/>
+              <a:t>graphql</a:t>
+            </a:r>
+            <a:r>
+              <a:rPr lang="en-US" dirty="0"/>
+              <a:t>-tag </a:t>
+            </a:r>
+            <a:r>
+              <a:rPr lang="en-US" dirty="0" smtClean="0"/>
+              <a:t>–save</a:t>
+            </a:r>
+          </a:p>
+          <a:p>
+            <a:pPr marL="0" indent="0">
+              <a:buNone/>
+            </a:pPr>
+            <a:endParaRPr lang="en-US" dirty="0"/>
+          </a:p>
+          <a:p>
+            <a:pPr marL="0" indent="0">
+              <a:buNone/>
+            </a:pPr>
+            <a:endParaRPr lang="en-US" b="1" dirty="0"/>
+          </a:p>
+          <a:p>
+            <a:pPr marL="0" indent="0">
+              <a:buNone/>
+            </a:pPr>
+            <a:endParaRPr lang="en-US" dirty="0"/>
+          </a:p>
+        </p:txBody>
+      </p:sp>
+    </p:spTree>
+    <p:extLst>
+      <p:ext uri="{BB962C8B-B14F-4D97-AF65-F5344CB8AC3E}">
+        <p14:creationId xmlns:p14="http://schemas.microsoft.com/office/powerpoint/2010/main" val="1070596522"/>
+      </p:ext>
+    </p:extLst>
+  </p:cSld>
+  <p:clrMapOvr>
+    <a:masterClrMapping/>
+  </p:clrMapOvr>
+</p:sld>
+</file>
+
+<file path=ppt/slides/slide47.xml><?xml version="1.0" encoding="utf-8"?>
+<p:sld xmlns:a="http://schemas.openxmlformats.org/drawingml/2006/main" xmlns:r="http://schemas.openxmlformats.org/officeDocument/2006/relationships" xmlns:p="http://schemas.openxmlformats.org/presentationml/2006/main">
+  <p:cSld>
+    <p:spTree>
+      <p:nvGrpSpPr>
+        <p:cNvPr id="1" name=""/>
+        <p:cNvGrpSpPr/>
+        <p:nvPr/>
+      </p:nvGrpSpPr>
+      <p:grpSpPr>
+        <a:xfrm>
+          <a:off x="0" y="0"/>
+          <a:ext cx="0" cy="0"/>
+          <a:chOff x="0" y="0"/>
+          <a:chExt cx="0" cy="0"/>
+        </a:xfrm>
+      </p:grpSpPr>
+      <p:sp>
+        <p:nvSpPr>
+          <p:cNvPr id="2" name="Title 1"/>
+          <p:cNvSpPr>
+            <a:spLocks noGrp="1"/>
+          </p:cNvSpPr>
+          <p:nvPr>
+            <p:ph type="title"/>
+          </p:nvPr>
+        </p:nvSpPr>
+        <p:spPr/>
+        <p:txBody>
+          <a:bodyPr/>
+          <a:lstStyle/>
+          <a:p>
+            <a:r>
+              <a:rPr lang="en-US" dirty="0" smtClean="0"/>
+              <a:t>Node </a:t>
+            </a:r>
+            <a:r>
+              <a:rPr lang="en-US" dirty="0" smtClean="0"/>
+              <a:t>dependencies</a:t>
+            </a:r>
+            <a:endParaRPr lang="en-US" dirty="0"/>
+          </a:p>
+        </p:txBody>
+      </p:sp>
+      <p:sp>
+        <p:nvSpPr>
+          <p:cNvPr id="3" name="Content Placeholder 2"/>
+          <p:cNvSpPr>
+            <a:spLocks noGrp="1"/>
+          </p:cNvSpPr>
+          <p:nvPr>
+            <p:ph idx="1"/>
+          </p:nvPr>
+        </p:nvSpPr>
+        <p:spPr/>
+        <p:txBody>
+          <a:bodyPr>
+            <a:normAutofit fontScale="92500"/>
+          </a:bodyPr>
+          <a:lstStyle/>
+          <a:p>
+            <a:r>
+              <a:rPr lang="en-US" dirty="0" err="1"/>
+              <a:t>apollo</a:t>
+            </a:r>
+            <a:r>
+              <a:rPr lang="en-US" dirty="0"/>
+              <a:t>-client is the Apollo Client library</a:t>
+            </a:r>
+          </a:p>
+          <a:p>
+            <a:r>
+              <a:rPr lang="en-US" dirty="0" err="1"/>
+              <a:t>apollo</a:t>
+            </a:r>
+            <a:r>
+              <a:rPr lang="en-US" dirty="0"/>
+              <a:t>-angular contains the bindings to use Apollo Client with Angular.</a:t>
+            </a:r>
+          </a:p>
+          <a:p>
+            <a:r>
+              <a:rPr lang="en-US" dirty="0" err="1"/>
+              <a:t>graphql</a:t>
+            </a:r>
+            <a:r>
+              <a:rPr lang="en-US" dirty="0"/>
+              <a:t>-tag is a </a:t>
+            </a:r>
+            <a:r>
+              <a:rPr lang="en-US" dirty="0" err="1"/>
+              <a:t>GraphQL</a:t>
+            </a:r>
+            <a:r>
+              <a:rPr lang="en-US" dirty="0"/>
+              <a:t> parser. Every </a:t>
+            </a:r>
+            <a:r>
+              <a:rPr lang="en-US" dirty="0" err="1"/>
+              <a:t>GraphQL</a:t>
+            </a:r>
+            <a:r>
+              <a:rPr lang="en-US" dirty="0"/>
+              <a:t> operation you hand over to Apollo Client will have to be parsed by the </a:t>
+            </a:r>
+            <a:r>
+              <a:rPr lang="en-US" dirty="0" err="1"/>
+              <a:t>gql</a:t>
+            </a:r>
+            <a:r>
+              <a:rPr lang="en-US" dirty="0"/>
+              <a:t> function.</a:t>
+            </a:r>
+          </a:p>
+          <a:p>
+            <a:r>
+              <a:rPr lang="en-US" dirty="0" err="1"/>
+              <a:t>apollo</a:t>
+            </a:r>
+            <a:r>
+              <a:rPr lang="en-US" dirty="0"/>
+              <a:t>-angular-link-http provides a similar </a:t>
+            </a:r>
+            <a:r>
+              <a:rPr lang="en-US" dirty="0" err="1"/>
+              <a:t>HttpLink</a:t>
+            </a:r>
+            <a:r>
+              <a:rPr lang="en-US" dirty="0"/>
+              <a:t> to Apollo’s </a:t>
+            </a:r>
+            <a:r>
+              <a:rPr lang="en-US" dirty="0" err="1"/>
+              <a:t>HttpLink</a:t>
+            </a:r>
+            <a:r>
+              <a:rPr lang="en-US" dirty="0"/>
+              <a:t> with one difference, it uses </a:t>
+            </a:r>
+            <a:r>
+              <a:rPr lang="en-US" dirty="0" err="1"/>
+              <a:t>Angular’s</a:t>
+            </a:r>
+            <a:r>
+              <a:rPr lang="en-US" dirty="0"/>
+              <a:t> </a:t>
+            </a:r>
+            <a:r>
+              <a:rPr lang="en-US" dirty="0" err="1"/>
+              <a:t>HttpClient</a:t>
+            </a:r>
+            <a:r>
+              <a:rPr lang="en-US" dirty="0"/>
+              <a:t>.</a:t>
+            </a:r>
+          </a:p>
+          <a:p>
+            <a:r>
+              <a:rPr lang="en-US" dirty="0" err="1"/>
+              <a:t>apollo</a:t>
+            </a:r>
+            <a:r>
+              <a:rPr lang="en-US" dirty="0"/>
+              <a:t>-cache-</a:t>
+            </a:r>
+            <a:r>
+              <a:rPr lang="en-US" dirty="0" err="1"/>
+              <a:t>inmemory</a:t>
+            </a:r>
+            <a:r>
+              <a:rPr lang="en-US" dirty="0"/>
+              <a:t> is a cache implementation that supports all of Apollo Client 1.0’s features without the dependency on </a:t>
+            </a:r>
+            <a:r>
+              <a:rPr lang="en-US" dirty="0" err="1"/>
+              <a:t>Redux</a:t>
+            </a:r>
+            <a:r>
+              <a:rPr lang="en-US" dirty="0"/>
+              <a:t>.</a:t>
+            </a:r>
+          </a:p>
+          <a:p>
+            <a:r>
+              <a:rPr lang="en-US" dirty="0" err="1"/>
+              <a:t>graphql</a:t>
+            </a:r>
+            <a:r>
+              <a:rPr lang="en-US" dirty="0"/>
+              <a:t> contains Facebook’s reference implementation of </a:t>
+            </a:r>
+            <a:r>
+              <a:rPr lang="en-US" dirty="0" err="1"/>
+              <a:t>GraphQL</a:t>
+            </a:r>
+            <a:r>
+              <a:rPr lang="en-US" dirty="0"/>
+              <a:t> - Apollo Client uses some of its functionality as well.</a:t>
+            </a:r>
+          </a:p>
+        </p:txBody>
+      </p:sp>
+    </p:spTree>
+    <p:extLst>
+      <p:ext uri="{BB962C8B-B14F-4D97-AF65-F5344CB8AC3E}">
+        <p14:creationId xmlns:p14="http://schemas.microsoft.com/office/powerpoint/2010/main" val="145795915"/>
+      </p:ext>
+    </p:extLst>
+  </p:cSld>
+  <p:clrMapOvr>
+    <a:masterClrMapping/>
+  </p:clrMapOvr>
+</p:sld>
+</file>
+
+<file path=ppt/slides/slide48.xml><?xml version="1.0" encoding="utf-8"?>
+<p:sld xmlns:a="http://schemas.openxmlformats.org/drawingml/2006/main" xmlns:r="http://schemas.openxmlformats.org/officeDocument/2006/relationships" xmlns:p="http://schemas.openxmlformats.org/presentationml/2006/main">
+  <p:cSld>
+    <p:spTree>
+      <p:nvGrpSpPr>
+        <p:cNvPr id="1" name=""/>
+        <p:cNvGrpSpPr/>
+        <p:nvPr/>
+      </p:nvGrpSpPr>
+      <p:grpSpPr>
+        <a:xfrm>
+          <a:off x="0" y="0"/>
+          <a:ext cx="0" cy="0"/>
+          <a:chOff x="0" y="0"/>
+          <a:chExt cx="0" cy="0"/>
+        </a:xfrm>
+      </p:grpSpPr>
+      <p:sp>
+        <p:nvSpPr>
+          <p:cNvPr id="2" name="Title 1"/>
+          <p:cNvSpPr>
+            <a:spLocks noGrp="1"/>
+          </p:cNvSpPr>
+          <p:nvPr>
+            <p:ph type="title"/>
+          </p:nvPr>
+        </p:nvSpPr>
+        <p:spPr/>
+        <p:txBody>
+          <a:bodyPr/>
+          <a:lstStyle/>
+          <a:p>
+            <a:r>
+              <a:rPr lang="en-US" smtClean="0"/>
+              <a:t>Code : GraphQL integration with Angular 6 application using Apollo Client</a:t>
+            </a:r>
+            <a:endParaRPr lang="en-US" dirty="0"/>
+          </a:p>
+        </p:txBody>
+      </p:sp>
+      <p:sp>
+        <p:nvSpPr>
+          <p:cNvPr id="3" name="Content Placeholder 2"/>
+          <p:cNvSpPr>
+            <a:spLocks noGrp="1"/>
+          </p:cNvSpPr>
+          <p:nvPr>
+            <p:ph idx="1"/>
+          </p:nvPr>
+        </p:nvSpPr>
+        <p:spPr/>
+        <p:txBody>
+          <a:bodyPr/>
+          <a:lstStyle/>
+          <a:p>
+            <a:pPr marL="0" indent="0">
+              <a:buNone/>
+            </a:pPr>
+            <a:r>
+              <a:rPr lang="en-US" b="1" dirty="0" smtClean="0"/>
+              <a:t>Code</a:t>
+            </a:r>
+            <a:endParaRPr lang="en-US" dirty="0" smtClean="0"/>
+          </a:p>
+          <a:p>
+            <a:pPr marL="0" indent="0">
+              <a:buNone/>
+            </a:pPr>
+            <a:r>
+              <a:rPr lang="en-US" dirty="0" smtClean="0">
+                <a:hlinkClick r:id="rId2"/>
+              </a:rPr>
+              <a:t>https://github.com/garunprabu/ng-apollo-graphql</a:t>
+            </a:r>
+            <a:endParaRPr lang="en-US" dirty="0" smtClean="0"/>
+          </a:p>
+          <a:p>
+            <a:pPr marL="0" indent="0">
+              <a:buNone/>
+            </a:pPr>
+            <a:endParaRPr lang="en-US" dirty="0"/>
+          </a:p>
+          <a:p>
+            <a:pPr marL="0" indent="0">
+              <a:buNone/>
+            </a:pPr>
+            <a:endParaRPr lang="en-US" dirty="0" smtClean="0"/>
+          </a:p>
+          <a:p>
+            <a:pPr marL="0" indent="0">
+              <a:buNone/>
+            </a:pPr>
+            <a:r>
+              <a:rPr lang="en-US" b="1" dirty="0" smtClean="0"/>
+              <a:t>Reference</a:t>
+            </a:r>
+            <a:endParaRPr lang="en-US" b="1" dirty="0"/>
+          </a:p>
+        </p:txBody>
+      </p:sp>
+      <p:sp>
+        <p:nvSpPr>
+          <p:cNvPr id="4" name="Rectangle 3"/>
+          <p:cNvSpPr/>
+          <p:nvPr/>
+        </p:nvSpPr>
+        <p:spPr>
+          <a:xfrm>
+            <a:off x="838199" y="4156713"/>
+            <a:ext cx="10898875" cy="1200329"/>
+          </a:xfrm>
+          <a:prstGeom prst="rect">
+            <a:avLst/>
+          </a:prstGeom>
+        </p:spPr>
+        <p:txBody>
+          <a:bodyPr wrap="square">
+            <a:spAutoFit/>
+          </a:bodyPr>
+          <a:lstStyle/>
+          <a:p>
+            <a:endParaRPr lang="en-US" dirty="0" smtClean="0">
+              <a:hlinkClick r:id="rId3"/>
+            </a:endParaRPr>
+          </a:p>
+          <a:p>
+            <a:r>
+              <a:rPr lang="en-US" dirty="0" smtClean="0">
+                <a:hlinkClick r:id="rId3"/>
+              </a:rPr>
+              <a:t>https</a:t>
+            </a:r>
+            <a:r>
+              <a:rPr lang="en-US" dirty="0">
+                <a:hlinkClick r:id="rId3"/>
+              </a:rPr>
+              <a:t>://</a:t>
+            </a:r>
+            <a:r>
+              <a:rPr lang="en-US" dirty="0" smtClean="0">
+                <a:hlinkClick r:id="rId3"/>
+              </a:rPr>
+              <a:t>medium.com/codingthesmartway-com-blog/apollo-client-for-angular-making-use-of-graphql-8d9a571e020c</a:t>
+            </a:r>
+            <a:endParaRPr lang="en-US" dirty="0" smtClean="0"/>
+          </a:p>
+          <a:p>
+            <a:endParaRPr lang="en-US" dirty="0"/>
+          </a:p>
+        </p:txBody>
+      </p:sp>
+    </p:spTree>
+    <p:extLst>
+      <p:ext uri="{BB962C8B-B14F-4D97-AF65-F5344CB8AC3E}">
+        <p14:creationId xmlns:p14="http://schemas.microsoft.com/office/powerpoint/2010/main" val="1951252215"/>
+      </p:ext>
+    </p:extLst>
+  </p:cSld>
+  <p:clrMapOvr>
+    <a:masterClrMapping/>
+  </p:clrMapOvr>
+</p:sld>
+</file>
+
+<file path=ppt/slides/slide49.xml><?xml version="1.0" encoding="utf-8"?>
+<p:sld xmlns:a="http://schemas.openxmlformats.org/drawingml/2006/main" xmlns:r="http://schemas.openxmlformats.org/officeDocument/2006/relationships" xmlns:p="http://schemas.openxmlformats.org/presentationml/2006/main">
+  <p:cSld>
+    <p:spTree>
+      <p:nvGrpSpPr>
+        <p:cNvPr id="1" name=""/>
+        <p:cNvGrpSpPr/>
+        <p:nvPr/>
+      </p:nvGrpSpPr>
+      <p:grpSpPr>
+        <a:xfrm>
+          <a:off x="0" y="0"/>
+          <a:ext cx="0" cy="0"/>
+          <a:chOff x="0" y="0"/>
+          <a:chExt cx="0" cy="0"/>
+        </a:xfrm>
+      </p:grpSpPr>
+      <p:sp>
+        <p:nvSpPr>
+          <p:cNvPr id="3" name="Content Placeholder 2"/>
+          <p:cNvSpPr>
+            <a:spLocks noGrp="1"/>
+          </p:cNvSpPr>
+          <p:nvPr>
+            <p:ph idx="1"/>
+          </p:nvPr>
+        </p:nvSpPr>
+        <p:spPr/>
+        <p:txBody>
+          <a:bodyPr/>
+          <a:lstStyle/>
+          <a:p>
+            <a:pPr marL="0" indent="0" algn="ctr">
+              <a:buNone/>
+            </a:pPr>
+            <a:r>
+              <a:rPr lang="en-US" dirty="0" smtClean="0"/>
+              <a:t>Questions ??????</a:t>
+            </a:r>
+            <a:endParaRPr lang="en-US" dirty="0"/>
+          </a:p>
+        </p:txBody>
+      </p:sp>
+    </p:spTree>
+    <p:extLst>
+      <p:ext uri="{BB962C8B-B14F-4D97-AF65-F5344CB8AC3E}">
+        <p14:creationId xmlns:p14="http://schemas.microsoft.com/office/powerpoint/2010/main" val="4221536443"/>
+      </p:ext>
+    </p:extLst>
+  </p:cSld>
+  <p:clrMapOvr>
+    <a:masterClrMapping/>
+  </p:clrMapOvr>
+</p:sld>
+</file>
+
 <file path=ppt/slides/slide5.xml><?xml version="1.0" encoding="utf-8"?>
 <p:sld xmlns:a="http://schemas.openxmlformats.org/drawingml/2006/main" xmlns:r="http://schemas.openxmlformats.org/officeDocument/2006/relationships" xmlns:p="http://schemas.openxmlformats.org/presentationml/2006/main">
   <p:cSld>
@@ -6643,14 +11956,14 @@
           <a:lstStyle/>
           <a:p>
             <a:r>
-              <a:rPr lang="en-US" dirty="0" smtClean="0"/>
+              <a:rPr lang="en-US" b="1" dirty="0" smtClean="0"/>
               <a:t>Slightly Complex </a:t>
             </a:r>
             <a:r>
-              <a:rPr lang="en-US" dirty="0" err="1" smtClean="0"/>
+              <a:rPr lang="en-US" b="1" dirty="0" err="1" smtClean="0"/>
               <a:t>Apis</a:t>
             </a:r>
-            <a:endParaRPr lang="en-US" dirty="0"/>
+            <a:endParaRPr lang="en-US" b="1" dirty="0"/>
           </a:p>
         </p:txBody>
       </p:sp>
@@ -7004,6 +12317,64 @@
 </p:sld>
 </file>
 
+<file path=ppt/slides/slide50.xml><?xml version="1.0" encoding="utf-8"?>
+<p:sld xmlns:a="http://schemas.openxmlformats.org/drawingml/2006/main" xmlns:r="http://schemas.openxmlformats.org/officeDocument/2006/relationships" xmlns:p="http://schemas.openxmlformats.org/presentationml/2006/main">
+  <p:cSld>
+    <p:spTree>
+      <p:nvGrpSpPr>
+        <p:cNvPr id="1" name=""/>
+        <p:cNvGrpSpPr/>
+        <p:nvPr/>
+      </p:nvGrpSpPr>
+      <p:grpSpPr>
+        <a:xfrm>
+          <a:off x="0" y="0"/>
+          <a:ext cx="0" cy="0"/>
+          <a:chOff x="0" y="0"/>
+          <a:chExt cx="0" cy="0"/>
+        </a:xfrm>
+      </p:grpSpPr>
+      <p:sp>
+        <p:nvSpPr>
+          <p:cNvPr id="3" name="Content Placeholder 2"/>
+          <p:cNvSpPr>
+            <a:spLocks noGrp="1"/>
+          </p:cNvSpPr>
+          <p:nvPr>
+            <p:ph idx="1"/>
+          </p:nvPr>
+        </p:nvSpPr>
+        <p:spPr/>
+        <p:txBody>
+          <a:bodyPr>
+            <a:normAutofit/>
+          </a:bodyPr>
+          <a:lstStyle/>
+          <a:p>
+            <a:pPr marL="0" indent="0" algn="ctr">
+              <a:buNone/>
+            </a:pPr>
+            <a:r>
+              <a:rPr lang="en-US" sz="5400" dirty="0" smtClean="0"/>
+              <a:t>Thanks</a:t>
+            </a:r>
+            <a:endParaRPr lang="en-US" sz="5400" dirty="0"/>
+          </a:p>
+        </p:txBody>
+      </p:sp>
+    </p:spTree>
+    <p:extLst>
+      <p:ext uri="{BB962C8B-B14F-4D97-AF65-F5344CB8AC3E}">
+        <p14:creationId xmlns:p14="http://schemas.microsoft.com/office/powerpoint/2010/main" val="236451764"/>
+      </p:ext>
+    </p:extLst>
+  </p:cSld>
+  <p:clrMapOvr>
+    <a:masterClrMapping/>
+  </p:clrMapOvr>
+</p:sld>
+</file>
+
 <file path=ppt/slides/slide6.xml><?xml version="1.0" encoding="utf-8"?>
 <p:sld xmlns:a="http://schemas.openxmlformats.org/drawingml/2006/main" xmlns:r="http://schemas.openxmlformats.org/officeDocument/2006/relationships" xmlns:p="http://schemas.openxmlformats.org/presentationml/2006/main">
   <p:cSld>
@@ -7037,10 +12408,18 @@
           <a:lstStyle/>
           <a:p>
             <a:r>
-              <a:rPr lang="en-US" dirty="0" smtClean="0"/>
-              <a:t>Friends Page in App !!!</a:t>
-            </a:r>
-            <a:endParaRPr lang="en-US" dirty="0"/>
+              <a:rPr lang="en-US" b="1" dirty="0" smtClean="0"/>
+              <a:t>Friends Page in </a:t>
+            </a:r>
+            <a:r>
+              <a:rPr lang="en-US" b="1" dirty="0" smtClean="0"/>
+              <a:t>App </a:t>
+            </a:r>
+            <a:r>
+              <a:rPr lang="en-US" b="1" dirty="0" smtClean="0"/>
+              <a:t>!!!</a:t>
+            </a:r>
+            <a:endParaRPr lang="en-US" b="1" dirty="0"/>
           </a:p>
         </p:txBody>
       </p:sp>
@@ -7234,7 +12613,7 @@
           </p:nvPr>
         </p:nvPicPr>
         <p:blipFill>
-          <a:blip r:embed="rId2">
+          <a:blip r:embed="rId3">
             <a:extLst>
               <a:ext uri="{28A0092B-C50C-407E-A947-70E740481C1C}">
                 <a14:useLocalDpi xmlns:a14="http://schemas.microsoft.com/office/drawing/2010/main" val="0"/>
@@ -7305,10 +12684,14 @@
           <a:lstStyle/>
           <a:p>
             <a:r>
-              <a:rPr lang="en-US" dirty="0" smtClean="0"/>
-              <a:t>Complex Scenarios</a:t>
-            </a:r>
-            <a:endParaRPr lang="en-US" dirty="0"/>
+              <a:rPr lang="en-US" b="1" dirty="0" smtClean="0"/>
+              <a:t>Complex </a:t>
+            </a:r>
+            <a:r>
+              <a:rPr lang="en-US" b="1" dirty="0" smtClean="0"/>
+              <a:t>Scenarios (APIs to populate the Friends page)</a:t>
+            </a:r>
+            <a:endParaRPr lang="en-US" b="1" dirty="0"/>
           </a:p>
         </p:txBody>
       </p:sp>
@@ -7347,14 +12730,14 @@
           <p:nvPr>
             <p:extLst>
               <p:ext uri="{D42A27DB-BD31-4B8C-83A1-F6EECF244321}">
-                <p14:modId xmlns:p14="http://schemas.microsoft.com/office/powerpoint/2010/main" val="76587794"/>
+                <p14:modId xmlns:p14="http://schemas.microsoft.com/office/powerpoint/2010/main" val="3718174521"/>
               </p:ext>
             </p:extLst>
           </p:nvPr>
         </p:nvGraphicFramePr>
         <p:xfrm>
           <a:off x="1404203" y="2234568"/>
-          <a:ext cx="8127999" cy="2021840"/>
+          <a:ext cx="8127999" cy="2570480"/>
         </p:xfrm>
         <a:graphic>
           <a:graphicData uri="http://schemas.openxmlformats.org/drawingml/2006/table">
@@ -7543,7 +12926,19 @@
                       </a:r>
                       <a:r>
                         <a:rPr lang="en-US" baseline="0" dirty="0" smtClean="0"/>
-                        <a:t> companies and position of user with id 1</a:t>
+                        <a:t> companies and position of user with id </a:t>
+                      </a:r>
+                      <a:r>
+                        <a:rPr lang="en-US" baseline="0" dirty="0" smtClean="0"/>
+                        <a:t>1(We need this </a:t>
+                      </a:r>
+                      <a:r>
+                        <a:rPr lang="en-US" baseline="0" dirty="0" err="1" smtClean="0"/>
+                        <a:t>api</a:t>
+                      </a:r>
+                      <a:r>
+                        <a:rPr lang="en-US" baseline="0" dirty="0" smtClean="0"/>
+                        <a:t> to populate friends page)</a:t>
                       </a:r>
                       <a:endParaRPr lang="en-US" dirty="0"/>
                     </a:p>
@@ -7608,10 +13003,10 @@
           <a:lstStyle/>
           <a:p>
             <a:r>
-              <a:rPr lang="en-US" dirty="0" smtClean="0"/>
+              <a:rPr lang="en-US" b="1" dirty="0" smtClean="0"/>
               <a:t>Complex Scenarios</a:t>
             </a:r>
-            <a:endParaRPr lang="en-US" dirty="0"/>
+            <a:endParaRPr lang="en-US" b="1" dirty="0"/>
           </a:p>
         </p:txBody>
       </p:sp>
@@ -7650,14 +13045,14 @@
           <p:nvPr>
             <p:extLst>
               <p:ext uri="{D42A27DB-BD31-4B8C-83A1-F6EECF244321}">
-                <p14:modId xmlns:p14="http://schemas.microsoft.com/office/powerpoint/2010/main" val="1294256525"/>
+                <p14:modId xmlns:p14="http://schemas.microsoft.com/office/powerpoint/2010/main" val="2815914290"/>
               </p:ext>
             </p:extLst>
           </p:nvPr>
         </p:nvGraphicFramePr>
         <p:xfrm>
           <a:off x="1404203" y="2234568"/>
-          <a:ext cx="8127999" cy="4399280"/>
+          <a:ext cx="8127999" cy="4673600"/>
         </p:xfrm>
         <a:graphic>
           <a:graphicData uri="http://schemas.openxmlformats.org/drawingml/2006/table">
@@ -7908,6 +13303,22 @@
                     <a:bodyPr/>
                     <a:lstStyle/>
                     <a:p>
+                      <a:r>
+                        <a:rPr lang="en-US" dirty="0" smtClean="0"/>
+                        <a:t>User with</a:t>
+                      </a:r>
+                      <a:r>
+                        <a:rPr lang="en-US" baseline="0" dirty="0" smtClean="0"/>
+                        <a:t> id 2 and 3 or friends of user id 1. We may need to call this </a:t>
+                      </a:r>
+                      <a:r>
+                        <a:rPr lang="en-US" baseline="0" dirty="0" err="1" smtClean="0"/>
+                        <a:t>api</a:t>
+                      </a:r>
+                      <a:r>
+                        <a:rPr lang="en-US" baseline="0" dirty="0" smtClean="0"/>
+                        <a:t> to get the company and position details of user id 1</a:t>
+                      </a:r>
                       <a:endParaRPr lang="en-US" dirty="0"/>
                     </a:p>
                   </a:txBody>
@@ -7960,7 +13371,15 @@
                       </a:r>
                       <a:r>
                         <a:rPr lang="en-US" baseline="0" dirty="0" smtClean="0"/>
-                        <a:t> companies and position of user with id 1</a:t>
+                        <a:t> companies and position of </a:t>
+                      </a:r>
+                      <a:r>
+                        <a:rPr lang="en-US" baseline="0" dirty="0" smtClean="0"/>
+                        <a:t>friends of user with </a:t>
+                      </a:r>
+                      <a:r>
+                        <a:rPr lang="en-US" baseline="0" dirty="0" smtClean="0"/>
+                        <a:t>id 1</a:t>
                       </a:r>
                       <a:endParaRPr lang="en-US" dirty="0"/>
                     </a:p>
@@ -8303,4 +13722,265 @@
     </a:ext>
   </a:extLst>
 </a:theme>
+</file>
+
+<file path=ppt/theme/theme2.xml><?xml version="1.0" encoding="utf-8"?>
+<a:theme xmlns:a="http://schemas.openxmlformats.org/drawingml/2006/main" name="Office Theme">
+  <a:themeElements>
+    <a:clrScheme name="Office">
+      <a:dk1>
+        <a:sysClr val="windowText" lastClr="000000"/>
+      </a:dk1>
+      <a:lt1>
+        <a:sysClr val="window" lastClr="FFFFFF"/>
+      </a:lt1>
+      <a:dk2>
+        <a:srgbClr val="44546A"/>
+      </a:dk2>
+      <a:lt2>
+        <a:srgbClr val="E7E6E6"/>
+      </a:lt2>
+      <a:accent1>
+        <a:srgbClr val="5B9BD5"/>
+      </a:accent1>
+      <a:accent2>
+        <a:srgbClr val="ED7D31"/>
+      </a:accent2>
+      <a:accent3>
+        <a:srgbClr val="A5A5A5"/>
+      </a:accent3>
+      <a:accent4>
+        <a:srgbClr val="FFC000"/>
+      </a:accent4>
+      <a:accent5>
+        <a:srgbClr val="4472C4"/>
+      </a:accent5>
+      <a:accent6>
+        <a:srgbClr val="70AD47"/>
+      </a:accent6>
+      <a:hlink>
+        <a:srgbClr val="0563C1"/>
+      </a:hlink>
+      <a:folHlink>
+        <a:srgbClr val="954F72"/>
+      </a:folHlink>
+    </a:clrScheme>
+    <a:fontScheme name="Office">
+      <a:majorFont>
+        <a:latin typeface="Calibri Light" panose="020F0302020204030204"/>
+        <a:ea typeface=""/>
+        <a:cs typeface=""/>
+        <a:font script="Jpan" typeface="ＭＳ Ｐゴシック"/>
+        <a:font script="Hang" typeface="맑은 고딕"/>
+        <a:font script="Hans" typeface="宋体"/>
+        <a:font script="Hant" typeface="新細明體"/>
+        <a:font script="Arab" typeface="Times New Roman"/>
+        <a:font script="Hebr" typeface="Times New Roman"/>
+        <a:font script="Thai" typeface="Angsana New"/>
+        <a:font script="Ethi" typeface="Nyala"/>
+        <a:font script="Beng" typeface="Vrinda"/>
+        <a:font script="Gujr" typeface="Shruti"/>
+        <a:font script="Khmr" typeface="MoolBoran"/>
+        <a:font script="Knda" typeface="Tunga"/>
+        <a:font script="Guru" typeface="Raavi"/>
+        <a:font script="Cans" typeface="Euphemia"/>
+        <a:font script="Cher" typeface="Plantagenet Cherokee"/>
+        <a:font script="Yiii" typeface="Microsoft Yi Baiti"/>
+        <a:font script="Tibt" typeface="Microsoft Himalaya"/>
+        <a:font script="Thaa" typeface="MV Boli"/>
+        <a:font script="Deva" typeface="Mangal"/>
+        <a:font script="Telu" typeface="Gautami"/>
+        <a:font script="Taml" typeface="Latha"/>
+        <a:font script="Syrc" typeface="Estrangelo Edessa"/>
+        <a:font script="Orya" typeface="Kalinga"/>
+        <a:font script="Mlym" typeface="Kartika"/>
+        <a:font script="Laoo" typeface="DokChampa"/>
+        <a:font script="Sinh" typeface="Iskoola Pota"/>
+        <a:font script="Mong" typeface="Mongolian Baiti"/>
+        <a:font script="Viet" typeface="Times New Roman"/>
+        <a:font script="Uigh" typeface="Microsoft Uighur"/>
+        <a:font script="Geor" typeface="Sylfaen"/>
+      </a:majorFont>
+      <a:minorFont>
+        <a:latin typeface="Calibri" panose="020F0502020204030204"/>
+        <a:ea typeface=""/>
+        <a:cs typeface=""/>
+        <a:font script="Jpan" typeface="ＭＳ Ｐゴシック"/>
+        <a:font script="Hang" typeface="맑은 고딕"/>
+        <a:font script="Hans" typeface="宋体"/>
+        <a:font script="Hant" typeface="新細明體"/>
+        <a:font script="Arab" typeface="Arial"/>
+        <a:font script="Hebr" typeface="Arial"/>
+        <a:font script="Thai" typeface="Cordia New"/>
+        <a:font script="Ethi" typeface="Nyala"/>
+        <a:font script="Beng" typeface="Vrinda"/>
+        <a:font script="Gujr" typeface="Shruti"/>
+        <a:font script="Khmr" typeface="DaunPenh"/>
+        <a:font script="Knda" typeface="Tunga"/>
+        <a:font script="Guru" typeface="Raavi"/>
+        <a:font script="Cans" typeface="Euphemia"/>
+        <a:font script="Cher" typeface="Plantagenet Cherokee"/>
+        <a:font script="Yiii" typeface="Microsoft Yi Baiti"/>
+        <a:font script="Tibt" typeface="Microsoft Himalaya"/>
+        <a:font script="Thaa" typeface="MV Boli"/>
+        <a:font script="Deva" typeface="Mangal"/>
+        <a:font script="Telu" typeface="Gautami"/>
+        <a:font script="Taml" typeface="Latha"/>
+        <a:font script="Syrc" typeface="Estrangelo Edessa"/>
+        <a:font script="Orya" typeface="Kalinga"/>
+        <a:font script="Mlym" typeface="Kartika"/>
+        <a:font script="Laoo" typeface="DokChampa"/>
+        <a:font script="Sinh" typeface="Iskoola Pota"/>
+        <a:font script="Mong" typeface="Mongolian Baiti"/>
+        <a:font script="Viet" typeface="Arial"/>
+        <a:font script="Uigh" typeface="Microsoft Uighur"/>
+        <a:font script="Geor" typeface="Sylfaen"/>
+      </a:minorFont>
+    </a:fontScheme>
+    <a:fmtScheme name="Office">
+      <a:fillStyleLst>
+        <a:solidFill>
+          <a:schemeClr val="phClr"/>
+        </a:solidFill>
+        <a:gradFill rotWithShape="1">
+          <a:gsLst>
+            <a:gs pos="0">
+              <a:schemeClr val="phClr">
+                <a:lumMod val="110000"/>
+                <a:satMod val="105000"/>
+                <a:tint val="67000"/>
+              </a:schemeClr>
+            </a:gs>
+            <a:gs pos="50000">
+              <a:schemeClr val="phClr">
+                <a:lumMod val="105000"/>
+                <a:satMod val="103000"/>
+                <a:tint val="73000"/>
+              </a:schemeClr>
+            </a:gs>
+            <a:gs pos="100000">
+              <a:schemeClr val="phClr">
+                <a:lumMod val="105000"/>
+                <a:satMod val="109000"/>
+                <a:tint val="81000"/>
+              </a:schemeClr>
+            </a:gs>
+          </a:gsLst>
+          <a:lin ang="5400000" scaled="0"/>
+        </a:gradFill>
+        <a:gradFill rotWithShape="1">
+          <a:gsLst>
+            <a:gs pos="0">
+              <a:schemeClr val="phClr">
+                <a:satMod val="103000"/>
+                <a:lumMod val="102000"/>
+                <a:tint val="94000"/>
+              </a:schemeClr>
+            </a:gs>
+            <a:gs pos="50000">
+              <a:schemeClr val="phClr">
+                <a:satMod val="110000"/>
+                <a:lumMod val="100000"/>
+                <a:shade val="100000"/>
+              </a:schemeClr>
+            </a:gs>
+            <a:gs pos="100000">
+              <a:schemeClr val="phClr">
+                <a:lumMod val="99000"/>
+                <a:satMod val="120000"/>
+                <a:shade val="78000"/>
+              </a:schemeClr>
+            </a:gs>
+          </a:gsLst>
+          <a:lin ang="5400000" scaled="0"/>
+        </a:gradFill>
+      </a:fillStyleLst>
+      <a:lnStyleLst>
+        <a:ln w="6350" cap="flat" cmpd="sng" algn="ctr">
+          <a:solidFill>
+            <a:schemeClr val="phClr"/>
+          </a:solidFill>
+          <a:prstDash val="solid"/>
+          <a:miter lim="800000"/>
+        </a:ln>
+        <a:ln w="12700" cap="flat" cmpd="sng" algn="ctr">
+          <a:solidFill>
+            <a:schemeClr val="phClr"/>
+          </a:solidFill>
+          <a:prstDash val="solid"/>
+          <a:miter lim="800000"/>
+        </a:ln>
+        <a:ln w="19050" cap="flat" cmpd="sng" algn="ctr">
+          <a:solidFill>
+            <a:schemeClr val="phClr"/>
+          </a:solidFill>
+          <a:prstDash val="solid"/>
+          <a:miter lim="800000"/>
+        </a:ln>
+      </a:lnStyleLst>
+      <a:effectStyleLst>
+        <a:effectStyle>
+          <a:effectLst/>
+        </a:effectStyle>
+        <a:effectStyle>
+          <a:effectLst/>
+        </a:effectStyle>
+        <a:effectStyle>
+          <a:effectLst>
+            <a:outerShdw blurRad="57150" dist="19050" dir="5400000" algn="ctr" rotWithShape="0">
+              <a:srgbClr val="000000">
+                <a:alpha val="63000"/>
+              </a:srgbClr>
+            </a:outerShdw>
+          </a:effectLst>
+        </a:effectStyle>
+      </a:effectStyleLst>
+      <a:bgFillStyleLst>
+        <a:solidFill>
+          <a:schemeClr val="phClr"/>
+        </a:solidFill>
+        <a:solidFill>
+          <a:schemeClr val="phClr">
+            <a:tint val="95000"/>
+            <a:satMod val="170000"/>
+          </a:schemeClr>
+        </a:solidFill>
+        <a:gradFill rotWithShape="1">
+          <a:gsLst>
+            <a:gs pos="0">
+              <a:schemeClr val="phClr">
+                <a:tint val="93000"/>
+                <a:satMod val="150000"/>
+                <a:shade val="98000"/>
+                <a:lumMod val="102000"/>
+              </a:schemeClr>
+            </a:gs>
+            <a:gs pos="50000">
+              <a:schemeClr val="phClr">
+                <a:tint val="98000"/>
+                <a:satMod val="130000"/>
+                <a:shade val="90000"/>
+                <a:lumMod val="103000"/>
+              </a:schemeClr>
+            </a:gs>
+            <a:gs pos="100000">
+              <a:schemeClr val="phClr">
+                <a:shade val="63000"/>
+                <a:satMod val="120000"/>
+              </a:schemeClr>
+            </a:gs>
+          </a:gsLst>
+          <a:lin ang="5400000" scaled="0"/>
+        </a:gradFill>
+      </a:bgFillStyleLst>
+    </a:fmtScheme>
+  </a:themeElements>
+  <a:objectDefaults/>
+  <a:extraClrSchemeLst/>
+  <a:extLst>
+    <a:ext uri="{05A4C25C-085E-4340-85A3-A5531E510DB2}">
+      <thm15:themeFamily xmlns:thm15="http://schemas.microsoft.com/office/thememl/2012/main" name="Office Theme" id="{62F939B6-93AF-4DB8-9C6B-D6C7DFDC589F}" vid="{4A3C46E8-61CC-4603-A589-7422A47A8E4A}"/>
+    </a:ext>
+  </a:extLst>
+</a:theme>
 </file>